--- a/pwoer point imade/Final.pptx
+++ b/pwoer point imade/Final.pptx
@@ -5,22 +5,21 @@
     <p:sldMasterId id="2147483648" r:id="rId1"/>
   </p:sldMasterIdLst>
   <p:notesMasterIdLst>
-    <p:notesMasterId r:id="rId15"/>
+    <p:notesMasterId r:id="rId14"/>
   </p:notesMasterIdLst>
   <p:sldIdLst>
-    <p:sldId id="258" r:id="rId2"/>
-    <p:sldId id="257" r:id="rId3"/>
-    <p:sldId id="259" r:id="rId4"/>
-    <p:sldId id="260" r:id="rId5"/>
-    <p:sldId id="261" r:id="rId6"/>
-    <p:sldId id="262" r:id="rId7"/>
-    <p:sldId id="263" r:id="rId8"/>
-    <p:sldId id="264" r:id="rId9"/>
-    <p:sldId id="265" r:id="rId10"/>
-    <p:sldId id="267" r:id="rId11"/>
-    <p:sldId id="268" r:id="rId12"/>
-    <p:sldId id="269" r:id="rId13"/>
-    <p:sldId id="270" r:id="rId14"/>
+    <p:sldId id="257" r:id="rId2"/>
+    <p:sldId id="259" r:id="rId3"/>
+    <p:sldId id="260" r:id="rId4"/>
+    <p:sldId id="261" r:id="rId5"/>
+    <p:sldId id="262" r:id="rId6"/>
+    <p:sldId id="263" r:id="rId7"/>
+    <p:sldId id="264" r:id="rId8"/>
+    <p:sldId id="265" r:id="rId9"/>
+    <p:sldId id="267" r:id="rId10"/>
+    <p:sldId id="268" r:id="rId11"/>
+    <p:sldId id="269" r:id="rId12"/>
+    <p:sldId id="270" r:id="rId13"/>
   </p:sldIdLst>
   <p:sldSz cx="12192000" cy="6858000"/>
   <p:notesSz cx="6858000" cy="9144000"/>
@@ -119,6 +118,11 @@
       </a:defRPr>
     </a:lvl9pPr>
   </p:defaultTextStyle>
+  <p:extLst>
+    <p:ext uri="{EFAFB233-063F-42B5-8137-9DF3F51BA10A}">
+      <p15:sldGuideLst xmlns:p15="http://schemas.microsoft.com/office/powerpoint/2012/main"/>
+    </p:ext>
+  </p:extLst>
 </p:presentation>
 </file>
 
@@ -3278,7 +3282,7 @@
           <a:p>
             <a:fld id="{242DB5E9-C9F3-4668-92B4-40318C5208E8}" type="datetimeFigureOut">
               <a:rPr lang="en-US" smtClean="0"/>
-              <a:t>4/30/2025</a:t>
+              <a:t>6/5/2025</a:t>
             </a:fld>
             <a:endParaRPr lang="en-US"/>
           </a:p>
@@ -3610,7 +3614,7 @@
           <a:p>
             <a:fld id="{B5C6CD09-BADD-4A0C-99F0-2FBD86E3F5B2}" type="slidenum">
               <a:rPr lang="en-US" smtClean="0"/>
-              <a:t>6</a:t>
+              <a:t>5</a:t>
             </a:fld>
             <a:endParaRPr lang="en-US"/>
           </a:p>
@@ -3776,7 +3780,7 @@
           <a:p>
             <a:fld id="{24B23B36-97FE-4897-B08F-B2CA273C23A9}" type="datetimeFigureOut">
               <a:rPr lang="en-US" smtClean="0"/>
-              <a:t>4/30/2025</a:t>
+              <a:t>6/5/2025</a:t>
             </a:fld>
             <a:endParaRPr lang="en-US"/>
           </a:p>
@@ -3974,7 +3978,7 @@
           <a:p>
             <a:fld id="{24B23B36-97FE-4897-B08F-B2CA273C23A9}" type="datetimeFigureOut">
               <a:rPr lang="en-US" smtClean="0"/>
-              <a:t>4/30/2025</a:t>
+              <a:t>6/5/2025</a:t>
             </a:fld>
             <a:endParaRPr lang="en-US"/>
           </a:p>
@@ -4182,7 +4186,7 @@
           <a:p>
             <a:fld id="{24B23B36-97FE-4897-B08F-B2CA273C23A9}" type="datetimeFigureOut">
               <a:rPr lang="en-US" smtClean="0"/>
-              <a:t>4/30/2025</a:t>
+              <a:t>6/5/2025</a:t>
             </a:fld>
             <a:endParaRPr lang="en-US"/>
           </a:p>
@@ -4380,7 +4384,7 @@
           <a:p>
             <a:fld id="{24B23B36-97FE-4897-B08F-B2CA273C23A9}" type="datetimeFigureOut">
               <a:rPr lang="en-US" smtClean="0"/>
-              <a:t>4/30/2025</a:t>
+              <a:t>6/5/2025</a:t>
             </a:fld>
             <a:endParaRPr lang="en-US"/>
           </a:p>
@@ -4655,7 +4659,7 @@
           <a:p>
             <a:fld id="{24B23B36-97FE-4897-B08F-B2CA273C23A9}" type="datetimeFigureOut">
               <a:rPr lang="en-US" smtClean="0"/>
-              <a:t>4/30/2025</a:t>
+              <a:t>6/5/2025</a:t>
             </a:fld>
             <a:endParaRPr lang="en-US"/>
           </a:p>
@@ -4920,7 +4924,7 @@
           <a:p>
             <a:fld id="{24B23B36-97FE-4897-B08F-B2CA273C23A9}" type="datetimeFigureOut">
               <a:rPr lang="en-US" smtClean="0"/>
-              <a:t>4/30/2025</a:t>
+              <a:t>6/5/2025</a:t>
             </a:fld>
             <a:endParaRPr lang="en-US"/>
           </a:p>
@@ -5332,7 +5336,7 @@
           <a:p>
             <a:fld id="{24B23B36-97FE-4897-B08F-B2CA273C23A9}" type="datetimeFigureOut">
               <a:rPr lang="en-US" smtClean="0"/>
-              <a:t>4/30/2025</a:t>
+              <a:t>6/5/2025</a:t>
             </a:fld>
             <a:endParaRPr lang="en-US"/>
           </a:p>
@@ -5473,7 +5477,7 @@
           <a:p>
             <a:fld id="{24B23B36-97FE-4897-B08F-B2CA273C23A9}" type="datetimeFigureOut">
               <a:rPr lang="en-US" smtClean="0"/>
-              <a:t>4/30/2025</a:t>
+              <a:t>6/5/2025</a:t>
             </a:fld>
             <a:endParaRPr lang="en-US"/>
           </a:p>
@@ -5586,7 +5590,7 @@
           <a:p>
             <a:fld id="{24B23B36-97FE-4897-B08F-B2CA273C23A9}" type="datetimeFigureOut">
               <a:rPr lang="en-US" smtClean="0"/>
-              <a:t>4/30/2025</a:t>
+              <a:t>6/5/2025</a:t>
             </a:fld>
             <a:endParaRPr lang="en-US"/>
           </a:p>
@@ -5897,7 +5901,7 @@
           <a:p>
             <a:fld id="{24B23B36-97FE-4897-B08F-B2CA273C23A9}" type="datetimeFigureOut">
               <a:rPr lang="en-US" smtClean="0"/>
-              <a:t>4/30/2025</a:t>
+              <a:t>6/5/2025</a:t>
             </a:fld>
             <a:endParaRPr lang="en-US"/>
           </a:p>
@@ -6185,7 +6189,7 @@
           <a:p>
             <a:fld id="{24B23B36-97FE-4897-B08F-B2CA273C23A9}" type="datetimeFigureOut">
               <a:rPr lang="en-US" smtClean="0"/>
-              <a:t>4/30/2025</a:t>
+              <a:t>6/5/2025</a:t>
             </a:fld>
             <a:endParaRPr lang="en-US"/>
           </a:p>
@@ -6426,7 +6430,7 @@
           <a:p>
             <a:fld id="{24B23B36-97FE-4897-B08F-B2CA273C23A9}" type="datetimeFigureOut">
               <a:rPr lang="en-US" smtClean="0"/>
-              <a:t>4/30/2025</a:t>
+              <a:t>6/5/2025</a:t>
             </a:fld>
             <a:endParaRPr lang="en-US"/>
           </a:p>
@@ -6853,10 +6857,10 @@
       </p:grpSpPr>
       <p:sp useBgFill="1">
         <p:nvSpPr>
-          <p:cNvPr id="20" name="Rectangle 19">
+          <p:cNvPr id="17" name="Slide Background">
             <a:extLst>
               <a:ext uri="{FF2B5EF4-FFF2-40B4-BE49-F238E27FC236}">
-                <a16:creationId xmlns:a16="http://schemas.microsoft.com/office/drawing/2014/main" id="{45D37F4E-DDB4-456B-97E0-9937730A039F}"/>
+                <a16:creationId xmlns:a16="http://schemas.microsoft.com/office/drawing/2014/main" id="{C0763A76-9F1C-4FC5-82B7-DD475DA461B2}"/>
               </a:ext>
               <a:ext uri="{C183D7F6-B498-43B3-948B-1728B52AA6E4}">
                 <adec:decorative xmlns:adec="http://schemas.microsoft.com/office/drawing/2017/decorative" val="1"/>
@@ -6874,10 +6878,10 @@
             </p:extLst>
           </p:nvPr>
         </p:nvSpPr>
-        <p:spPr>
+        <p:spPr bwMode="white">
           <a:xfrm>
-            <a:off x="0" y="0"/>
-            <a:ext cx="12188952" cy="6858000"/>
+            <a:off x="-1" y="0"/>
+            <a:ext cx="12191999" cy="6858000"/>
           </a:xfrm>
           <a:prstGeom prst="rect">
             <a:avLst/>
@@ -6904,61 +6908,113 @@
         </p:style>
         <p:txBody>
           <a:bodyPr rtlCol="0" anchor="ctr"/>
-          <a:lstStyle/>
+          <a:lstStyle>
+            <a:defPPr>
+              <a:defRPr lang="en-US"/>
+            </a:defPPr>
+            <a:lvl1pPr marL="0" algn="l" defTabSz="914400" rtl="0" eaLnBrk="1" latinLnBrk="0" hangingPunct="1">
+              <a:defRPr sz="1800" kern="1200">
+                <a:solidFill>
+                  <a:schemeClr val="lt1"/>
+                </a:solidFill>
+                <a:latin typeface="+mn-lt"/>
+                <a:ea typeface="+mn-ea"/>
+                <a:cs typeface="+mn-cs"/>
+              </a:defRPr>
+            </a:lvl1pPr>
+            <a:lvl2pPr marL="457200" algn="l" defTabSz="914400" rtl="0" eaLnBrk="1" latinLnBrk="0" hangingPunct="1">
+              <a:defRPr sz="1800" kern="1200">
+                <a:solidFill>
+                  <a:schemeClr val="lt1"/>
+                </a:solidFill>
+                <a:latin typeface="+mn-lt"/>
+                <a:ea typeface="+mn-ea"/>
+                <a:cs typeface="+mn-cs"/>
+              </a:defRPr>
+            </a:lvl2pPr>
+            <a:lvl3pPr marL="914400" algn="l" defTabSz="914400" rtl="0" eaLnBrk="1" latinLnBrk="0" hangingPunct="1">
+              <a:defRPr sz="1800" kern="1200">
+                <a:solidFill>
+                  <a:schemeClr val="lt1"/>
+                </a:solidFill>
+                <a:latin typeface="+mn-lt"/>
+                <a:ea typeface="+mn-ea"/>
+                <a:cs typeface="+mn-cs"/>
+              </a:defRPr>
+            </a:lvl3pPr>
+            <a:lvl4pPr marL="1371600" algn="l" defTabSz="914400" rtl="0" eaLnBrk="1" latinLnBrk="0" hangingPunct="1">
+              <a:defRPr sz="1800" kern="1200">
+                <a:solidFill>
+                  <a:schemeClr val="lt1"/>
+                </a:solidFill>
+                <a:latin typeface="+mn-lt"/>
+                <a:ea typeface="+mn-ea"/>
+                <a:cs typeface="+mn-cs"/>
+              </a:defRPr>
+            </a:lvl4pPr>
+            <a:lvl5pPr marL="1828800" algn="l" defTabSz="914400" rtl="0" eaLnBrk="1" latinLnBrk="0" hangingPunct="1">
+              <a:defRPr sz="1800" kern="1200">
+                <a:solidFill>
+                  <a:schemeClr val="lt1"/>
+                </a:solidFill>
+                <a:latin typeface="+mn-lt"/>
+                <a:ea typeface="+mn-ea"/>
+                <a:cs typeface="+mn-cs"/>
+              </a:defRPr>
+            </a:lvl5pPr>
+            <a:lvl6pPr marL="2286000" algn="l" defTabSz="914400" rtl="0" eaLnBrk="1" latinLnBrk="0" hangingPunct="1">
+              <a:defRPr sz="1800" kern="1200">
+                <a:solidFill>
+                  <a:schemeClr val="lt1"/>
+                </a:solidFill>
+                <a:latin typeface="+mn-lt"/>
+                <a:ea typeface="+mn-ea"/>
+                <a:cs typeface="+mn-cs"/>
+              </a:defRPr>
+            </a:lvl6pPr>
+            <a:lvl7pPr marL="2743200" algn="l" defTabSz="914400" rtl="0" eaLnBrk="1" latinLnBrk="0" hangingPunct="1">
+              <a:defRPr sz="1800" kern="1200">
+                <a:solidFill>
+                  <a:schemeClr val="lt1"/>
+                </a:solidFill>
+                <a:latin typeface="+mn-lt"/>
+                <a:ea typeface="+mn-ea"/>
+                <a:cs typeface="+mn-cs"/>
+              </a:defRPr>
+            </a:lvl7pPr>
+            <a:lvl8pPr marL="3200400" algn="l" defTabSz="914400" rtl="0" eaLnBrk="1" latinLnBrk="0" hangingPunct="1">
+              <a:defRPr sz="1800" kern="1200">
+                <a:solidFill>
+                  <a:schemeClr val="lt1"/>
+                </a:solidFill>
+                <a:latin typeface="+mn-lt"/>
+                <a:ea typeface="+mn-ea"/>
+                <a:cs typeface="+mn-cs"/>
+              </a:defRPr>
+            </a:lvl8pPr>
+            <a:lvl9pPr marL="3657600" algn="l" defTabSz="914400" rtl="0" eaLnBrk="1" latinLnBrk="0" hangingPunct="1">
+              <a:defRPr sz="1800" kern="1200">
+                <a:solidFill>
+                  <a:schemeClr val="lt1"/>
+                </a:solidFill>
+                <a:latin typeface="+mn-lt"/>
+                <a:ea typeface="+mn-ea"/>
+                <a:cs typeface="+mn-cs"/>
+              </a:defRPr>
+            </a:lvl9pPr>
+          </a:lstStyle>
           <a:p>
             <a:pPr algn="ctr"/>
             <a:endParaRPr lang="en-US"/>
           </a:p>
         </p:txBody>
       </p:sp>
-      <p:sp>
+      <p:sp useBgFill="1">
         <p:nvSpPr>
-          <p:cNvPr id="2" name="Title 1">
+          <p:cNvPr id="19" name="Rectangle 18">
             <a:extLst>
               <a:ext uri="{FF2B5EF4-FFF2-40B4-BE49-F238E27FC236}">
-                <a16:creationId xmlns:a16="http://schemas.microsoft.com/office/drawing/2014/main" id="{B7EBF4D8-1C8C-A7F8-2080-2A250502C65A}"/>
-              </a:ext>
-            </a:extLst>
-          </p:cNvPr>
-          <p:cNvSpPr>
-            <a:spLocks noGrp="1"/>
-          </p:cNvSpPr>
-          <p:nvPr>
-            <p:ph type="title"/>
-          </p:nvPr>
-        </p:nvSpPr>
-        <p:spPr>
-          <a:xfrm>
-            <a:off x="572493" y="238539"/>
-            <a:ext cx="11018520" cy="1434415"/>
-          </a:xfrm>
-        </p:spPr>
-        <p:txBody>
-          <a:bodyPr vert="horz" lIns="91440" tIns="45720" rIns="91440" bIns="45720" rtlCol="0" anchor="b">
-            <a:normAutofit/>
-          </a:bodyPr>
-          <a:lstStyle/>
-          <a:p>
-            <a:r>
-              <a:rPr lang="en-US" sz="4200"/>
-              <a:t>𝓢𝓾𝓹𝓮𝓻𝓿𝓲𝓼𝓮𝓭 𝓫𝔂 </a:t>
-            </a:r>
-            <a:br>
-              <a:rPr lang="en-US" sz="4200"/>
-            </a:br>
-            <a:r>
-              <a:rPr lang="en-US" sz="4200"/>
-              <a:t>𝓓𝓡.𝓗𝓪𝓶𝓪𝓭𝓪 𝓘𝓫𝓻𝓪𝓱𝓲𝓶 𝓐𝓫𝓭𝓾𝓵𝓦𝓪𝓴𝓮𝓵</a:t>
-            </a:r>
-          </a:p>
-        </p:txBody>
-      </p:sp>
-      <p:sp>
-        <p:nvSpPr>
-          <p:cNvPr id="19" name="sketchy line">
-            <a:extLst>
-              <a:ext uri="{FF2B5EF4-FFF2-40B4-BE49-F238E27FC236}">
-                <a16:creationId xmlns:a16="http://schemas.microsoft.com/office/drawing/2014/main" id="{B2DD41CD-8F47-4F56-AD12-4E2FF7696987}"/>
+                <a16:creationId xmlns:a16="http://schemas.microsoft.com/office/drawing/2014/main" id="{E81BF4F6-F2CF-4984-9D14-D6966D92F99F}"/>
               </a:ext>
               <a:ext uri="{C183D7F6-B498-43B3-948B-1728B52AA6E4}">
                 <adec:decorative xmlns:adec="http://schemas.microsoft.com/office/drawing/2017/decorative" val="1"/>
@@ -6978,617 +7034,22 @@
         </p:nvSpPr>
         <p:spPr>
           <a:xfrm>
-            <a:off x="572493" y="1681544"/>
-            <a:ext cx="10972800" cy="18288"/>
+            <a:off x="1" y="0"/>
+            <a:ext cx="8522446" cy="2285999"/>
           </a:xfrm>
-          <a:custGeom>
+          <a:prstGeom prst="rect">
             <a:avLst/>
-            <a:gdLst>
-              <a:gd name="connsiteX0" fmla="*/ 0 w 10972800"/>
-              <a:gd name="connsiteY0" fmla="*/ 0 h 18288"/>
-              <a:gd name="connsiteX1" fmla="*/ 356616 w 10972800"/>
-              <a:gd name="connsiteY1" fmla="*/ 0 h 18288"/>
-              <a:gd name="connsiteX2" fmla="*/ 1042416 w 10972800"/>
-              <a:gd name="connsiteY2" fmla="*/ 0 h 18288"/>
-              <a:gd name="connsiteX3" fmla="*/ 1947672 w 10972800"/>
-              <a:gd name="connsiteY3" fmla="*/ 0 h 18288"/>
-              <a:gd name="connsiteX4" fmla="*/ 2633472 w 10972800"/>
-              <a:gd name="connsiteY4" fmla="*/ 0 h 18288"/>
-              <a:gd name="connsiteX5" fmla="*/ 2990088 w 10972800"/>
-              <a:gd name="connsiteY5" fmla="*/ 0 h 18288"/>
-              <a:gd name="connsiteX6" fmla="*/ 3456432 w 10972800"/>
-              <a:gd name="connsiteY6" fmla="*/ 0 h 18288"/>
-              <a:gd name="connsiteX7" fmla="*/ 4361688 w 10972800"/>
-              <a:gd name="connsiteY7" fmla="*/ 0 h 18288"/>
-              <a:gd name="connsiteX8" fmla="*/ 5266944 w 10972800"/>
-              <a:gd name="connsiteY8" fmla="*/ 0 h 18288"/>
-              <a:gd name="connsiteX9" fmla="*/ 6172200 w 10972800"/>
-              <a:gd name="connsiteY9" fmla="*/ 0 h 18288"/>
-              <a:gd name="connsiteX10" fmla="*/ 6528816 w 10972800"/>
-              <a:gd name="connsiteY10" fmla="*/ 0 h 18288"/>
-              <a:gd name="connsiteX11" fmla="*/ 7214616 w 10972800"/>
-              <a:gd name="connsiteY11" fmla="*/ 0 h 18288"/>
-              <a:gd name="connsiteX12" fmla="*/ 7790688 w 10972800"/>
-              <a:gd name="connsiteY12" fmla="*/ 0 h 18288"/>
-              <a:gd name="connsiteX13" fmla="*/ 8147304 w 10972800"/>
-              <a:gd name="connsiteY13" fmla="*/ 0 h 18288"/>
-              <a:gd name="connsiteX14" fmla="*/ 9052560 w 10972800"/>
-              <a:gd name="connsiteY14" fmla="*/ 0 h 18288"/>
-              <a:gd name="connsiteX15" fmla="*/ 9409176 w 10972800"/>
-              <a:gd name="connsiteY15" fmla="*/ 0 h 18288"/>
-              <a:gd name="connsiteX16" fmla="*/ 9765792 w 10972800"/>
-              <a:gd name="connsiteY16" fmla="*/ 0 h 18288"/>
-              <a:gd name="connsiteX17" fmla="*/ 10341864 w 10972800"/>
-              <a:gd name="connsiteY17" fmla="*/ 0 h 18288"/>
-              <a:gd name="connsiteX18" fmla="*/ 10972800 w 10972800"/>
-              <a:gd name="connsiteY18" fmla="*/ 0 h 18288"/>
-              <a:gd name="connsiteX19" fmla="*/ 10972800 w 10972800"/>
-              <a:gd name="connsiteY19" fmla="*/ 18288 h 18288"/>
-              <a:gd name="connsiteX20" fmla="*/ 10177272 w 10972800"/>
-              <a:gd name="connsiteY20" fmla="*/ 18288 h 18288"/>
-              <a:gd name="connsiteX21" fmla="*/ 9820656 w 10972800"/>
-              <a:gd name="connsiteY21" fmla="*/ 18288 h 18288"/>
-              <a:gd name="connsiteX22" fmla="*/ 9464040 w 10972800"/>
-              <a:gd name="connsiteY22" fmla="*/ 18288 h 18288"/>
-              <a:gd name="connsiteX23" fmla="*/ 8778240 w 10972800"/>
-              <a:gd name="connsiteY23" fmla="*/ 18288 h 18288"/>
-              <a:gd name="connsiteX24" fmla="*/ 8421624 w 10972800"/>
-              <a:gd name="connsiteY24" fmla="*/ 18288 h 18288"/>
-              <a:gd name="connsiteX25" fmla="*/ 7735824 w 10972800"/>
-              <a:gd name="connsiteY25" fmla="*/ 18288 h 18288"/>
-              <a:gd name="connsiteX26" fmla="*/ 6940296 w 10972800"/>
-              <a:gd name="connsiteY26" fmla="*/ 18288 h 18288"/>
-              <a:gd name="connsiteX27" fmla="*/ 6254496 w 10972800"/>
-              <a:gd name="connsiteY27" fmla="*/ 18288 h 18288"/>
-              <a:gd name="connsiteX28" fmla="*/ 5458968 w 10972800"/>
-              <a:gd name="connsiteY28" fmla="*/ 18288 h 18288"/>
-              <a:gd name="connsiteX29" fmla="*/ 4663440 w 10972800"/>
-              <a:gd name="connsiteY29" fmla="*/ 18288 h 18288"/>
-              <a:gd name="connsiteX30" fmla="*/ 4306824 w 10972800"/>
-              <a:gd name="connsiteY30" fmla="*/ 18288 h 18288"/>
-              <a:gd name="connsiteX31" fmla="*/ 3840480 w 10972800"/>
-              <a:gd name="connsiteY31" fmla="*/ 18288 h 18288"/>
-              <a:gd name="connsiteX32" fmla="*/ 3264408 w 10972800"/>
-              <a:gd name="connsiteY32" fmla="*/ 18288 h 18288"/>
-              <a:gd name="connsiteX33" fmla="*/ 2578608 w 10972800"/>
-              <a:gd name="connsiteY33" fmla="*/ 18288 h 18288"/>
-              <a:gd name="connsiteX34" fmla="*/ 1673352 w 10972800"/>
-              <a:gd name="connsiteY34" fmla="*/ 18288 h 18288"/>
-              <a:gd name="connsiteX35" fmla="*/ 877824 w 10972800"/>
-              <a:gd name="connsiteY35" fmla="*/ 18288 h 18288"/>
-              <a:gd name="connsiteX36" fmla="*/ 0 w 10972800"/>
-              <a:gd name="connsiteY36" fmla="*/ 18288 h 18288"/>
-              <a:gd name="connsiteX37" fmla="*/ 0 w 10972800"/>
-              <a:gd name="connsiteY37" fmla="*/ 0 h 18288"/>
-            </a:gdLst>
-            <a:ahLst/>
-            <a:cxnLst>
-              <a:cxn ang="0">
-                <a:pos x="connsiteX0" y="connsiteY0"/>
-              </a:cxn>
-              <a:cxn ang="0">
-                <a:pos x="connsiteX1" y="connsiteY1"/>
-              </a:cxn>
-              <a:cxn ang="0">
-                <a:pos x="connsiteX2" y="connsiteY2"/>
-              </a:cxn>
-              <a:cxn ang="0">
-                <a:pos x="connsiteX3" y="connsiteY3"/>
-              </a:cxn>
-              <a:cxn ang="0">
-                <a:pos x="connsiteX4" y="connsiteY4"/>
-              </a:cxn>
-              <a:cxn ang="0">
-                <a:pos x="connsiteX5" y="connsiteY5"/>
-              </a:cxn>
-              <a:cxn ang="0">
-                <a:pos x="connsiteX6" y="connsiteY6"/>
-              </a:cxn>
-              <a:cxn ang="0">
-                <a:pos x="connsiteX7" y="connsiteY7"/>
-              </a:cxn>
-              <a:cxn ang="0">
-                <a:pos x="connsiteX8" y="connsiteY8"/>
-              </a:cxn>
-              <a:cxn ang="0">
-                <a:pos x="connsiteX9" y="connsiteY9"/>
-              </a:cxn>
-              <a:cxn ang="0">
-                <a:pos x="connsiteX10" y="connsiteY10"/>
-              </a:cxn>
-              <a:cxn ang="0">
-                <a:pos x="connsiteX11" y="connsiteY11"/>
-              </a:cxn>
-              <a:cxn ang="0">
-                <a:pos x="connsiteX12" y="connsiteY12"/>
-              </a:cxn>
-              <a:cxn ang="0">
-                <a:pos x="connsiteX13" y="connsiteY13"/>
-              </a:cxn>
-              <a:cxn ang="0">
-                <a:pos x="connsiteX14" y="connsiteY14"/>
-              </a:cxn>
-              <a:cxn ang="0">
-                <a:pos x="connsiteX15" y="connsiteY15"/>
-              </a:cxn>
-              <a:cxn ang="0">
-                <a:pos x="connsiteX16" y="connsiteY16"/>
-              </a:cxn>
-              <a:cxn ang="0">
-                <a:pos x="connsiteX17" y="connsiteY17"/>
-              </a:cxn>
-              <a:cxn ang="0">
-                <a:pos x="connsiteX18" y="connsiteY18"/>
-              </a:cxn>
-              <a:cxn ang="0">
-                <a:pos x="connsiteX19" y="connsiteY19"/>
-              </a:cxn>
-              <a:cxn ang="0">
-                <a:pos x="connsiteX20" y="connsiteY20"/>
-              </a:cxn>
-              <a:cxn ang="0">
-                <a:pos x="connsiteX21" y="connsiteY21"/>
-              </a:cxn>
-              <a:cxn ang="0">
-                <a:pos x="connsiteX22" y="connsiteY22"/>
-              </a:cxn>
-              <a:cxn ang="0">
-                <a:pos x="connsiteX23" y="connsiteY23"/>
-              </a:cxn>
-              <a:cxn ang="0">
-                <a:pos x="connsiteX24" y="connsiteY24"/>
-              </a:cxn>
-              <a:cxn ang="0">
-                <a:pos x="connsiteX25" y="connsiteY25"/>
-              </a:cxn>
-              <a:cxn ang="0">
-                <a:pos x="connsiteX26" y="connsiteY26"/>
-              </a:cxn>
-              <a:cxn ang="0">
-                <a:pos x="connsiteX27" y="connsiteY27"/>
-              </a:cxn>
-              <a:cxn ang="0">
-                <a:pos x="connsiteX28" y="connsiteY28"/>
-              </a:cxn>
-              <a:cxn ang="0">
-                <a:pos x="connsiteX29" y="connsiteY29"/>
-              </a:cxn>
-              <a:cxn ang="0">
-                <a:pos x="connsiteX30" y="connsiteY30"/>
-              </a:cxn>
-              <a:cxn ang="0">
-                <a:pos x="connsiteX31" y="connsiteY31"/>
-              </a:cxn>
-              <a:cxn ang="0">
-                <a:pos x="connsiteX32" y="connsiteY32"/>
-              </a:cxn>
-              <a:cxn ang="0">
-                <a:pos x="connsiteX33" y="connsiteY33"/>
-              </a:cxn>
-              <a:cxn ang="0">
-                <a:pos x="connsiteX34" y="connsiteY34"/>
-              </a:cxn>
-              <a:cxn ang="0">
-                <a:pos x="connsiteX35" y="connsiteY35"/>
-              </a:cxn>
-              <a:cxn ang="0">
-                <a:pos x="connsiteX36" y="connsiteY36"/>
-              </a:cxn>
-              <a:cxn ang="0">
-                <a:pos x="connsiteX37" y="connsiteY37"/>
-              </a:cxn>
-            </a:cxnLst>
-            <a:rect l="l" t="t" r="r" b="b"/>
-            <a:pathLst>
-              <a:path w="10972800" h="18288" fill="none" extrusionOk="0">
-                <a:moveTo>
-                  <a:pt x="0" y="0"/>
-                </a:moveTo>
-                <a:cubicBezTo>
-                  <a:pt x="165916" y="-1866"/>
-                  <a:pt x="188720" y="13756"/>
-                  <a:pt x="356616" y="0"/>
-                </a:cubicBezTo>
-                <a:cubicBezTo>
-                  <a:pt x="524512" y="-13756"/>
-                  <a:pt x="734781" y="8922"/>
-                  <a:pt x="1042416" y="0"/>
-                </a:cubicBezTo>
-                <a:cubicBezTo>
-                  <a:pt x="1350051" y="-8922"/>
-                  <a:pt x="1595982" y="-26315"/>
-                  <a:pt x="1947672" y="0"/>
-                </a:cubicBezTo>
-                <a:cubicBezTo>
-                  <a:pt x="2299362" y="26315"/>
-                  <a:pt x="2292691" y="-19526"/>
-                  <a:pt x="2633472" y="0"/>
-                </a:cubicBezTo>
-                <a:cubicBezTo>
-                  <a:pt x="2974253" y="19526"/>
-                  <a:pt x="2857309" y="10773"/>
-                  <a:pt x="2990088" y="0"/>
-                </a:cubicBezTo>
-                <a:cubicBezTo>
-                  <a:pt x="3122867" y="-10773"/>
-                  <a:pt x="3359343" y="7194"/>
-                  <a:pt x="3456432" y="0"/>
-                </a:cubicBezTo>
-                <a:cubicBezTo>
-                  <a:pt x="3553521" y="-7194"/>
-                  <a:pt x="4136258" y="5108"/>
-                  <a:pt x="4361688" y="0"/>
-                </a:cubicBezTo>
-                <a:cubicBezTo>
-                  <a:pt x="4587118" y="-5108"/>
-                  <a:pt x="4992424" y="-42958"/>
-                  <a:pt x="5266944" y="0"/>
-                </a:cubicBezTo>
-                <a:cubicBezTo>
-                  <a:pt x="5541464" y="42958"/>
-                  <a:pt x="5882966" y="-3430"/>
-                  <a:pt x="6172200" y="0"/>
-                </a:cubicBezTo>
-                <a:cubicBezTo>
-                  <a:pt x="6461434" y="3430"/>
-                  <a:pt x="6432127" y="6688"/>
-                  <a:pt x="6528816" y="0"/>
-                </a:cubicBezTo>
-                <a:cubicBezTo>
-                  <a:pt x="6625505" y="-6688"/>
-                  <a:pt x="6916805" y="-436"/>
-                  <a:pt x="7214616" y="0"/>
-                </a:cubicBezTo>
-                <a:cubicBezTo>
-                  <a:pt x="7512427" y="436"/>
-                  <a:pt x="7626159" y="-6909"/>
-                  <a:pt x="7790688" y="0"/>
-                </a:cubicBezTo>
-                <a:cubicBezTo>
-                  <a:pt x="7955217" y="6909"/>
-                  <a:pt x="8048891" y="15307"/>
-                  <a:pt x="8147304" y="0"/>
-                </a:cubicBezTo>
-                <a:cubicBezTo>
-                  <a:pt x="8245717" y="-15307"/>
-                  <a:pt x="8645618" y="-11734"/>
-                  <a:pt x="9052560" y="0"/>
-                </a:cubicBezTo>
-                <a:cubicBezTo>
-                  <a:pt x="9459502" y="11734"/>
-                  <a:pt x="9320584" y="8388"/>
-                  <a:pt x="9409176" y="0"/>
-                </a:cubicBezTo>
-                <a:cubicBezTo>
-                  <a:pt x="9497768" y="-8388"/>
-                  <a:pt x="9644192" y="8379"/>
-                  <a:pt x="9765792" y="0"/>
-                </a:cubicBezTo>
-                <a:cubicBezTo>
-                  <a:pt x="9887392" y="-8379"/>
-                  <a:pt x="10105220" y="-12663"/>
-                  <a:pt x="10341864" y="0"/>
-                </a:cubicBezTo>
-                <a:cubicBezTo>
-                  <a:pt x="10578508" y="12663"/>
-                  <a:pt x="10773103" y="-5786"/>
-                  <a:pt x="10972800" y="0"/>
-                </a:cubicBezTo>
-                <a:cubicBezTo>
-                  <a:pt x="10972146" y="8818"/>
-                  <a:pt x="10972240" y="13823"/>
-                  <a:pt x="10972800" y="18288"/>
-                </a:cubicBezTo>
-                <a:cubicBezTo>
-                  <a:pt x="10588778" y="31598"/>
-                  <a:pt x="10543381" y="-12698"/>
-                  <a:pt x="10177272" y="18288"/>
-                </a:cubicBezTo>
-                <a:cubicBezTo>
-                  <a:pt x="9811163" y="49274"/>
-                  <a:pt x="9996817" y="25662"/>
-                  <a:pt x="9820656" y="18288"/>
-                </a:cubicBezTo>
-                <a:cubicBezTo>
-                  <a:pt x="9644495" y="10914"/>
-                  <a:pt x="9607007" y="31631"/>
-                  <a:pt x="9464040" y="18288"/>
-                </a:cubicBezTo>
-                <a:cubicBezTo>
-                  <a:pt x="9321073" y="4945"/>
-                  <a:pt x="9114189" y="28940"/>
-                  <a:pt x="8778240" y="18288"/>
-                </a:cubicBezTo>
-                <a:cubicBezTo>
-                  <a:pt x="8442291" y="7636"/>
-                  <a:pt x="8594763" y="987"/>
-                  <a:pt x="8421624" y="18288"/>
-                </a:cubicBezTo>
-                <a:cubicBezTo>
-                  <a:pt x="8248485" y="35589"/>
-                  <a:pt x="7929515" y="37573"/>
-                  <a:pt x="7735824" y="18288"/>
-                </a:cubicBezTo>
-                <a:cubicBezTo>
-                  <a:pt x="7542133" y="-997"/>
-                  <a:pt x="7252504" y="33858"/>
-                  <a:pt x="6940296" y="18288"/>
-                </a:cubicBezTo>
-                <a:cubicBezTo>
-                  <a:pt x="6628088" y="2718"/>
-                  <a:pt x="6528503" y="48389"/>
-                  <a:pt x="6254496" y="18288"/>
-                </a:cubicBezTo>
-                <a:cubicBezTo>
-                  <a:pt x="5980489" y="-11813"/>
-                  <a:pt x="5695784" y="-3740"/>
-                  <a:pt x="5458968" y="18288"/>
-                </a:cubicBezTo>
-                <a:cubicBezTo>
-                  <a:pt x="5222152" y="40316"/>
-                  <a:pt x="5010751" y="19095"/>
-                  <a:pt x="4663440" y="18288"/>
-                </a:cubicBezTo>
-                <a:cubicBezTo>
-                  <a:pt x="4316129" y="17481"/>
-                  <a:pt x="4425552" y="1606"/>
-                  <a:pt x="4306824" y="18288"/>
-                </a:cubicBezTo>
-                <a:cubicBezTo>
-                  <a:pt x="4188096" y="34970"/>
-                  <a:pt x="3941535" y="7481"/>
-                  <a:pt x="3840480" y="18288"/>
-                </a:cubicBezTo>
-                <a:cubicBezTo>
-                  <a:pt x="3739425" y="29095"/>
-                  <a:pt x="3402388" y="17641"/>
-                  <a:pt x="3264408" y="18288"/>
-                </a:cubicBezTo>
-                <a:cubicBezTo>
-                  <a:pt x="3126428" y="18935"/>
-                  <a:pt x="2776779" y="9983"/>
-                  <a:pt x="2578608" y="18288"/>
-                </a:cubicBezTo>
-                <a:cubicBezTo>
-                  <a:pt x="2380437" y="26593"/>
-                  <a:pt x="1909468" y="25818"/>
-                  <a:pt x="1673352" y="18288"/>
-                </a:cubicBezTo>
-                <a:cubicBezTo>
-                  <a:pt x="1437236" y="10758"/>
-                  <a:pt x="1131180" y="49884"/>
-                  <a:pt x="877824" y="18288"/>
-                </a:cubicBezTo>
-                <a:cubicBezTo>
-                  <a:pt x="624468" y="-13308"/>
-                  <a:pt x="206753" y="2195"/>
-                  <a:pt x="0" y="18288"/>
-                </a:cubicBezTo>
-                <a:cubicBezTo>
-                  <a:pt x="313" y="10654"/>
-                  <a:pt x="-263" y="4056"/>
-                  <a:pt x="0" y="0"/>
-                </a:cubicBezTo>
-                <a:close/>
-              </a:path>
-              <a:path w="10972800" h="18288" stroke="0" extrusionOk="0">
-                <a:moveTo>
-                  <a:pt x="0" y="0"/>
-                </a:moveTo>
-                <a:cubicBezTo>
-                  <a:pt x="164017" y="-17675"/>
-                  <a:pt x="309425" y="9913"/>
-                  <a:pt x="466344" y="0"/>
-                </a:cubicBezTo>
-                <a:cubicBezTo>
-                  <a:pt x="623263" y="-9913"/>
-                  <a:pt x="659300" y="-14524"/>
-                  <a:pt x="822960" y="0"/>
-                </a:cubicBezTo>
-                <a:cubicBezTo>
-                  <a:pt x="986620" y="14524"/>
-                  <a:pt x="1105222" y="-16481"/>
-                  <a:pt x="1289304" y="0"/>
-                </a:cubicBezTo>
-                <a:cubicBezTo>
-                  <a:pt x="1473386" y="16481"/>
-                  <a:pt x="1693223" y="26161"/>
-                  <a:pt x="1975104" y="0"/>
-                </a:cubicBezTo>
-                <a:cubicBezTo>
-                  <a:pt x="2256985" y="-26161"/>
-                  <a:pt x="2435781" y="23061"/>
-                  <a:pt x="2770632" y="0"/>
-                </a:cubicBezTo>
-                <a:cubicBezTo>
-                  <a:pt x="3105483" y="-23061"/>
-                  <a:pt x="3247479" y="-44011"/>
-                  <a:pt x="3675888" y="0"/>
-                </a:cubicBezTo>
-                <a:cubicBezTo>
-                  <a:pt x="4104297" y="44011"/>
-                  <a:pt x="4280918" y="4017"/>
-                  <a:pt x="4581144" y="0"/>
-                </a:cubicBezTo>
-                <a:cubicBezTo>
-                  <a:pt x="4881370" y="-4017"/>
-                  <a:pt x="5021699" y="-11889"/>
-                  <a:pt x="5157216" y="0"/>
-                </a:cubicBezTo>
-                <a:cubicBezTo>
-                  <a:pt x="5292733" y="11889"/>
-                  <a:pt x="5603398" y="-17698"/>
-                  <a:pt x="5952744" y="0"/>
-                </a:cubicBezTo>
-                <a:cubicBezTo>
-                  <a:pt x="6302090" y="17698"/>
-                  <a:pt x="6353093" y="-11909"/>
-                  <a:pt x="6638544" y="0"/>
-                </a:cubicBezTo>
-                <a:cubicBezTo>
-                  <a:pt x="6923995" y="11909"/>
-                  <a:pt x="7053404" y="21630"/>
-                  <a:pt x="7214616" y="0"/>
-                </a:cubicBezTo>
-                <a:cubicBezTo>
-                  <a:pt x="7375828" y="-21630"/>
-                  <a:pt x="7837963" y="3886"/>
-                  <a:pt x="8010144" y="0"/>
-                </a:cubicBezTo>
-                <a:cubicBezTo>
-                  <a:pt x="8182325" y="-3886"/>
-                  <a:pt x="8224183" y="16009"/>
-                  <a:pt x="8366760" y="0"/>
-                </a:cubicBezTo>
-                <a:cubicBezTo>
-                  <a:pt x="8509337" y="-16009"/>
-                  <a:pt x="8687920" y="-5720"/>
-                  <a:pt x="8942832" y="0"/>
-                </a:cubicBezTo>
-                <a:cubicBezTo>
-                  <a:pt x="9197744" y="5720"/>
-                  <a:pt x="9368437" y="20479"/>
-                  <a:pt x="9628632" y="0"/>
-                </a:cubicBezTo>
-                <a:cubicBezTo>
-                  <a:pt x="9888827" y="-20479"/>
-                  <a:pt x="10560858" y="-20746"/>
-                  <a:pt x="10972800" y="0"/>
-                </a:cubicBezTo>
-                <a:cubicBezTo>
-                  <a:pt x="10972186" y="5722"/>
-                  <a:pt x="10972980" y="12495"/>
-                  <a:pt x="10972800" y="18288"/>
-                </a:cubicBezTo>
-                <a:cubicBezTo>
-                  <a:pt x="10786146" y="12536"/>
-                  <a:pt x="10623717" y="14033"/>
-                  <a:pt x="10506456" y="18288"/>
-                </a:cubicBezTo>
-                <a:cubicBezTo>
-                  <a:pt x="10389195" y="22543"/>
-                  <a:pt x="10296178" y="20107"/>
-                  <a:pt x="10149840" y="18288"/>
-                </a:cubicBezTo>
-                <a:cubicBezTo>
-                  <a:pt x="10003502" y="16469"/>
-                  <a:pt x="9767530" y="28891"/>
-                  <a:pt x="9464040" y="18288"/>
-                </a:cubicBezTo>
-                <a:cubicBezTo>
-                  <a:pt x="9160550" y="7685"/>
-                  <a:pt x="9229050" y="2659"/>
-                  <a:pt x="8997696" y="18288"/>
-                </a:cubicBezTo>
-                <a:cubicBezTo>
-                  <a:pt x="8766342" y="33917"/>
-                  <a:pt x="8340136" y="34864"/>
-                  <a:pt x="8092440" y="18288"/>
-                </a:cubicBezTo>
-                <a:cubicBezTo>
-                  <a:pt x="7844744" y="1712"/>
-                  <a:pt x="7863720" y="27405"/>
-                  <a:pt x="7735824" y="18288"/>
-                </a:cubicBezTo>
-                <a:cubicBezTo>
-                  <a:pt x="7607928" y="9171"/>
-                  <a:pt x="7323619" y="461"/>
-                  <a:pt x="7050024" y="18288"/>
-                </a:cubicBezTo>
-                <a:cubicBezTo>
-                  <a:pt x="6776429" y="36115"/>
-                  <a:pt x="6787899" y="28206"/>
-                  <a:pt x="6693408" y="18288"/>
-                </a:cubicBezTo>
-                <a:cubicBezTo>
-                  <a:pt x="6598917" y="8370"/>
-                  <a:pt x="6395231" y="19114"/>
-                  <a:pt x="6227064" y="18288"/>
-                </a:cubicBezTo>
-                <a:cubicBezTo>
-                  <a:pt x="6058897" y="17462"/>
-                  <a:pt x="5618582" y="1091"/>
-                  <a:pt x="5431536" y="18288"/>
-                </a:cubicBezTo>
-                <a:cubicBezTo>
-                  <a:pt x="5244490" y="35485"/>
-                  <a:pt x="4729797" y="-9650"/>
-                  <a:pt x="4526280" y="18288"/>
-                </a:cubicBezTo>
-                <a:cubicBezTo>
-                  <a:pt x="4322763" y="46226"/>
-                  <a:pt x="4216797" y="756"/>
-                  <a:pt x="4059936" y="18288"/>
-                </a:cubicBezTo>
-                <a:cubicBezTo>
-                  <a:pt x="3903075" y="35820"/>
-                  <a:pt x="3537912" y="42098"/>
-                  <a:pt x="3374136" y="18288"/>
-                </a:cubicBezTo>
-                <a:cubicBezTo>
-                  <a:pt x="3210360" y="-5522"/>
-                  <a:pt x="3126842" y="39135"/>
-                  <a:pt x="2907792" y="18288"/>
-                </a:cubicBezTo>
-                <a:cubicBezTo>
-                  <a:pt x="2688742" y="-2559"/>
-                  <a:pt x="2490436" y="34100"/>
-                  <a:pt x="2112264" y="18288"/>
-                </a:cubicBezTo>
-                <a:cubicBezTo>
-                  <a:pt x="1734092" y="2476"/>
-                  <a:pt x="1744622" y="-7274"/>
-                  <a:pt x="1536192" y="18288"/>
-                </a:cubicBezTo>
-                <a:cubicBezTo>
-                  <a:pt x="1327762" y="43850"/>
-                  <a:pt x="1189025" y="6435"/>
-                  <a:pt x="1069848" y="18288"/>
-                </a:cubicBezTo>
-                <a:cubicBezTo>
-                  <a:pt x="950671" y="30141"/>
-                  <a:pt x="858345" y="33684"/>
-                  <a:pt x="713232" y="18288"/>
-                </a:cubicBezTo>
-                <a:cubicBezTo>
-                  <a:pt x="568119" y="2892"/>
-                  <a:pt x="250292" y="5410"/>
-                  <a:pt x="0" y="18288"/>
-                </a:cubicBezTo>
-                <a:cubicBezTo>
-                  <a:pt x="465" y="13062"/>
-                  <a:pt x="-894" y="9029"/>
-                  <a:pt x="0" y="0"/>
-                </a:cubicBezTo>
-                <a:close/>
-              </a:path>
-            </a:pathLst>
-          </a:custGeom>
-          <a:solidFill>
-            <a:schemeClr val="accent2">
-              <a:alpha val="75000"/>
-            </a:schemeClr>
-          </a:solidFill>
-          <a:ln w="44450" cap="rnd">
-            <a:solidFill>
-              <a:schemeClr val="accent2">
-                <a:alpha val="75000"/>
-              </a:schemeClr>
-            </a:solidFill>
-            <a:round/>
-            <a:extLst>
-              <a:ext uri="{C807C97D-BFC1-408E-A445-0C87EB9F89A2}">
-                <ask:lineSketchStyleProps xmlns:ask="http://schemas.microsoft.com/office/drawing/2018/sketchyshapes" sd="2727557108">
-                  <a:prstGeom prst="rect">
-                    <a:avLst/>
-                  </a:prstGeom>
-                  <ask:type>
-                    <ask:lineSketchFreehand/>
-                  </ask:type>
-                </ask:lineSketchStyleProps>
-              </a:ext>
-            </a:extLst>
+          </a:prstGeom>
+          <a:ln>
+            <a:noFill/>
           </a:ln>
+          <a:effectLst>
+            <a:outerShdw blurRad="596900" dist="304800" dir="7140000" sx="90000" sy="90000" algn="t" rotWithShape="0">
+              <a:srgbClr val="000000">
+                <a:alpha val="15000"/>
+              </a:srgbClr>
+            </a:outerShdw>
+          </a:effectLst>
         </p:spPr>
         <p:style>
           <a:lnRef idx="2">
@@ -7617,10 +7078,10 @@
       </p:sp>
       <p:sp>
         <p:nvSpPr>
-          <p:cNvPr id="4" name="Text Placeholder 3">
+          <p:cNvPr id="2" name="Title 1">
             <a:extLst>
               <a:ext uri="{FF2B5EF4-FFF2-40B4-BE49-F238E27FC236}">
-                <a16:creationId xmlns:a16="http://schemas.microsoft.com/office/drawing/2014/main" id="{DF5C6040-4F13-23E0-ABD8-D4B8473FD2B1}"/>
+                <a16:creationId xmlns:a16="http://schemas.microsoft.com/office/drawing/2014/main" id="{D1226E83-9514-A9F8-BA46-B266724D5B0A}"/>
               </a:ext>
             </a:extLst>
           </p:cNvPr>
@@ -7628,123 +7089,57 @@
             <a:spLocks noGrp="1"/>
           </p:cNvSpPr>
           <p:nvPr>
-            <p:ph type="body" sz="half" idx="2"/>
+            <p:ph type="title"/>
           </p:nvPr>
         </p:nvSpPr>
         <p:spPr>
           <a:xfrm>
-            <a:off x="572493" y="2071316"/>
-            <a:ext cx="6713552" cy="4119172"/>
+            <a:off x="761803" y="350196"/>
+            <a:ext cx="4646904" cy="1624520"/>
           </a:xfrm>
         </p:spPr>
         <p:txBody>
-          <a:bodyPr vert="horz" lIns="91440" tIns="45720" rIns="91440" bIns="45720" rtlCol="0" anchor="t">
+          <a:bodyPr anchor="ctr">
             <a:normAutofit/>
           </a:bodyPr>
           <a:lstStyle/>
           <a:p>
-            <a:pPr indent="-228600">
-              <a:buFont typeface="Arial" panose="020B0604020202020204" pitchFamily="34" charset="0"/>
-              <a:buChar char="•"/>
-            </a:pPr>
             <a:r>
-              <a:rPr lang="en-US" sz="2200" b="1"/>
-              <a:t>𝒮𝒜𝒟𝒜𝒯 𝒜𝒞𝒜𝒟𝐸𝑀𝒴 𝐹𝒪𝑅 𝑀𝒜𝒩𝒜𝒢𝐸𝑀𝐸𝒩𝒯 𝒮𝒞𝐼𝐸𝒩𝒞𝐸𝒮</a:t>
-            </a:r>
-          </a:p>
-          <a:p>
-            <a:pPr indent="-228600">
-              <a:buFont typeface="Arial" panose="020B0604020202020204" pitchFamily="34" charset="0"/>
-              <a:buChar char="•"/>
-            </a:pPr>
-            <a:r>
-              <a:rPr lang="en-US" sz="2200" b="1"/>
-              <a:t>𝐹𝒶𝒸𝓊𝓁𝓉𝓎 𝑜𝒻 𝑀𝒶𝓃𝒶𝑔𝑒𝓂𝑒𝓃𝓉 𝒮𝒸𝒾𝑒𝓃𝒸𝑒𝓈</a:t>
-            </a:r>
-          </a:p>
-          <a:p>
-            <a:pPr indent="-228600">
-              <a:buFont typeface="Arial" panose="020B0604020202020204" pitchFamily="34" charset="0"/>
-              <a:buChar char="•"/>
-            </a:pPr>
-            <a:r>
-              <a:rPr lang="en-US" sz="2200" b="1"/>
-              <a:t>𝑀𝒾𝓃𝒾𝒶 𝐵𝓇𝒶𝓃𝒸𝒽, 𝐸𝑔𝓎𝓅𝓉</a:t>
-            </a:r>
-          </a:p>
-          <a:p>
-            <a:pPr indent="-228600">
-              <a:buFont typeface="Arial" panose="020B0604020202020204" pitchFamily="34" charset="0"/>
-              <a:buChar char="•"/>
-            </a:pPr>
-            <a:r>
-              <a:rPr lang="en-US" sz="2200" b="1"/>
-              <a:t>𝐹𝒾𝓃𝒶𝓁 𝒴𝑒𝒶𝓇 𝒫𝓇𝑜𝒿𝑒𝒸𝓉 𝒯𝒽𝑒𝓈𝒾𝓈</a:t>
-            </a:r>
-          </a:p>
-          <a:p>
-            <a:pPr indent="-228600">
-              <a:buFont typeface="Arial" panose="020B0604020202020204" pitchFamily="34" charset="0"/>
-              <a:buChar char="•"/>
-            </a:pPr>
-            <a:r>
-              <a:rPr lang="en-US" sz="2200" b="1"/>
-              <a:t>𝐼𝓃 𝓅𝓇𝑒𝓅𝒶𝓇𝒶𝓉𝒾𝑜𝓃 𝒻𝑜𝓇 𝑔𝓇𝒶𝒹𝓊𝒶𝓉𝒾𝑜𝓃 </a:t>
-            </a:r>
-          </a:p>
-          <a:p>
-            <a:pPr indent="-228600">
-              <a:buFont typeface="Arial" panose="020B0604020202020204" pitchFamily="34" charset="0"/>
-              <a:buChar char="•"/>
-            </a:pPr>
-            <a:r>
-              <a:rPr lang="en-US" sz="2200" b="1"/>
-              <a:t>𝒟𝑒𝓅𝒶𝓇𝓉𝓂𝑒𝓃𝓉: 𝑀𝒶𝓃𝒶𝑔𝑒𝓂𝑒𝓃𝓉 𝐼𝓃𝒻𝑜𝓇𝓂𝒶𝓉𝒾𝑜𝓃 𝒮𝓎𝓈𝓉𝑒𝓂</a:t>
-            </a:r>
-          </a:p>
-          <a:p>
-            <a:pPr indent="-228600">
-              <a:buFont typeface="Arial" panose="020B0604020202020204" pitchFamily="34" charset="0"/>
-              <a:buChar char="•"/>
-            </a:pPr>
-            <a:r>
-              <a:rPr lang="en-US" sz="2200" b="1"/>
-              <a:t>𝒮𝓅𝑜𝓇𝓉𝒾𝓃𝑔 𝑀𝒶𝓃𝒶𝑔𝑒𝓂𝑒𝓃𝓉 𝒲𝑒𝒷𝓈𝒾𝓉𝑒</a:t>
+              <a:rPr lang="en-US" sz="4000" dirty="0"/>
+              <a:t>𝓈𝓅𝑜𝓇𝓉𝒾𝑔 𝒸𝓁𝓊𝒷𝓈</a:t>
             </a:r>
           </a:p>
         </p:txBody>
       </p:sp>
       <p:pic>
         <p:nvPicPr>
-          <p:cNvPr id="12" name="Picture Placeholder 11" descr="A logo with a shield and text&#10;&#10;AI-generated content may be incorrect.">
+          <p:cNvPr id="5" name="Content Placeholder 4" descr="A logo for a sporting club&#10;&#10;AI-generated content may be incorrect.">
             <a:extLst>
               <a:ext uri="{FF2B5EF4-FFF2-40B4-BE49-F238E27FC236}">
-                <a16:creationId xmlns:a16="http://schemas.microsoft.com/office/drawing/2014/main" id="{BDE86870-7690-1F29-69E4-86806EF704DC}"/>
+                <a16:creationId xmlns:a16="http://schemas.microsoft.com/office/drawing/2014/main" id="{9CEFA0FB-E626-0250-79B7-D8DA1E48AE0F}"/>
               </a:ext>
             </a:extLst>
           </p:cNvPr>
           <p:cNvPicPr>
-            <a:picLocks noGrp="1" noChangeAspect="1"/>
+            <a:picLocks noChangeAspect="1"/>
           </p:cNvPicPr>
-          <p:nvPr>
-            <p:ph type="pic" idx="1"/>
-          </p:nvPr>
+          <p:nvPr/>
         </p:nvPicPr>
         <p:blipFill>
-          <a:blip r:embed="rId3">
+          <a:blip r:embed="rId2">
             <a:extLst>
               <a:ext uri="{28A0092B-C50C-407E-A947-70E740481C1C}">
                 <a14:useLocalDpi xmlns:a14="http://schemas.microsoft.com/office/drawing/2010/main" val="0"/>
               </a:ext>
             </a:extLst>
           </a:blip>
-          <a:srcRect l="1836" r="1956" b="-3"/>
+          <a:srcRect l="5607" r="5404"/>
           <a:stretch/>
         </p:blipFill>
         <p:spPr>
           <a:xfrm>
-            <a:off x="7675658" y="2093976"/>
-            <a:ext cx="3941064" cy="4096512"/>
+            <a:off x="6096000" y="1"/>
+            <a:ext cx="6102825" cy="6858000"/>
           </a:xfrm>
           <a:prstGeom prst="rect">
             <a:avLst/>
@@ -7754,672 +7149,25 @@
     </p:spTree>
     <p:extLst>
       <p:ext uri="{BB962C8B-B14F-4D97-AF65-F5344CB8AC3E}">
-        <p14:creationId xmlns:p14="http://schemas.microsoft.com/office/powerpoint/2010/main" val="686246260"/>
+        <p14:creationId xmlns:p14="http://schemas.microsoft.com/office/powerpoint/2010/main" val="1526436330"/>
       </p:ext>
     </p:extLst>
   </p:cSld>
   <p:clrMapOvr>
     <a:masterClrMapping/>
   </p:clrMapOvr>
-  <mc:AlternateContent xmlns:mc="http://schemas.openxmlformats.org/markup-compatibility/2006">
-    <mc:Choice xmlns:p15="http://schemas.microsoft.com/office/powerpoint/2012/main" Requires="p15">
-      <p:transition xmlns:p14="http://schemas.microsoft.com/office/powerpoint/2010/main" spd="slow" p14:dur="6000">
-        <p15:prstTrans prst="curtains"/>
-        <p:sndAc>
-          <p:stSnd>
-            <p:snd r:embed="rId2" name="drumroll.wav"/>
-          </p:stSnd>
-        </p:sndAc>
+  <mc:AlternateContent xmlns:mc="http://schemas.openxmlformats.org/markup-compatibility/2006" xmlns:p14="http://schemas.microsoft.com/office/powerpoint/2010/main">
+    <mc:Choice Requires="p14">
+      <p:transition spd="slow" p14:dur="1600">
+        <p14:prism isContent="1" isInverted="1"/>
       </p:transition>
     </mc:Choice>
-    <mc:Fallback>
+    <mc:Fallback xmlns="">
       <p:transition spd="slow">
         <p:fade/>
-        <p:sndAc>
-          <p:stSnd>
-            <p:snd r:embed="rId2" name="drumroll.wav"/>
-          </p:stSnd>
-        </p:sndAc>
       </p:transition>
     </mc:Fallback>
   </mc:AlternateContent>
-</p:sld>
-</file>
-
-<file path=ppt/slides/slide10.xml><?xml version="1.0" encoding="utf-8"?>
-<p:sld xmlns:a="http://schemas.openxmlformats.org/drawingml/2006/main" xmlns:r="http://schemas.openxmlformats.org/officeDocument/2006/relationships" xmlns:p="http://schemas.openxmlformats.org/presentationml/2006/main">
-  <p:cSld>
-    <p:spTree>
-      <p:nvGrpSpPr>
-        <p:cNvPr id="1" name=""/>
-        <p:cNvGrpSpPr/>
-        <p:nvPr/>
-      </p:nvGrpSpPr>
-      <p:grpSpPr>
-        <a:xfrm>
-          <a:off x="0" y="0"/>
-          <a:ext cx="0" cy="0"/>
-          <a:chOff x="0" y="0"/>
-          <a:chExt cx="0" cy="0"/>
-        </a:xfrm>
-      </p:grpSpPr>
-      <p:sp>
-        <p:nvSpPr>
-          <p:cNvPr id="2" name="Title 1">
-            <a:extLst>
-              <a:ext uri="{FF2B5EF4-FFF2-40B4-BE49-F238E27FC236}">
-                <a16:creationId xmlns:a16="http://schemas.microsoft.com/office/drawing/2014/main" id="{504D41D9-46A2-87BE-286D-5D6D4B882BCB}"/>
-              </a:ext>
-            </a:extLst>
-          </p:cNvPr>
-          <p:cNvSpPr>
-            <a:spLocks noGrp="1"/>
-          </p:cNvSpPr>
-          <p:nvPr>
-            <p:ph type="title"/>
-          </p:nvPr>
-        </p:nvSpPr>
-        <p:spPr/>
-        <p:txBody>
-          <a:bodyPr/>
-          <a:lstStyle/>
-          <a:p>
-            <a:r>
-              <a:rPr lang="en-US" dirty="0"/>
-              <a:t>Class diagram </a:t>
-            </a:r>
-          </a:p>
-        </p:txBody>
-      </p:sp>
-      <p:sp>
-        <p:nvSpPr>
-          <p:cNvPr id="4" name="TextBox 3">
-            <a:extLst>
-              <a:ext uri="{FF2B5EF4-FFF2-40B4-BE49-F238E27FC236}">
-                <a16:creationId xmlns:a16="http://schemas.microsoft.com/office/drawing/2014/main" id="{AB7E55C8-F2F3-2B5D-E197-192C551A56A0}"/>
-              </a:ext>
-            </a:extLst>
-          </p:cNvPr>
-          <p:cNvSpPr txBox="1"/>
-          <p:nvPr/>
-        </p:nvSpPr>
-        <p:spPr>
-          <a:xfrm>
-            <a:off x="947057" y="1690688"/>
-            <a:ext cx="2590800" cy="1200329"/>
-          </a:xfrm>
-          <a:prstGeom prst="rect">
-            <a:avLst/>
-          </a:prstGeom>
-        </p:spPr>
-        <p:style>
-          <a:lnRef idx="2">
-            <a:schemeClr val="dk1"/>
-          </a:lnRef>
-          <a:fillRef idx="1">
-            <a:schemeClr val="lt1"/>
-          </a:fillRef>
-          <a:effectRef idx="0">
-            <a:schemeClr val="dk1"/>
-          </a:effectRef>
-          <a:fontRef idx="minor">
-            <a:schemeClr val="dk1"/>
-          </a:fontRef>
-        </p:style>
-        <p:txBody>
-          <a:bodyPr wrap="square" rtlCol="0">
-            <a:spAutoFit/>
-          </a:bodyPr>
-          <a:lstStyle/>
-          <a:p>
-            <a:r>
-              <a:rPr lang="en-US" dirty="0"/>
-              <a:t>User </a:t>
-            </a:r>
-          </a:p>
-          <a:p>
-            <a:r>
-              <a:rPr lang="en-US" dirty="0"/>
-              <a:t>Name : type = string</a:t>
-            </a:r>
-          </a:p>
-          <a:p>
-            <a:r>
-              <a:rPr lang="en-US" dirty="0"/>
-              <a:t>Email : type = string</a:t>
-            </a:r>
-          </a:p>
-          <a:p>
-            <a:r>
-              <a:rPr lang="en-US" dirty="0"/>
-              <a:t>Password : type = string</a:t>
-            </a:r>
-          </a:p>
-        </p:txBody>
-      </p:sp>
-      <p:sp>
-        <p:nvSpPr>
-          <p:cNvPr id="5" name="TextBox 4">
-            <a:extLst>
-              <a:ext uri="{FF2B5EF4-FFF2-40B4-BE49-F238E27FC236}">
-                <a16:creationId xmlns:a16="http://schemas.microsoft.com/office/drawing/2014/main" id="{F398DD88-0D80-5CA8-F37B-AC0FE6CFB1DA}"/>
-              </a:ext>
-            </a:extLst>
-          </p:cNvPr>
-          <p:cNvSpPr txBox="1"/>
-          <p:nvPr/>
-        </p:nvSpPr>
-        <p:spPr>
-          <a:xfrm>
-            <a:off x="903512" y="3886200"/>
-            <a:ext cx="2950029" cy="1754326"/>
-          </a:xfrm>
-          <a:prstGeom prst="rect">
-            <a:avLst/>
-          </a:prstGeom>
-        </p:spPr>
-        <p:style>
-          <a:lnRef idx="2">
-            <a:schemeClr val="dk1"/>
-          </a:lnRef>
-          <a:fillRef idx="1">
-            <a:schemeClr val="lt1"/>
-          </a:fillRef>
-          <a:effectRef idx="0">
-            <a:schemeClr val="dk1"/>
-          </a:effectRef>
-          <a:fontRef idx="minor">
-            <a:schemeClr val="dk1"/>
-          </a:fontRef>
-        </p:style>
-        <p:txBody>
-          <a:bodyPr wrap="square" rtlCol="0">
-            <a:spAutoFit/>
-          </a:bodyPr>
-          <a:lstStyle/>
-          <a:p>
-            <a:r>
-              <a:rPr lang="en-US" dirty="0"/>
-              <a:t>Pitches</a:t>
-            </a:r>
-          </a:p>
-          <a:p>
-            <a:r>
-              <a:rPr lang="en-US" dirty="0"/>
-              <a:t>Pitches name :type = string</a:t>
-            </a:r>
-          </a:p>
-          <a:p>
-            <a:r>
-              <a:rPr lang="en-US" dirty="0"/>
-              <a:t>Date : type = integer</a:t>
-            </a:r>
-          </a:p>
-          <a:p>
-            <a:r>
-              <a:rPr lang="en-US" dirty="0"/>
-              <a:t>Time : type = float </a:t>
-            </a:r>
-          </a:p>
-          <a:p>
-            <a:r>
-              <a:rPr lang="en-US" dirty="0"/>
-              <a:t>ID : type = int </a:t>
-            </a:r>
-          </a:p>
-          <a:p>
-            <a:r>
-              <a:rPr lang="en-US" dirty="0"/>
-              <a:t>Phone : type = int </a:t>
-            </a:r>
-          </a:p>
-        </p:txBody>
-      </p:sp>
-      <p:cxnSp>
-        <p:nvCxnSpPr>
-          <p:cNvPr id="7" name="Straight Arrow Connector 6">
-            <a:extLst>
-              <a:ext uri="{FF2B5EF4-FFF2-40B4-BE49-F238E27FC236}">
-                <a16:creationId xmlns:a16="http://schemas.microsoft.com/office/drawing/2014/main" id="{3EBC31A5-AEC5-A4B6-880E-107AA7AC6694}"/>
-              </a:ext>
-            </a:extLst>
-          </p:cNvPr>
-          <p:cNvCxnSpPr>
-            <a:stCxn id="4" idx="2"/>
-            <a:endCxn id="5" idx="0"/>
-          </p:cNvCxnSpPr>
-          <p:nvPr/>
-        </p:nvCxnSpPr>
-        <p:spPr>
-          <a:xfrm>
-            <a:off x="2242457" y="2891017"/>
-            <a:ext cx="136070" cy="995183"/>
-          </a:xfrm>
-          <a:prstGeom prst="straightConnector1">
-            <a:avLst/>
-          </a:prstGeom>
-          <a:ln>
-            <a:tailEnd type="triangle"/>
-          </a:ln>
-        </p:spPr>
-        <p:style>
-          <a:lnRef idx="2">
-            <a:schemeClr val="accent1"/>
-          </a:lnRef>
-          <a:fillRef idx="0">
-            <a:schemeClr val="accent1"/>
-          </a:fillRef>
-          <a:effectRef idx="1">
-            <a:schemeClr val="accent1"/>
-          </a:effectRef>
-          <a:fontRef idx="minor">
-            <a:schemeClr val="tx1"/>
-          </a:fontRef>
-        </p:style>
-      </p:cxnSp>
-      <p:sp>
-        <p:nvSpPr>
-          <p:cNvPr id="8" name="TextBox 7">
-            <a:extLst>
-              <a:ext uri="{FF2B5EF4-FFF2-40B4-BE49-F238E27FC236}">
-                <a16:creationId xmlns:a16="http://schemas.microsoft.com/office/drawing/2014/main" id="{5E51CFF2-49D2-D7CA-DB52-E194A803EF2E}"/>
-              </a:ext>
-            </a:extLst>
-          </p:cNvPr>
-          <p:cNvSpPr txBox="1"/>
-          <p:nvPr/>
-        </p:nvSpPr>
-        <p:spPr>
-          <a:xfrm>
-            <a:off x="1616526" y="3286036"/>
-            <a:ext cx="1077688" cy="369332"/>
-          </a:xfrm>
-          <a:prstGeom prst="rect">
-            <a:avLst/>
-          </a:prstGeom>
-          <a:noFill/>
-        </p:spPr>
-        <p:txBody>
-          <a:bodyPr wrap="square" rtlCol="0">
-            <a:spAutoFit/>
-          </a:bodyPr>
-          <a:lstStyle/>
-          <a:p>
-            <a:r>
-              <a:rPr lang="en-US" dirty="0"/>
-              <a:t>Make </a:t>
-            </a:r>
-          </a:p>
-        </p:txBody>
-      </p:sp>
-      <p:cxnSp>
-        <p:nvCxnSpPr>
-          <p:cNvPr id="10" name="Straight Arrow Connector 9">
-            <a:extLst>
-              <a:ext uri="{FF2B5EF4-FFF2-40B4-BE49-F238E27FC236}">
-                <a16:creationId xmlns:a16="http://schemas.microsoft.com/office/drawing/2014/main" id="{F1A258A1-3A70-E190-1D75-78B5DB6869D2}"/>
-              </a:ext>
-            </a:extLst>
-          </p:cNvPr>
-          <p:cNvCxnSpPr/>
-          <p:nvPr/>
-        </p:nvCxnSpPr>
-        <p:spPr>
-          <a:xfrm flipV="1">
-            <a:off x="3668486" y="2111829"/>
-            <a:ext cx="1240971" cy="179023"/>
-          </a:xfrm>
-          <a:prstGeom prst="straightConnector1">
-            <a:avLst/>
-          </a:prstGeom>
-          <a:ln>
-            <a:tailEnd type="triangle"/>
-          </a:ln>
-        </p:spPr>
-        <p:style>
-          <a:lnRef idx="2">
-            <a:schemeClr val="accent1"/>
-          </a:lnRef>
-          <a:fillRef idx="0">
-            <a:schemeClr val="accent1"/>
-          </a:fillRef>
-          <a:effectRef idx="1">
-            <a:schemeClr val="accent1"/>
-          </a:effectRef>
-          <a:fontRef idx="minor">
-            <a:schemeClr val="tx1"/>
-          </a:fontRef>
-        </p:style>
-      </p:cxnSp>
-      <p:sp>
-        <p:nvSpPr>
-          <p:cNvPr id="11" name="TextBox 10">
-            <a:extLst>
-              <a:ext uri="{FF2B5EF4-FFF2-40B4-BE49-F238E27FC236}">
-                <a16:creationId xmlns:a16="http://schemas.microsoft.com/office/drawing/2014/main" id="{6636DB67-17DE-B8EA-52CA-BE9761229752}"/>
-              </a:ext>
-            </a:extLst>
-          </p:cNvPr>
-          <p:cNvSpPr txBox="1"/>
-          <p:nvPr/>
-        </p:nvSpPr>
-        <p:spPr>
-          <a:xfrm>
-            <a:off x="3869869" y="1832203"/>
-            <a:ext cx="696688" cy="369332"/>
-          </a:xfrm>
-          <a:prstGeom prst="rect">
-            <a:avLst/>
-          </a:prstGeom>
-          <a:noFill/>
-        </p:spPr>
-        <p:txBody>
-          <a:bodyPr wrap="square" rtlCol="0">
-            <a:spAutoFit/>
-          </a:bodyPr>
-          <a:lstStyle/>
-          <a:p>
-            <a:r>
-              <a:rPr lang="en-US" dirty="0"/>
-              <a:t>write</a:t>
-            </a:r>
-          </a:p>
-        </p:txBody>
-      </p:sp>
-      <p:sp>
-        <p:nvSpPr>
-          <p:cNvPr id="15" name="TextBox 14">
-            <a:extLst>
-              <a:ext uri="{FF2B5EF4-FFF2-40B4-BE49-F238E27FC236}">
-                <a16:creationId xmlns:a16="http://schemas.microsoft.com/office/drawing/2014/main" id="{4C9AC32D-6CCC-245A-70B2-408AAA84EB1B}"/>
-              </a:ext>
-            </a:extLst>
-          </p:cNvPr>
-          <p:cNvSpPr txBox="1"/>
-          <p:nvPr/>
-        </p:nvSpPr>
-        <p:spPr>
-          <a:xfrm>
-            <a:off x="4876802" y="1538558"/>
-            <a:ext cx="2590800" cy="646331"/>
-          </a:xfrm>
-          <a:prstGeom prst="rect">
-            <a:avLst/>
-          </a:prstGeom>
-        </p:spPr>
-        <p:style>
-          <a:lnRef idx="2">
-            <a:schemeClr val="dk1"/>
-          </a:lnRef>
-          <a:fillRef idx="1">
-            <a:schemeClr val="lt1"/>
-          </a:fillRef>
-          <a:effectRef idx="0">
-            <a:schemeClr val="dk1"/>
-          </a:effectRef>
-          <a:fontRef idx="minor">
-            <a:schemeClr val="dk1"/>
-          </a:fontRef>
-        </p:style>
-        <p:txBody>
-          <a:bodyPr wrap="square" rtlCol="0">
-            <a:spAutoFit/>
-          </a:bodyPr>
-          <a:lstStyle/>
-          <a:p>
-            <a:r>
-              <a:rPr lang="en-US" dirty="0"/>
-              <a:t>Feedback </a:t>
-            </a:r>
-          </a:p>
-          <a:p>
-            <a:r>
-              <a:rPr lang="en-US" dirty="0"/>
-              <a:t>Comment : type : string </a:t>
-            </a:r>
-          </a:p>
-        </p:txBody>
-      </p:sp>
-      <p:sp>
-        <p:nvSpPr>
-          <p:cNvPr id="16" name="TextBox 15">
-            <a:extLst>
-              <a:ext uri="{FF2B5EF4-FFF2-40B4-BE49-F238E27FC236}">
-                <a16:creationId xmlns:a16="http://schemas.microsoft.com/office/drawing/2014/main" id="{94952345-BBA0-BAD9-A522-4EA927138E55}"/>
-              </a:ext>
-            </a:extLst>
-          </p:cNvPr>
-          <p:cNvSpPr txBox="1"/>
-          <p:nvPr/>
-        </p:nvSpPr>
-        <p:spPr>
-          <a:xfrm>
-            <a:off x="8828315" y="4060371"/>
-            <a:ext cx="2830285" cy="2308324"/>
-          </a:xfrm>
-          <a:prstGeom prst="rect">
-            <a:avLst/>
-          </a:prstGeom>
-        </p:spPr>
-        <p:style>
-          <a:lnRef idx="2">
-            <a:schemeClr val="dk1"/>
-          </a:lnRef>
-          <a:fillRef idx="1">
-            <a:schemeClr val="lt1"/>
-          </a:fillRef>
-          <a:effectRef idx="0">
-            <a:schemeClr val="dk1"/>
-          </a:effectRef>
-          <a:fontRef idx="minor">
-            <a:schemeClr val="dk1"/>
-          </a:fontRef>
-        </p:style>
-        <p:txBody>
-          <a:bodyPr wrap="square" rtlCol="0">
-            <a:spAutoFit/>
-          </a:bodyPr>
-          <a:lstStyle/>
-          <a:p>
-            <a:r>
-              <a:rPr lang="en-US" dirty="0"/>
-              <a:t>Service </a:t>
-            </a:r>
-          </a:p>
-          <a:p>
-            <a:r>
-              <a:rPr lang="en-US" dirty="0"/>
-              <a:t>Email : type = string </a:t>
-            </a:r>
-          </a:p>
-          <a:p>
-            <a:r>
-              <a:rPr lang="en-US" dirty="0"/>
-              <a:t>Address :type = string </a:t>
-            </a:r>
-          </a:p>
-          <a:p>
-            <a:r>
-              <a:rPr lang="en-US" dirty="0"/>
-              <a:t>Phone :type = int</a:t>
-            </a:r>
-          </a:p>
-          <a:p>
-            <a:r>
-              <a:rPr lang="en-US" dirty="0"/>
-              <a:t>Pitches : type = string </a:t>
-            </a:r>
-          </a:p>
-          <a:p>
-            <a:endParaRPr lang="en-US" dirty="0"/>
-          </a:p>
-          <a:p>
-            <a:endParaRPr lang="en-US" dirty="0"/>
-          </a:p>
-          <a:p>
-            <a:r>
-              <a:rPr lang="en-US" dirty="0"/>
-              <a:t> </a:t>
-            </a:r>
-          </a:p>
-        </p:txBody>
-      </p:sp>
-      <p:cxnSp>
-        <p:nvCxnSpPr>
-          <p:cNvPr id="18" name="Straight Arrow Connector 17">
-            <a:extLst>
-              <a:ext uri="{FF2B5EF4-FFF2-40B4-BE49-F238E27FC236}">
-                <a16:creationId xmlns:a16="http://schemas.microsoft.com/office/drawing/2014/main" id="{59FE25E7-731F-E7DE-5F9B-DAD0BB45606F}"/>
-              </a:ext>
-            </a:extLst>
-          </p:cNvPr>
-          <p:cNvCxnSpPr/>
-          <p:nvPr/>
-        </p:nvCxnSpPr>
-        <p:spPr>
-          <a:xfrm flipV="1">
-            <a:off x="10036629" y="2775857"/>
-            <a:ext cx="0" cy="1186543"/>
-          </a:xfrm>
-          <a:prstGeom prst="straightConnector1">
-            <a:avLst/>
-          </a:prstGeom>
-          <a:ln>
-            <a:tailEnd type="triangle"/>
-          </a:ln>
-        </p:spPr>
-        <p:style>
-          <a:lnRef idx="2">
-            <a:schemeClr val="accent1"/>
-          </a:lnRef>
-          <a:fillRef idx="0">
-            <a:schemeClr val="accent1"/>
-          </a:fillRef>
-          <a:effectRef idx="1">
-            <a:schemeClr val="accent1"/>
-          </a:effectRef>
-          <a:fontRef idx="minor">
-            <a:schemeClr val="tx1"/>
-          </a:fontRef>
-        </p:style>
-      </p:cxnSp>
-      <p:sp>
-        <p:nvSpPr>
-          <p:cNvPr id="19" name="TextBox 18">
-            <a:extLst>
-              <a:ext uri="{FF2B5EF4-FFF2-40B4-BE49-F238E27FC236}">
-                <a16:creationId xmlns:a16="http://schemas.microsoft.com/office/drawing/2014/main" id="{0706E1C3-B605-1F87-527F-34C27B879538}"/>
-              </a:ext>
-            </a:extLst>
-          </p:cNvPr>
-          <p:cNvSpPr txBox="1"/>
-          <p:nvPr/>
-        </p:nvSpPr>
-        <p:spPr>
-          <a:xfrm>
-            <a:off x="8828315" y="1027906"/>
-            <a:ext cx="2656114" cy="1477328"/>
-          </a:xfrm>
-          <a:prstGeom prst="rect">
-            <a:avLst/>
-          </a:prstGeom>
-        </p:spPr>
-        <p:style>
-          <a:lnRef idx="2">
-            <a:schemeClr val="dk1"/>
-          </a:lnRef>
-          <a:fillRef idx="1">
-            <a:schemeClr val="lt1"/>
-          </a:fillRef>
-          <a:effectRef idx="0">
-            <a:schemeClr val="dk1"/>
-          </a:effectRef>
-          <a:fontRef idx="minor">
-            <a:schemeClr val="dk1"/>
-          </a:fontRef>
-        </p:style>
-        <p:txBody>
-          <a:bodyPr wrap="square" rtlCol="0">
-            <a:spAutoFit/>
-          </a:bodyPr>
-          <a:lstStyle/>
-          <a:p>
-            <a:r>
-              <a:rPr lang="en-US" dirty="0"/>
-              <a:t>Types</a:t>
-            </a:r>
-          </a:p>
-          <a:p>
-            <a:r>
-              <a:rPr lang="en-US" dirty="0"/>
-              <a:t>ID : type = int </a:t>
-            </a:r>
-          </a:p>
-          <a:p>
-            <a:r>
-              <a:rPr lang="en-US" dirty="0"/>
-              <a:t>Name : type = string</a:t>
-            </a:r>
-          </a:p>
-          <a:p>
-            <a:r>
-              <a:rPr lang="en-US" dirty="0"/>
-              <a:t>Pitches : type : string </a:t>
-            </a:r>
-          </a:p>
-          <a:p>
-            <a:endParaRPr lang="en-US" dirty="0"/>
-          </a:p>
-        </p:txBody>
-      </p:sp>
-      <p:sp>
-        <p:nvSpPr>
-          <p:cNvPr id="21" name="TextBox 20">
-            <a:extLst>
-              <a:ext uri="{FF2B5EF4-FFF2-40B4-BE49-F238E27FC236}">
-                <a16:creationId xmlns:a16="http://schemas.microsoft.com/office/drawing/2014/main" id="{094597DA-EA28-4FCA-D2EA-89F5600C5213}"/>
-              </a:ext>
-            </a:extLst>
-          </p:cNvPr>
-          <p:cNvSpPr txBox="1"/>
-          <p:nvPr/>
-        </p:nvSpPr>
-        <p:spPr>
-          <a:xfrm>
-            <a:off x="9394371" y="3203942"/>
-            <a:ext cx="1273629" cy="369332"/>
-          </a:xfrm>
-          <a:prstGeom prst="rect">
-            <a:avLst/>
-          </a:prstGeom>
-          <a:noFill/>
-        </p:spPr>
-        <p:txBody>
-          <a:bodyPr wrap="square" rtlCol="0">
-            <a:spAutoFit/>
-          </a:bodyPr>
-          <a:lstStyle/>
-          <a:p>
-            <a:r>
-              <a:rPr lang="en-US" dirty="0"/>
-              <a:t>has</a:t>
-            </a:r>
-          </a:p>
-        </p:txBody>
-      </p:sp>
-    </p:spTree>
-    <p:extLst>
-      <p:ext uri="{BB962C8B-B14F-4D97-AF65-F5344CB8AC3E}">
-        <p14:creationId xmlns:p14="http://schemas.microsoft.com/office/powerpoint/2010/main" val="3587744656"/>
-      </p:ext>
-    </p:extLst>
-  </p:cSld>
-  <p:clrMapOvr>
-    <a:masterClrMapping/>
-  </p:clrMapOvr>
-  <p:transition spd="slow">
-    <p:wipe/>
-  </p:transition>
   <p:timing>
     <p:tnLst>
       <p:par>
@@ -8441,7 +7189,7 @@
                             </p:stCondLst>
                             <p:childTnLst>
                               <p:par>
-                                <p:cTn id="5" presetID="2" presetClass="entr" presetSubtype="4" fill="hold" grpId="0" nodeType="clickEffect">
+                                <p:cTn id="5" presetID="53" presetClass="entr" presetSubtype="16" fill="hold" grpId="0" nodeType="clickEffect">
                                   <p:stCondLst>
                                     <p:cond delay="0"/>
                                   </p:stCondLst>
@@ -8465,87 +7213,77 @@
                                       </p:to>
                                     </p:set>
                                     <p:anim calcmode="lin" valueType="num">
-                                      <p:cBhvr additive="base">
+                                      <p:cBhvr>
                                         <p:cTn id="7" dur="500" fill="hold"/>
                                         <p:tgtEl>
                                           <p:spTgt spid="2"/>
                                         </p:tgtEl>
                                         <p:attrNameLst>
-                                          <p:attrName>ppt_x</p:attrName>
+                                          <p:attrName>ppt_w</p:attrName>
                                         </p:attrNameLst>
                                       </p:cBhvr>
                                       <p:tavLst>
                                         <p:tav tm="0">
                                           <p:val>
-                                            <p:strVal val="#ppt_x"/>
+                                            <p:fltVal val="0"/>
                                           </p:val>
                                         </p:tav>
                                         <p:tav tm="100000">
                                           <p:val>
-                                            <p:strVal val="#ppt_x"/>
+                                            <p:strVal val="#ppt_w"/>
                                           </p:val>
                                         </p:tav>
                                       </p:tavLst>
                                     </p:anim>
                                     <p:anim calcmode="lin" valueType="num">
-                                      <p:cBhvr additive="base">
+                                      <p:cBhvr>
                                         <p:cTn id="8" dur="500" fill="hold"/>
                                         <p:tgtEl>
                                           <p:spTgt spid="2"/>
                                         </p:tgtEl>
                                         <p:attrNameLst>
-                                          <p:attrName>ppt_y</p:attrName>
+                                          <p:attrName>ppt_h</p:attrName>
                                         </p:attrNameLst>
                                       </p:cBhvr>
                                       <p:tavLst>
                                         <p:tav tm="0">
                                           <p:val>
-                                            <p:strVal val="1+#ppt_h/2"/>
+                                            <p:fltVal val="0"/>
                                           </p:val>
                                         </p:tav>
                                         <p:tav tm="100000">
                                           <p:val>
-                                            <p:strVal val="#ppt_y"/>
+                                            <p:strVal val="#ppt_h"/>
                                           </p:val>
                                         </p:tav>
                                       </p:tavLst>
                                     </p:anim>
+                                    <p:animEffect transition="in" filter="fade">
+                                      <p:cBhvr>
+                                        <p:cTn id="9" dur="500"/>
+                                        <p:tgtEl>
+                                          <p:spTgt spid="2"/>
+                                        </p:tgtEl>
+                                      </p:cBhvr>
+                                    </p:animEffect>
                                   </p:childTnLst>
                                 </p:cTn>
                               </p:par>
-                            </p:childTnLst>
-                          </p:cTn>
-                        </p:par>
-                      </p:childTnLst>
-                    </p:cTn>
-                  </p:par>
-                  <p:par>
-                    <p:cTn id="9" fill="hold">
-                      <p:stCondLst>
-                        <p:cond delay="indefinite"/>
-                      </p:stCondLst>
-                      <p:childTnLst>
-                        <p:par>
-                          <p:cTn id="10" fill="hold">
-                            <p:stCondLst>
-                              <p:cond delay="0"/>
-                            </p:stCondLst>
-                            <p:childTnLst>
                               <p:par>
-                                <p:cTn id="11" presetID="2" presetClass="entr" presetSubtype="4" fill="hold" grpId="0" nodeType="clickEffect">
+                                <p:cTn id="10" presetID="53" presetClass="entr" presetSubtype="16" fill="hold" nodeType="withEffect">
                                   <p:stCondLst>
                                     <p:cond delay="0"/>
                                   </p:stCondLst>
                                   <p:childTnLst>
                                     <p:set>
                                       <p:cBhvr>
-                                        <p:cTn id="12" dur="1" fill="hold">
+                                        <p:cTn id="11" dur="1" fill="hold">
                                           <p:stCondLst>
                                             <p:cond delay="0"/>
                                           </p:stCondLst>
                                         </p:cTn>
                                         <p:tgtEl>
-                                          <p:spTgt spid="4"/>
+                                          <p:spTgt spid="5"/>
                                         </p:tgtEl>
                                         <p:attrNameLst>
                                           <p:attrName>style.visibility</p:attrName>
@@ -8556,544 +7294,56 @@
                                       </p:to>
                                     </p:set>
                                     <p:anim calcmode="lin" valueType="num">
-                                      <p:cBhvr additive="base">
-                                        <p:cTn id="13" dur="500" fill="hold"/>
-                                        <p:tgtEl>
-                                          <p:spTgt spid="4"/>
+                                      <p:cBhvr>
+                                        <p:cTn id="12" dur="500" fill="hold"/>
+                                        <p:tgtEl>
+                                          <p:spTgt spid="5"/>
                                         </p:tgtEl>
                                         <p:attrNameLst>
-                                          <p:attrName>ppt_x</p:attrName>
+                                          <p:attrName>ppt_w</p:attrName>
                                         </p:attrNameLst>
                                       </p:cBhvr>
                                       <p:tavLst>
                                         <p:tav tm="0">
                                           <p:val>
-                                            <p:strVal val="#ppt_x"/>
+                                            <p:fltVal val="0"/>
                                           </p:val>
                                         </p:tav>
                                         <p:tav tm="100000">
                                           <p:val>
-                                            <p:strVal val="#ppt_x"/>
+                                            <p:strVal val="#ppt_w"/>
                                           </p:val>
                                         </p:tav>
                                       </p:tavLst>
                                     </p:anim>
                                     <p:anim calcmode="lin" valueType="num">
-                                      <p:cBhvr additive="base">
-                                        <p:cTn id="14" dur="500" fill="hold"/>
-                                        <p:tgtEl>
-                                          <p:spTgt spid="4"/>
+                                      <p:cBhvr>
+                                        <p:cTn id="13" dur="500" fill="hold"/>
+                                        <p:tgtEl>
+                                          <p:spTgt spid="5"/>
                                         </p:tgtEl>
                                         <p:attrNameLst>
-                                          <p:attrName>ppt_y</p:attrName>
+                                          <p:attrName>ppt_h</p:attrName>
                                         </p:attrNameLst>
                                       </p:cBhvr>
                                       <p:tavLst>
                                         <p:tav tm="0">
                                           <p:val>
-                                            <p:strVal val="1+#ppt_h/2"/>
+                                            <p:fltVal val="0"/>
                                           </p:val>
                                         </p:tav>
                                         <p:tav tm="100000">
                                           <p:val>
-                                            <p:strVal val="#ppt_y"/>
+                                            <p:strVal val="#ppt_h"/>
                                           </p:val>
                                         </p:tav>
                                       </p:tavLst>
                                     </p:anim>
-                                  </p:childTnLst>
-                                </p:cTn>
-                              </p:par>
-                            </p:childTnLst>
-                          </p:cTn>
-                        </p:par>
-                      </p:childTnLst>
-                    </p:cTn>
-                  </p:par>
-                  <p:par>
-                    <p:cTn id="15" fill="hold">
-                      <p:stCondLst>
-                        <p:cond delay="indefinite"/>
-                      </p:stCondLst>
-                      <p:childTnLst>
-                        <p:par>
-                          <p:cTn id="16" fill="hold">
-                            <p:stCondLst>
-                              <p:cond delay="0"/>
-                            </p:stCondLst>
-                            <p:childTnLst>
-                              <p:par>
-                                <p:cTn id="17" presetID="10" presetClass="entr" presetSubtype="0" fill="hold" nodeType="clickEffect">
-                                  <p:stCondLst>
-                                    <p:cond delay="0"/>
-                                  </p:stCondLst>
-                                  <p:childTnLst>
-                                    <p:set>
-                                      <p:cBhvr>
-                                        <p:cTn id="18" dur="1" fill="hold">
-                                          <p:stCondLst>
-                                            <p:cond delay="0"/>
-                                          </p:stCondLst>
-                                        </p:cTn>
-                                        <p:tgtEl>
-                                          <p:spTgt spid="10"/>
-                                        </p:tgtEl>
-                                        <p:attrNameLst>
-                                          <p:attrName>style.visibility</p:attrName>
-                                        </p:attrNameLst>
-                                      </p:cBhvr>
-                                      <p:to>
-                                        <p:strVal val="visible"/>
-                                      </p:to>
-                                    </p:set>
                                     <p:animEffect transition="in" filter="fade">
                                       <p:cBhvr>
-                                        <p:cTn id="19" dur="500"/>
-                                        <p:tgtEl>
-                                          <p:spTgt spid="10"/>
-                                        </p:tgtEl>
-                                      </p:cBhvr>
-                                    </p:animEffect>
-                                  </p:childTnLst>
-                                </p:cTn>
-                              </p:par>
-                              <p:par>
-                                <p:cTn id="20" presetID="10" presetClass="entr" presetSubtype="0" fill="hold" nodeType="withEffect">
-                                  <p:stCondLst>
-                                    <p:cond delay="0"/>
-                                  </p:stCondLst>
-                                  <p:childTnLst>
-                                    <p:set>
-                                      <p:cBhvr>
-                                        <p:cTn id="21" dur="1" fill="hold">
-                                          <p:stCondLst>
-                                            <p:cond delay="0"/>
-                                          </p:stCondLst>
-                                        </p:cTn>
-                                        <p:tgtEl>
-                                          <p:spTgt spid="7"/>
-                                        </p:tgtEl>
-                                        <p:attrNameLst>
-                                          <p:attrName>style.visibility</p:attrName>
-                                        </p:attrNameLst>
-                                      </p:cBhvr>
-                                      <p:to>
-                                        <p:strVal val="visible"/>
-                                      </p:to>
-                                    </p:set>
-                                    <p:animEffect transition="in" filter="fade">
-                                      <p:cBhvr>
-                                        <p:cTn id="22" dur="500"/>
-                                        <p:tgtEl>
-                                          <p:spTgt spid="7"/>
-                                        </p:tgtEl>
-                                      </p:cBhvr>
-                                    </p:animEffect>
-                                  </p:childTnLst>
-                                </p:cTn>
-                              </p:par>
-                              <p:par>
-                                <p:cTn id="23" presetID="10" presetClass="entr" presetSubtype="0" fill="hold" grpId="0" nodeType="withEffect">
-                                  <p:stCondLst>
-                                    <p:cond delay="0"/>
-                                  </p:stCondLst>
-                                  <p:childTnLst>
-                                    <p:set>
-                                      <p:cBhvr>
-                                        <p:cTn id="24" dur="1" fill="hold">
-                                          <p:stCondLst>
-                                            <p:cond delay="0"/>
-                                          </p:stCondLst>
-                                        </p:cTn>
-                                        <p:tgtEl>
-                                          <p:spTgt spid="11"/>
-                                        </p:tgtEl>
-                                        <p:attrNameLst>
-                                          <p:attrName>style.visibility</p:attrName>
-                                        </p:attrNameLst>
-                                      </p:cBhvr>
-                                      <p:to>
-                                        <p:strVal val="visible"/>
-                                      </p:to>
-                                    </p:set>
-                                    <p:animEffect transition="in" filter="fade">
-                                      <p:cBhvr>
-                                        <p:cTn id="25" dur="500"/>
-                                        <p:tgtEl>
-                                          <p:spTgt spid="11"/>
-                                        </p:tgtEl>
-                                      </p:cBhvr>
-                                    </p:animEffect>
-                                  </p:childTnLst>
-                                </p:cTn>
-                              </p:par>
-                              <p:par>
-                                <p:cTn id="26" presetID="10" presetClass="entr" presetSubtype="0" fill="hold" grpId="0" nodeType="withEffect">
-                                  <p:stCondLst>
-                                    <p:cond delay="0"/>
-                                  </p:stCondLst>
-                                  <p:childTnLst>
-                                    <p:set>
-                                      <p:cBhvr>
-                                        <p:cTn id="27" dur="1" fill="hold">
-                                          <p:stCondLst>
-                                            <p:cond delay="0"/>
-                                          </p:stCondLst>
-                                        </p:cTn>
-                                        <p:tgtEl>
-                                          <p:spTgt spid="8"/>
-                                        </p:tgtEl>
-                                        <p:attrNameLst>
-                                          <p:attrName>style.visibility</p:attrName>
-                                        </p:attrNameLst>
-                                      </p:cBhvr>
-                                      <p:to>
-                                        <p:strVal val="visible"/>
-                                      </p:to>
-                                    </p:set>
-                                    <p:animEffect transition="in" filter="fade">
-                                      <p:cBhvr>
-                                        <p:cTn id="28" dur="500"/>
-                                        <p:tgtEl>
-                                          <p:spTgt spid="8"/>
-                                        </p:tgtEl>
-                                      </p:cBhvr>
-                                    </p:animEffect>
-                                  </p:childTnLst>
-                                </p:cTn>
-                              </p:par>
-                            </p:childTnLst>
-                          </p:cTn>
-                        </p:par>
-                      </p:childTnLst>
-                    </p:cTn>
-                  </p:par>
-                  <p:par>
-                    <p:cTn id="29" fill="hold">
-                      <p:stCondLst>
-                        <p:cond delay="indefinite"/>
-                      </p:stCondLst>
-                      <p:childTnLst>
-                        <p:par>
-                          <p:cTn id="30" fill="hold">
-                            <p:stCondLst>
-                              <p:cond delay="0"/>
-                            </p:stCondLst>
-                            <p:childTnLst>
-                              <p:par>
-                                <p:cTn id="31" presetID="22" presetClass="entr" presetSubtype="4" fill="hold" grpId="0" nodeType="clickEffect">
-                                  <p:stCondLst>
-                                    <p:cond delay="0"/>
-                                  </p:stCondLst>
-                                  <p:childTnLst>
-                                    <p:set>
-                                      <p:cBhvr>
-                                        <p:cTn id="32" dur="1" fill="hold">
-                                          <p:stCondLst>
-                                            <p:cond delay="0"/>
-                                          </p:stCondLst>
-                                        </p:cTn>
-                                        <p:tgtEl>
-                                          <p:spTgt spid="15"/>
-                                        </p:tgtEl>
-                                        <p:attrNameLst>
-                                          <p:attrName>style.visibility</p:attrName>
-                                        </p:attrNameLst>
-                                      </p:cBhvr>
-                                      <p:to>
-                                        <p:strVal val="visible"/>
-                                      </p:to>
-                                    </p:set>
-                                    <p:animEffect transition="in" filter="wipe(down)">
-                                      <p:cBhvr>
-                                        <p:cTn id="33" dur="500"/>
-                                        <p:tgtEl>
-                                          <p:spTgt spid="15"/>
-                                        </p:tgtEl>
-                                      </p:cBhvr>
-                                    </p:animEffect>
-                                  </p:childTnLst>
-                                </p:cTn>
-                              </p:par>
-                            </p:childTnLst>
-                          </p:cTn>
-                        </p:par>
-                      </p:childTnLst>
-                    </p:cTn>
-                  </p:par>
-                  <p:par>
-                    <p:cTn id="34" fill="hold">
-                      <p:stCondLst>
-                        <p:cond delay="indefinite"/>
-                      </p:stCondLst>
-                      <p:childTnLst>
-                        <p:par>
-                          <p:cTn id="35" fill="hold">
-                            <p:stCondLst>
-                              <p:cond delay="0"/>
-                            </p:stCondLst>
-                            <p:childTnLst>
-                              <p:par>
-                                <p:cTn id="36" presetID="2" presetClass="entr" presetSubtype="4" fill="hold" grpId="0" nodeType="clickEffect">
-                                  <p:stCondLst>
-                                    <p:cond delay="0"/>
-                                  </p:stCondLst>
-                                  <p:childTnLst>
-                                    <p:set>
-                                      <p:cBhvr>
-                                        <p:cTn id="37" dur="1" fill="hold">
-                                          <p:stCondLst>
-                                            <p:cond delay="0"/>
-                                          </p:stCondLst>
-                                        </p:cTn>
+                                        <p:cTn id="14" dur="500"/>
                                         <p:tgtEl>
                                           <p:spTgt spid="5"/>
-                                        </p:tgtEl>
-                                        <p:attrNameLst>
-                                          <p:attrName>style.visibility</p:attrName>
-                                        </p:attrNameLst>
-                                      </p:cBhvr>
-                                      <p:to>
-                                        <p:strVal val="visible"/>
-                                      </p:to>
-                                    </p:set>
-                                    <p:anim calcmode="lin" valueType="num">
-                                      <p:cBhvr additive="base">
-                                        <p:cTn id="38" dur="500" fill="hold"/>
-                                        <p:tgtEl>
-                                          <p:spTgt spid="5"/>
-                                        </p:tgtEl>
-                                        <p:attrNameLst>
-                                          <p:attrName>ppt_x</p:attrName>
-                                        </p:attrNameLst>
-                                      </p:cBhvr>
-                                      <p:tavLst>
-                                        <p:tav tm="0">
-                                          <p:val>
-                                            <p:strVal val="#ppt_x"/>
-                                          </p:val>
-                                        </p:tav>
-                                        <p:tav tm="100000">
-                                          <p:val>
-                                            <p:strVal val="#ppt_x"/>
-                                          </p:val>
-                                        </p:tav>
-                                      </p:tavLst>
-                                    </p:anim>
-                                    <p:anim calcmode="lin" valueType="num">
-                                      <p:cBhvr additive="base">
-                                        <p:cTn id="39" dur="500" fill="hold"/>
-                                        <p:tgtEl>
-                                          <p:spTgt spid="5"/>
-                                        </p:tgtEl>
-                                        <p:attrNameLst>
-                                          <p:attrName>ppt_y</p:attrName>
-                                        </p:attrNameLst>
-                                      </p:cBhvr>
-                                      <p:tavLst>
-                                        <p:tav tm="0">
-                                          <p:val>
-                                            <p:strVal val="1+#ppt_h/2"/>
-                                          </p:val>
-                                        </p:tav>
-                                        <p:tav tm="100000">
-                                          <p:val>
-                                            <p:strVal val="#ppt_y"/>
-                                          </p:val>
-                                        </p:tav>
-                                      </p:tavLst>
-                                    </p:anim>
-                                  </p:childTnLst>
-                                </p:cTn>
-                              </p:par>
-                            </p:childTnLst>
-                          </p:cTn>
-                        </p:par>
-                      </p:childTnLst>
-                    </p:cTn>
-                  </p:par>
-                  <p:par>
-                    <p:cTn id="40" fill="hold">
-                      <p:stCondLst>
-                        <p:cond delay="indefinite"/>
-                      </p:stCondLst>
-                      <p:childTnLst>
-                        <p:par>
-                          <p:cTn id="41" fill="hold">
-                            <p:stCondLst>
-                              <p:cond delay="0"/>
-                            </p:stCondLst>
-                            <p:childTnLst>
-                              <p:par>
-                                <p:cTn id="42" presetID="22" presetClass="entr" presetSubtype="4" fill="hold" grpId="0" nodeType="clickEffect">
-                                  <p:stCondLst>
-                                    <p:cond delay="0"/>
-                                  </p:stCondLst>
-                                  <p:childTnLst>
-                                    <p:set>
-                                      <p:cBhvr>
-                                        <p:cTn id="43" dur="1" fill="hold">
-                                          <p:stCondLst>
-                                            <p:cond delay="0"/>
-                                          </p:stCondLst>
-                                        </p:cTn>
-                                        <p:tgtEl>
-                                          <p:spTgt spid="16"/>
-                                        </p:tgtEl>
-                                        <p:attrNameLst>
-                                          <p:attrName>style.visibility</p:attrName>
-                                        </p:attrNameLst>
-                                      </p:cBhvr>
-                                      <p:to>
-                                        <p:strVal val="visible"/>
-                                      </p:to>
-                                    </p:set>
-                                    <p:animEffect transition="in" filter="wipe(down)">
-                                      <p:cBhvr>
-                                        <p:cTn id="44" dur="500"/>
-                                        <p:tgtEl>
-                                          <p:spTgt spid="16"/>
-                                        </p:tgtEl>
-                                      </p:cBhvr>
-                                    </p:animEffect>
-                                  </p:childTnLst>
-                                </p:cTn>
-                              </p:par>
-                            </p:childTnLst>
-                          </p:cTn>
-                        </p:par>
-                      </p:childTnLst>
-                    </p:cTn>
-                  </p:par>
-                  <p:par>
-                    <p:cTn id="45" fill="hold">
-                      <p:stCondLst>
-                        <p:cond delay="indefinite"/>
-                      </p:stCondLst>
-                      <p:childTnLst>
-                        <p:par>
-                          <p:cTn id="46" fill="hold">
-                            <p:stCondLst>
-                              <p:cond delay="0"/>
-                            </p:stCondLst>
-                            <p:childTnLst>
-                              <p:par>
-                                <p:cTn id="47" presetID="6" presetClass="entr" presetSubtype="16" fill="hold" nodeType="clickEffect">
-                                  <p:stCondLst>
-                                    <p:cond delay="0"/>
-                                  </p:stCondLst>
-                                  <p:childTnLst>
-                                    <p:set>
-                                      <p:cBhvr>
-                                        <p:cTn id="48" dur="1" fill="hold">
-                                          <p:stCondLst>
-                                            <p:cond delay="0"/>
-                                          </p:stCondLst>
-                                        </p:cTn>
-                                        <p:tgtEl>
-                                          <p:spTgt spid="18"/>
-                                        </p:tgtEl>
-                                        <p:attrNameLst>
-                                          <p:attrName>style.visibility</p:attrName>
-                                        </p:attrNameLst>
-                                      </p:cBhvr>
-                                      <p:to>
-                                        <p:strVal val="visible"/>
-                                      </p:to>
-                                    </p:set>
-                                    <p:animEffect transition="in" filter="circle(in)">
-                                      <p:cBhvr>
-                                        <p:cTn id="49" dur="2000"/>
-                                        <p:tgtEl>
-                                          <p:spTgt spid="18"/>
-                                        </p:tgtEl>
-                                      </p:cBhvr>
-                                    </p:animEffect>
-                                  </p:childTnLst>
-                                </p:cTn>
-                              </p:par>
-                              <p:par>
-                                <p:cTn id="50" presetID="6" presetClass="entr" presetSubtype="16" fill="hold" grpId="0" nodeType="withEffect">
-                                  <p:stCondLst>
-                                    <p:cond delay="0"/>
-                                  </p:stCondLst>
-                                  <p:childTnLst>
-                                    <p:set>
-                                      <p:cBhvr>
-                                        <p:cTn id="51" dur="1" fill="hold">
-                                          <p:stCondLst>
-                                            <p:cond delay="0"/>
-                                          </p:stCondLst>
-                                        </p:cTn>
-                                        <p:tgtEl>
-                                          <p:spTgt spid="21"/>
-                                        </p:tgtEl>
-                                        <p:attrNameLst>
-                                          <p:attrName>style.visibility</p:attrName>
-                                        </p:attrNameLst>
-                                      </p:cBhvr>
-                                      <p:to>
-                                        <p:strVal val="visible"/>
-                                      </p:to>
-                                    </p:set>
-                                    <p:animEffect transition="in" filter="circle(in)">
-                                      <p:cBhvr>
-                                        <p:cTn id="52" dur="2000"/>
-                                        <p:tgtEl>
-                                          <p:spTgt spid="21"/>
-                                        </p:tgtEl>
-                                      </p:cBhvr>
-                                    </p:animEffect>
-                                  </p:childTnLst>
-                                </p:cTn>
-                              </p:par>
-                            </p:childTnLst>
-                          </p:cTn>
-                        </p:par>
-                      </p:childTnLst>
-                    </p:cTn>
-                  </p:par>
-                  <p:par>
-                    <p:cTn id="53" fill="hold">
-                      <p:stCondLst>
-                        <p:cond delay="indefinite"/>
-                      </p:stCondLst>
-                      <p:childTnLst>
-                        <p:par>
-                          <p:cTn id="54" fill="hold">
-                            <p:stCondLst>
-                              <p:cond delay="0"/>
-                            </p:stCondLst>
-                            <p:childTnLst>
-                              <p:par>
-                                <p:cTn id="55" presetID="21" presetClass="entr" presetSubtype="1" fill="hold" grpId="0" nodeType="clickEffect">
-                                  <p:stCondLst>
-                                    <p:cond delay="0"/>
-                                  </p:stCondLst>
-                                  <p:childTnLst>
-                                    <p:set>
-                                      <p:cBhvr>
-                                        <p:cTn id="56" dur="1" fill="hold">
-                                          <p:stCondLst>
-                                            <p:cond delay="0"/>
-                                          </p:stCondLst>
-                                        </p:cTn>
-                                        <p:tgtEl>
-                                          <p:spTgt spid="19"/>
-                                        </p:tgtEl>
-                                        <p:attrNameLst>
-                                          <p:attrName>style.visibility</p:attrName>
-                                        </p:attrNameLst>
-                                      </p:cBhvr>
-                                      <p:to>
-                                        <p:strVal val="visible"/>
-                                      </p:to>
-                                    </p:set>
-                                    <p:animEffect transition="in" filter="wheel(1)">
-                                      <p:cBhvr>
-                                        <p:cTn id="57" dur="2000"/>
-                                        <p:tgtEl>
-                                          <p:spTgt spid="19"/>
                                         </p:tgtEl>
                                       </p:cBhvr>
                                     </p:animEffect>
@@ -9129,20 +7379,12 @@
     </p:tnLst>
     <p:bldLst>
       <p:bldP spid="2" grpId="0"/>
-      <p:bldP spid="4" grpId="0" animBg="1"/>
-      <p:bldP spid="5" grpId="0" animBg="1"/>
-      <p:bldP spid="8" grpId="0"/>
-      <p:bldP spid="11" grpId="0"/>
-      <p:bldP spid="15" grpId="0" animBg="1"/>
-      <p:bldP spid="16" grpId="0" animBg="1"/>
-      <p:bldP spid="19" grpId="0" animBg="1"/>
-      <p:bldP spid="21" grpId="0"/>
     </p:bldLst>
   </p:timing>
 </p:sld>
 </file>
 
-<file path=ppt/slides/slide11.xml><?xml version="1.0" encoding="utf-8"?>
+<file path=ppt/slides/slide10.xml><?xml version="1.0" encoding="utf-8"?>
 <p:sld xmlns:a="http://schemas.openxmlformats.org/drawingml/2006/main" xmlns:r="http://schemas.openxmlformats.org/officeDocument/2006/relationships" xmlns:p="http://schemas.openxmlformats.org/presentationml/2006/main">
   <p:cSld>
     <p:bg>
@@ -9484,13 +7726,13 @@
   <p:clrMapOvr>
     <a:masterClrMapping/>
   </p:clrMapOvr>
-  <mc:AlternateContent xmlns:mc="http://schemas.openxmlformats.org/markup-compatibility/2006">
-    <mc:Choice xmlns:p14="http://schemas.microsoft.com/office/powerpoint/2010/main" Requires="p14">
+  <mc:AlternateContent xmlns:mc="http://schemas.openxmlformats.org/markup-compatibility/2006" xmlns:p14="http://schemas.microsoft.com/office/powerpoint/2010/main">
+    <mc:Choice Requires="p14">
       <p:transition p14:dur="100">
         <p:cut/>
       </p:transition>
     </mc:Choice>
-    <mc:Fallback>
+    <mc:Fallback xmlns="">
       <p:transition>
         <p:cut/>
       </p:transition>
@@ -9684,7 +7926,7 @@
 </p:sld>
 </file>
 
-<file path=ppt/slides/slide12.xml><?xml version="1.0" encoding="utf-8"?>
+<file path=ppt/slides/slide11.xml><?xml version="1.0" encoding="utf-8"?>
 <p:sld xmlns:a="http://schemas.openxmlformats.org/drawingml/2006/main" xmlns:r="http://schemas.openxmlformats.org/officeDocument/2006/relationships" xmlns:p="http://schemas.openxmlformats.org/presentationml/2006/main">
   <p:cSld>
     <p:bg>
@@ -10038,13 +8280,13 @@
   <p:clrMapOvr>
     <a:masterClrMapping/>
   </p:clrMapOvr>
-  <mc:AlternateContent xmlns:mc="http://schemas.openxmlformats.org/markup-compatibility/2006">
-    <mc:Choice xmlns:p14="http://schemas.microsoft.com/office/powerpoint/2010/main" Requires="p14">
+  <mc:AlternateContent xmlns:mc="http://schemas.openxmlformats.org/markup-compatibility/2006" xmlns:p14="http://schemas.microsoft.com/office/powerpoint/2010/main">
+    <mc:Choice Requires="p14">
       <p:transition spd="slow" p14:dur="800">
         <p:circle/>
       </p:transition>
     </mc:Choice>
-    <mc:Fallback>
+    <mc:Fallback xmlns="">
       <p:transition spd="slow">
         <p:circle/>
       </p:transition>
@@ -10230,7 +8472,7 @@
 </p:sld>
 </file>
 
-<file path=ppt/slides/slide13.xml><?xml version="1.0" encoding="utf-8"?>
+<file path=ppt/slides/slide12.xml><?xml version="1.0" encoding="utf-8"?>
 <p:sld xmlns:a="http://schemas.openxmlformats.org/drawingml/2006/main" xmlns:r="http://schemas.openxmlformats.org/officeDocument/2006/relationships" xmlns:p="http://schemas.openxmlformats.org/presentationml/2006/main">
   <p:cSld>
     <p:bg>
@@ -10808,13 +9050,13 @@
   <p:clrMapOvr>
     <a:masterClrMapping/>
   </p:clrMapOvr>
-  <mc:AlternateContent xmlns:mc="http://schemas.openxmlformats.org/markup-compatibility/2006">
-    <mc:Choice xmlns:p15="http://schemas.microsoft.com/office/powerpoint/2012/main" Requires="p15">
+  <mc:AlternateContent xmlns:mc="http://schemas.openxmlformats.org/markup-compatibility/2006" xmlns:p15="http://schemas.microsoft.com/office/powerpoint/2012/main">
+    <mc:Choice Requires="p15">
       <p:transition xmlns:p14="http://schemas.microsoft.com/office/powerpoint/2010/main" spd="slow" p14:dur="6000">
         <p15:prstTrans prst="curtains"/>
       </p:transition>
     </mc:Choice>
-    <mc:Fallback>
+    <mc:Fallback xmlns="">
       <p:transition spd="slow">
         <p:fade/>
       </p:transition>
@@ -11089,1180 +9331,6 @@
 <file path=ppt/slides/slide2.xml><?xml version="1.0" encoding="utf-8"?>
 <p:sld xmlns:a="http://schemas.openxmlformats.org/drawingml/2006/main" xmlns:r="http://schemas.openxmlformats.org/officeDocument/2006/relationships" xmlns:p="http://schemas.openxmlformats.org/presentationml/2006/main">
   <p:cSld>
-    <p:bg>
-      <p:bgPr>
-        <a:solidFill>
-          <a:schemeClr val="bg1"/>
-        </a:solidFill>
-        <a:effectLst/>
-      </p:bgPr>
-    </p:bg>
-    <p:spTree>
-      <p:nvGrpSpPr>
-        <p:cNvPr id="1" name=""/>
-        <p:cNvGrpSpPr/>
-        <p:nvPr/>
-      </p:nvGrpSpPr>
-      <p:grpSpPr>
-        <a:xfrm>
-          <a:off x="0" y="0"/>
-          <a:ext cx="0" cy="0"/>
-          <a:chOff x="0" y="0"/>
-          <a:chExt cx="0" cy="0"/>
-        </a:xfrm>
-      </p:grpSpPr>
-      <p:sp useBgFill="1">
-        <p:nvSpPr>
-          <p:cNvPr id="17" name="Slide Background">
-            <a:extLst>
-              <a:ext uri="{FF2B5EF4-FFF2-40B4-BE49-F238E27FC236}">
-                <a16:creationId xmlns:a16="http://schemas.microsoft.com/office/drawing/2014/main" id="{C0763A76-9F1C-4FC5-82B7-DD475DA461B2}"/>
-              </a:ext>
-              <a:ext uri="{C183D7F6-B498-43B3-948B-1728B52AA6E4}">
-                <adec:decorative xmlns:adec="http://schemas.microsoft.com/office/drawing/2017/decorative" val="1"/>
-              </a:ext>
-            </a:extLst>
-          </p:cNvPr>
-          <p:cNvSpPr>
-            <a:spLocks noGrp="1" noRot="1" noChangeAspect="1" noMove="1" noResize="1" noEditPoints="1" noAdjustHandles="1" noChangeArrowheads="1" noChangeShapeType="1" noTextEdit="1"/>
-          </p:cNvSpPr>
-          <p:nvPr>
-            <p:extLst>
-              <p:ext uri="{386F3935-93C4-4BCD-93E2-E3B085C9AB24}">
-                <p16:designElem xmlns:p16="http://schemas.microsoft.com/office/powerpoint/2015/main" val="1"/>
-              </p:ext>
-            </p:extLst>
-          </p:nvPr>
-        </p:nvSpPr>
-        <p:spPr bwMode="white">
-          <a:xfrm>
-            <a:off x="-1" y="0"/>
-            <a:ext cx="12191999" cy="6858000"/>
-          </a:xfrm>
-          <a:prstGeom prst="rect">
-            <a:avLst/>
-          </a:prstGeom>
-          <a:ln>
-            <a:noFill/>
-          </a:ln>
-        </p:spPr>
-        <p:style>
-          <a:lnRef idx="2">
-            <a:schemeClr val="accent1">
-              <a:shade val="50000"/>
-            </a:schemeClr>
-          </a:lnRef>
-          <a:fillRef idx="1">
-            <a:schemeClr val="accent1"/>
-          </a:fillRef>
-          <a:effectRef idx="0">
-            <a:schemeClr val="accent1"/>
-          </a:effectRef>
-          <a:fontRef idx="minor">
-            <a:schemeClr val="lt1"/>
-          </a:fontRef>
-        </p:style>
-        <p:txBody>
-          <a:bodyPr rtlCol="0" anchor="ctr"/>
-          <a:lstStyle>
-            <a:defPPr>
-              <a:defRPr lang="en-US"/>
-            </a:defPPr>
-            <a:lvl1pPr marL="0" algn="l" defTabSz="914400" rtl="0" eaLnBrk="1" latinLnBrk="0" hangingPunct="1">
-              <a:defRPr sz="1800" kern="1200">
-                <a:solidFill>
-                  <a:schemeClr val="lt1"/>
-                </a:solidFill>
-                <a:latin typeface="+mn-lt"/>
-                <a:ea typeface="+mn-ea"/>
-                <a:cs typeface="+mn-cs"/>
-              </a:defRPr>
-            </a:lvl1pPr>
-            <a:lvl2pPr marL="457200" algn="l" defTabSz="914400" rtl="0" eaLnBrk="1" latinLnBrk="0" hangingPunct="1">
-              <a:defRPr sz="1800" kern="1200">
-                <a:solidFill>
-                  <a:schemeClr val="lt1"/>
-                </a:solidFill>
-                <a:latin typeface="+mn-lt"/>
-                <a:ea typeface="+mn-ea"/>
-                <a:cs typeface="+mn-cs"/>
-              </a:defRPr>
-            </a:lvl2pPr>
-            <a:lvl3pPr marL="914400" algn="l" defTabSz="914400" rtl="0" eaLnBrk="1" latinLnBrk="0" hangingPunct="1">
-              <a:defRPr sz="1800" kern="1200">
-                <a:solidFill>
-                  <a:schemeClr val="lt1"/>
-                </a:solidFill>
-                <a:latin typeface="+mn-lt"/>
-                <a:ea typeface="+mn-ea"/>
-                <a:cs typeface="+mn-cs"/>
-              </a:defRPr>
-            </a:lvl3pPr>
-            <a:lvl4pPr marL="1371600" algn="l" defTabSz="914400" rtl="0" eaLnBrk="1" latinLnBrk="0" hangingPunct="1">
-              <a:defRPr sz="1800" kern="1200">
-                <a:solidFill>
-                  <a:schemeClr val="lt1"/>
-                </a:solidFill>
-                <a:latin typeface="+mn-lt"/>
-                <a:ea typeface="+mn-ea"/>
-                <a:cs typeface="+mn-cs"/>
-              </a:defRPr>
-            </a:lvl4pPr>
-            <a:lvl5pPr marL="1828800" algn="l" defTabSz="914400" rtl="0" eaLnBrk="1" latinLnBrk="0" hangingPunct="1">
-              <a:defRPr sz="1800" kern="1200">
-                <a:solidFill>
-                  <a:schemeClr val="lt1"/>
-                </a:solidFill>
-                <a:latin typeface="+mn-lt"/>
-                <a:ea typeface="+mn-ea"/>
-                <a:cs typeface="+mn-cs"/>
-              </a:defRPr>
-            </a:lvl5pPr>
-            <a:lvl6pPr marL="2286000" algn="l" defTabSz="914400" rtl="0" eaLnBrk="1" latinLnBrk="0" hangingPunct="1">
-              <a:defRPr sz="1800" kern="1200">
-                <a:solidFill>
-                  <a:schemeClr val="lt1"/>
-                </a:solidFill>
-                <a:latin typeface="+mn-lt"/>
-                <a:ea typeface="+mn-ea"/>
-                <a:cs typeface="+mn-cs"/>
-              </a:defRPr>
-            </a:lvl6pPr>
-            <a:lvl7pPr marL="2743200" algn="l" defTabSz="914400" rtl="0" eaLnBrk="1" latinLnBrk="0" hangingPunct="1">
-              <a:defRPr sz="1800" kern="1200">
-                <a:solidFill>
-                  <a:schemeClr val="lt1"/>
-                </a:solidFill>
-                <a:latin typeface="+mn-lt"/>
-                <a:ea typeface="+mn-ea"/>
-                <a:cs typeface="+mn-cs"/>
-              </a:defRPr>
-            </a:lvl7pPr>
-            <a:lvl8pPr marL="3200400" algn="l" defTabSz="914400" rtl="0" eaLnBrk="1" latinLnBrk="0" hangingPunct="1">
-              <a:defRPr sz="1800" kern="1200">
-                <a:solidFill>
-                  <a:schemeClr val="lt1"/>
-                </a:solidFill>
-                <a:latin typeface="+mn-lt"/>
-                <a:ea typeface="+mn-ea"/>
-                <a:cs typeface="+mn-cs"/>
-              </a:defRPr>
-            </a:lvl8pPr>
-            <a:lvl9pPr marL="3657600" algn="l" defTabSz="914400" rtl="0" eaLnBrk="1" latinLnBrk="0" hangingPunct="1">
-              <a:defRPr sz="1800" kern="1200">
-                <a:solidFill>
-                  <a:schemeClr val="lt1"/>
-                </a:solidFill>
-                <a:latin typeface="+mn-lt"/>
-                <a:ea typeface="+mn-ea"/>
-                <a:cs typeface="+mn-cs"/>
-              </a:defRPr>
-            </a:lvl9pPr>
-          </a:lstStyle>
-          <a:p>
-            <a:pPr algn="ctr"/>
-            <a:endParaRPr lang="en-US"/>
-          </a:p>
-        </p:txBody>
-      </p:sp>
-      <p:sp useBgFill="1">
-        <p:nvSpPr>
-          <p:cNvPr id="19" name="Rectangle 18">
-            <a:extLst>
-              <a:ext uri="{FF2B5EF4-FFF2-40B4-BE49-F238E27FC236}">
-                <a16:creationId xmlns:a16="http://schemas.microsoft.com/office/drawing/2014/main" id="{E81BF4F6-F2CF-4984-9D14-D6966D92F99F}"/>
-              </a:ext>
-              <a:ext uri="{C183D7F6-B498-43B3-948B-1728B52AA6E4}">
-                <adec:decorative xmlns:adec="http://schemas.microsoft.com/office/drawing/2017/decorative" val="1"/>
-              </a:ext>
-            </a:extLst>
-          </p:cNvPr>
-          <p:cNvSpPr>
-            <a:spLocks noGrp="1" noRot="1" noChangeAspect="1" noMove="1" noResize="1" noEditPoints="1" noAdjustHandles="1" noChangeArrowheads="1" noChangeShapeType="1" noTextEdit="1"/>
-          </p:cNvSpPr>
-          <p:nvPr>
-            <p:extLst>
-              <p:ext uri="{386F3935-93C4-4BCD-93E2-E3B085C9AB24}">
-                <p16:designElem xmlns:p16="http://schemas.microsoft.com/office/powerpoint/2015/main" val="1"/>
-              </p:ext>
-            </p:extLst>
-          </p:nvPr>
-        </p:nvSpPr>
-        <p:spPr>
-          <a:xfrm>
-            <a:off x="1" y="0"/>
-            <a:ext cx="8522446" cy="2285999"/>
-          </a:xfrm>
-          <a:prstGeom prst="rect">
-            <a:avLst/>
-          </a:prstGeom>
-          <a:ln>
-            <a:noFill/>
-          </a:ln>
-          <a:effectLst>
-            <a:outerShdw blurRad="596900" dist="304800" dir="7140000" sx="90000" sy="90000" algn="t" rotWithShape="0">
-              <a:srgbClr val="000000">
-                <a:alpha val="15000"/>
-              </a:srgbClr>
-            </a:outerShdw>
-          </a:effectLst>
-        </p:spPr>
-        <p:style>
-          <a:lnRef idx="2">
-            <a:schemeClr val="accent1">
-              <a:shade val="50000"/>
-            </a:schemeClr>
-          </a:lnRef>
-          <a:fillRef idx="1">
-            <a:schemeClr val="accent1"/>
-          </a:fillRef>
-          <a:effectRef idx="0">
-            <a:schemeClr val="accent1"/>
-          </a:effectRef>
-          <a:fontRef idx="minor">
-            <a:schemeClr val="lt1"/>
-          </a:fontRef>
-        </p:style>
-        <p:txBody>
-          <a:bodyPr rtlCol="0" anchor="ctr"/>
-          <a:lstStyle/>
-          <a:p>
-            <a:pPr algn="ctr"/>
-            <a:endParaRPr lang="en-US"/>
-          </a:p>
-        </p:txBody>
-      </p:sp>
-      <p:sp>
-        <p:nvSpPr>
-          <p:cNvPr id="2" name="Title 1">
-            <a:extLst>
-              <a:ext uri="{FF2B5EF4-FFF2-40B4-BE49-F238E27FC236}">
-                <a16:creationId xmlns:a16="http://schemas.microsoft.com/office/drawing/2014/main" id="{D1226E83-9514-A9F8-BA46-B266724D5B0A}"/>
-              </a:ext>
-            </a:extLst>
-          </p:cNvPr>
-          <p:cNvSpPr>
-            <a:spLocks noGrp="1"/>
-          </p:cNvSpPr>
-          <p:nvPr>
-            <p:ph type="title"/>
-          </p:nvPr>
-        </p:nvSpPr>
-        <p:spPr>
-          <a:xfrm>
-            <a:off x="761803" y="350196"/>
-            <a:ext cx="4646904" cy="1624520"/>
-          </a:xfrm>
-        </p:spPr>
-        <p:txBody>
-          <a:bodyPr anchor="ctr">
-            <a:normAutofit/>
-          </a:bodyPr>
-          <a:lstStyle/>
-          <a:p>
-            <a:r>
-              <a:rPr lang="en-US" sz="4000" dirty="0"/>
-              <a:t>𝓈𝓅𝑜𝓇𝓉𝒾𝑔 𝒸𝓁𝓊𝒷𝓈</a:t>
-            </a:r>
-          </a:p>
-        </p:txBody>
-      </p:sp>
-      <p:sp>
-        <p:nvSpPr>
-          <p:cNvPr id="9" name="Content Placeholder 8">
-            <a:extLst>
-              <a:ext uri="{FF2B5EF4-FFF2-40B4-BE49-F238E27FC236}">
-                <a16:creationId xmlns:a16="http://schemas.microsoft.com/office/drawing/2014/main" id="{78B4F150-968C-6EFC-FAAE-4BF38A008FCE}"/>
-              </a:ext>
-            </a:extLst>
-          </p:cNvPr>
-          <p:cNvSpPr>
-            <a:spLocks noGrp="1"/>
-          </p:cNvSpPr>
-          <p:nvPr>
-            <p:ph idx="1"/>
-          </p:nvPr>
-        </p:nvSpPr>
-        <p:spPr>
-          <a:xfrm>
-            <a:off x="761802" y="2743200"/>
-            <a:ext cx="4646905" cy="3613149"/>
-          </a:xfrm>
-        </p:spPr>
-        <p:txBody>
-          <a:bodyPr anchor="ctr">
-            <a:normAutofit/>
-          </a:bodyPr>
-          <a:lstStyle/>
-          <a:p>
-            <a:pPr marL="0" indent="0">
-              <a:buNone/>
-            </a:pPr>
-            <a:r>
-              <a:rPr lang="en-US" sz="2000" dirty="0"/>
-              <a:t>𝒯𝑒𝒶𝓂 𝑀𝑒𝓂𝒷𝑒𝓇𝓈</a:t>
-            </a:r>
-          </a:p>
-          <a:p>
-            <a:r>
-              <a:rPr lang="en-US" sz="2000" dirty="0"/>
-              <a:t>Maged </a:t>
-            </a:r>
-            <a:r>
-              <a:rPr lang="en-US" sz="2000" dirty="0" err="1"/>
-              <a:t>mamdouh</a:t>
-            </a:r>
-            <a:r>
-              <a:rPr lang="en-US" sz="2000" dirty="0"/>
-              <a:t> Shehata  </a:t>
-            </a:r>
-            <a:r>
-              <a:rPr lang="en-US" sz="2000" dirty="0">
-                <a:hlinkClick r:id="rId2"/>
-              </a:rPr>
-              <a:t>medomamdouh622003@gmail.com</a:t>
-            </a:r>
-            <a:endParaRPr lang="en-US" sz="2000" dirty="0"/>
-          </a:p>
-          <a:p>
-            <a:r>
-              <a:rPr lang="pl-PL" sz="2000" dirty="0"/>
-              <a:t>Ziad Magdy Abdelnaeem </a:t>
-            </a:r>
-            <a:r>
-              <a:rPr lang="en-US" sz="2000" dirty="0"/>
-              <a:t>      </a:t>
-            </a:r>
-            <a:r>
-              <a:rPr lang="pl-PL" sz="2000" dirty="0">
-                <a:hlinkClick r:id="rId3"/>
-              </a:rPr>
-              <a:t>ziadfax32@gmail.com</a:t>
-            </a:r>
-            <a:endParaRPr lang="en-US" sz="2000" dirty="0"/>
-          </a:p>
-          <a:p>
-            <a:r>
-              <a:rPr lang="da-DK" sz="2000" dirty="0"/>
-              <a:t>Keroles rafik azmy                </a:t>
-            </a:r>
-            <a:r>
-              <a:rPr lang="da-DK" sz="2000" dirty="0">
-                <a:hlinkClick r:id="rId4"/>
-              </a:rPr>
-              <a:t>kerolosrafik347@gmail.com</a:t>
-            </a:r>
-            <a:endParaRPr lang="da-DK" sz="2000" dirty="0"/>
-          </a:p>
-          <a:p>
-            <a:r>
-              <a:rPr lang="da-DK" sz="2000" dirty="0"/>
-              <a:t>Mohamed Wageh Kamel       </a:t>
-            </a:r>
-            <a:r>
-              <a:rPr lang="en-US" sz="2000" dirty="0">
-                <a:hlinkClick r:id="rId5" tooltip="mailto:mmdwageh0@gmail.com"/>
-              </a:rPr>
-              <a:t>mmdwageh0@gmail.com</a:t>
-            </a:r>
-            <a:endParaRPr lang="da-DK" sz="2000" dirty="0"/>
-          </a:p>
-          <a:p>
-            <a:endParaRPr lang="en-US" sz="2000" dirty="0"/>
-          </a:p>
-        </p:txBody>
-      </p:sp>
-      <p:pic>
-        <p:nvPicPr>
-          <p:cNvPr id="5" name="Content Placeholder 4" descr="A logo for a sporting club&#10;&#10;AI-generated content may be incorrect.">
-            <a:extLst>
-              <a:ext uri="{FF2B5EF4-FFF2-40B4-BE49-F238E27FC236}">
-                <a16:creationId xmlns:a16="http://schemas.microsoft.com/office/drawing/2014/main" id="{9CEFA0FB-E626-0250-79B7-D8DA1E48AE0F}"/>
-              </a:ext>
-            </a:extLst>
-          </p:cNvPr>
-          <p:cNvPicPr>
-            <a:picLocks noChangeAspect="1"/>
-          </p:cNvPicPr>
-          <p:nvPr/>
-        </p:nvPicPr>
-        <p:blipFill>
-          <a:blip r:embed="rId6">
-            <a:extLst>
-              <a:ext uri="{28A0092B-C50C-407E-A947-70E740481C1C}">
-                <a14:useLocalDpi xmlns:a14="http://schemas.microsoft.com/office/drawing/2010/main" val="0"/>
-              </a:ext>
-            </a:extLst>
-          </a:blip>
-          <a:srcRect l="5607" r="5404"/>
-          <a:stretch/>
-        </p:blipFill>
-        <p:spPr>
-          <a:xfrm>
-            <a:off x="6096000" y="1"/>
-            <a:ext cx="6102825" cy="6858000"/>
-          </a:xfrm>
-          <a:prstGeom prst="rect">
-            <a:avLst/>
-          </a:prstGeom>
-        </p:spPr>
-      </p:pic>
-    </p:spTree>
-    <p:extLst>
-      <p:ext uri="{BB962C8B-B14F-4D97-AF65-F5344CB8AC3E}">
-        <p14:creationId xmlns:p14="http://schemas.microsoft.com/office/powerpoint/2010/main" val="1526436330"/>
-      </p:ext>
-    </p:extLst>
-  </p:cSld>
-  <p:clrMapOvr>
-    <a:masterClrMapping/>
-  </p:clrMapOvr>
-  <mc:AlternateContent xmlns:mc="http://schemas.openxmlformats.org/markup-compatibility/2006">
-    <mc:Choice xmlns:p14="http://schemas.microsoft.com/office/powerpoint/2010/main" Requires="p14">
-      <p:transition spd="slow" p14:dur="1600">
-        <p14:prism isContent="1" isInverted="1"/>
-      </p:transition>
-    </mc:Choice>
-    <mc:Fallback>
-      <p:transition spd="slow">
-        <p:fade/>
-      </p:transition>
-    </mc:Fallback>
-  </mc:AlternateContent>
-  <p:timing>
-    <p:tnLst>
-      <p:par>
-        <p:cTn id="1" dur="indefinite" restart="never" nodeType="tmRoot">
-          <p:childTnLst>
-            <p:seq concurrent="1" nextAc="seek">
-              <p:cTn id="2" dur="indefinite" nodeType="mainSeq">
-                <p:childTnLst>
-                  <p:par>
-                    <p:cTn id="3" fill="hold">
-                      <p:stCondLst>
-                        <p:cond delay="indefinite"/>
-                      </p:stCondLst>
-                      <p:childTnLst>
-                        <p:par>
-                          <p:cTn id="4" fill="hold">
-                            <p:stCondLst>
-                              <p:cond delay="0"/>
-                            </p:stCondLst>
-                            <p:childTnLst>
-                              <p:par>
-                                <p:cTn id="5" presetID="53" presetClass="entr" presetSubtype="16" fill="hold" grpId="0" nodeType="clickEffect">
-                                  <p:stCondLst>
-                                    <p:cond delay="0"/>
-                                  </p:stCondLst>
-                                  <p:childTnLst>
-                                    <p:set>
-                                      <p:cBhvr>
-                                        <p:cTn id="6" dur="1" fill="hold">
-                                          <p:stCondLst>
-                                            <p:cond delay="0"/>
-                                          </p:stCondLst>
-                                        </p:cTn>
-                                        <p:tgtEl>
-                                          <p:spTgt spid="2"/>
-                                        </p:tgtEl>
-                                        <p:attrNameLst>
-                                          <p:attrName>style.visibility</p:attrName>
-                                        </p:attrNameLst>
-                                      </p:cBhvr>
-                                      <p:to>
-                                        <p:strVal val="visible"/>
-                                      </p:to>
-                                    </p:set>
-                                    <p:anim calcmode="lin" valueType="num">
-                                      <p:cBhvr>
-                                        <p:cTn id="7" dur="500" fill="hold"/>
-                                        <p:tgtEl>
-                                          <p:spTgt spid="2"/>
-                                        </p:tgtEl>
-                                        <p:attrNameLst>
-                                          <p:attrName>ppt_w</p:attrName>
-                                        </p:attrNameLst>
-                                      </p:cBhvr>
-                                      <p:tavLst>
-                                        <p:tav tm="0">
-                                          <p:val>
-                                            <p:fltVal val="0"/>
-                                          </p:val>
-                                        </p:tav>
-                                        <p:tav tm="100000">
-                                          <p:val>
-                                            <p:strVal val="#ppt_w"/>
-                                          </p:val>
-                                        </p:tav>
-                                      </p:tavLst>
-                                    </p:anim>
-                                    <p:anim calcmode="lin" valueType="num">
-                                      <p:cBhvr>
-                                        <p:cTn id="8" dur="500" fill="hold"/>
-                                        <p:tgtEl>
-                                          <p:spTgt spid="2"/>
-                                        </p:tgtEl>
-                                        <p:attrNameLst>
-                                          <p:attrName>ppt_h</p:attrName>
-                                        </p:attrNameLst>
-                                      </p:cBhvr>
-                                      <p:tavLst>
-                                        <p:tav tm="0">
-                                          <p:val>
-                                            <p:fltVal val="0"/>
-                                          </p:val>
-                                        </p:tav>
-                                        <p:tav tm="100000">
-                                          <p:val>
-                                            <p:strVal val="#ppt_h"/>
-                                          </p:val>
-                                        </p:tav>
-                                      </p:tavLst>
-                                    </p:anim>
-                                    <p:animEffect transition="in" filter="fade">
-                                      <p:cBhvr>
-                                        <p:cTn id="9" dur="500"/>
-                                        <p:tgtEl>
-                                          <p:spTgt spid="2"/>
-                                        </p:tgtEl>
-                                      </p:cBhvr>
-                                    </p:animEffect>
-                                  </p:childTnLst>
-                                </p:cTn>
-                              </p:par>
-                              <p:par>
-                                <p:cTn id="10" presetID="53" presetClass="entr" presetSubtype="16" fill="hold" nodeType="withEffect">
-                                  <p:stCondLst>
-                                    <p:cond delay="0"/>
-                                  </p:stCondLst>
-                                  <p:childTnLst>
-                                    <p:set>
-                                      <p:cBhvr>
-                                        <p:cTn id="11" dur="1" fill="hold">
-                                          <p:stCondLst>
-                                            <p:cond delay="0"/>
-                                          </p:stCondLst>
-                                        </p:cTn>
-                                        <p:tgtEl>
-                                          <p:spTgt spid="5"/>
-                                        </p:tgtEl>
-                                        <p:attrNameLst>
-                                          <p:attrName>style.visibility</p:attrName>
-                                        </p:attrNameLst>
-                                      </p:cBhvr>
-                                      <p:to>
-                                        <p:strVal val="visible"/>
-                                      </p:to>
-                                    </p:set>
-                                    <p:anim calcmode="lin" valueType="num">
-                                      <p:cBhvr>
-                                        <p:cTn id="12" dur="500" fill="hold"/>
-                                        <p:tgtEl>
-                                          <p:spTgt spid="5"/>
-                                        </p:tgtEl>
-                                        <p:attrNameLst>
-                                          <p:attrName>ppt_w</p:attrName>
-                                        </p:attrNameLst>
-                                      </p:cBhvr>
-                                      <p:tavLst>
-                                        <p:tav tm="0">
-                                          <p:val>
-                                            <p:fltVal val="0"/>
-                                          </p:val>
-                                        </p:tav>
-                                        <p:tav tm="100000">
-                                          <p:val>
-                                            <p:strVal val="#ppt_w"/>
-                                          </p:val>
-                                        </p:tav>
-                                      </p:tavLst>
-                                    </p:anim>
-                                    <p:anim calcmode="lin" valueType="num">
-                                      <p:cBhvr>
-                                        <p:cTn id="13" dur="500" fill="hold"/>
-                                        <p:tgtEl>
-                                          <p:spTgt spid="5"/>
-                                        </p:tgtEl>
-                                        <p:attrNameLst>
-                                          <p:attrName>ppt_h</p:attrName>
-                                        </p:attrNameLst>
-                                      </p:cBhvr>
-                                      <p:tavLst>
-                                        <p:tav tm="0">
-                                          <p:val>
-                                            <p:fltVal val="0"/>
-                                          </p:val>
-                                        </p:tav>
-                                        <p:tav tm="100000">
-                                          <p:val>
-                                            <p:strVal val="#ppt_h"/>
-                                          </p:val>
-                                        </p:tav>
-                                      </p:tavLst>
-                                    </p:anim>
-                                    <p:animEffect transition="in" filter="fade">
-                                      <p:cBhvr>
-                                        <p:cTn id="14" dur="500"/>
-                                        <p:tgtEl>
-                                          <p:spTgt spid="5"/>
-                                        </p:tgtEl>
-                                      </p:cBhvr>
-                                    </p:animEffect>
-                                  </p:childTnLst>
-                                </p:cTn>
-                              </p:par>
-                            </p:childTnLst>
-                          </p:cTn>
-                        </p:par>
-                      </p:childTnLst>
-                    </p:cTn>
-                  </p:par>
-                  <p:par>
-                    <p:cTn id="15" fill="hold">
-                      <p:stCondLst>
-                        <p:cond delay="indefinite"/>
-                      </p:stCondLst>
-                      <p:childTnLst>
-                        <p:par>
-                          <p:cTn id="16" fill="hold">
-                            <p:stCondLst>
-                              <p:cond delay="0"/>
-                            </p:stCondLst>
-                            <p:childTnLst>
-                              <p:par>
-                                <p:cTn id="17" presetID="2" presetClass="entr" presetSubtype="4" fill="hold" nodeType="clickEffect">
-                                  <p:stCondLst>
-                                    <p:cond delay="0"/>
-                                  </p:stCondLst>
-                                  <p:childTnLst>
-                                    <p:set>
-                                      <p:cBhvr>
-                                        <p:cTn id="18" dur="1" fill="hold">
-                                          <p:stCondLst>
-                                            <p:cond delay="0"/>
-                                          </p:stCondLst>
-                                        </p:cTn>
-                                        <p:tgtEl>
-                                          <p:spTgt spid="9">
-                                            <p:txEl>
-                                              <p:pRg st="0" end="0"/>
-                                            </p:txEl>
-                                          </p:spTgt>
-                                        </p:tgtEl>
-                                        <p:attrNameLst>
-                                          <p:attrName>style.visibility</p:attrName>
-                                        </p:attrNameLst>
-                                      </p:cBhvr>
-                                      <p:to>
-                                        <p:strVal val="visible"/>
-                                      </p:to>
-                                    </p:set>
-                                    <p:anim calcmode="lin" valueType="num">
-                                      <p:cBhvr additive="base">
-                                        <p:cTn id="19" dur="500" fill="hold"/>
-                                        <p:tgtEl>
-                                          <p:spTgt spid="9">
-                                            <p:txEl>
-                                              <p:pRg st="0" end="0"/>
-                                            </p:txEl>
-                                          </p:spTgt>
-                                        </p:tgtEl>
-                                        <p:attrNameLst>
-                                          <p:attrName>ppt_x</p:attrName>
-                                        </p:attrNameLst>
-                                      </p:cBhvr>
-                                      <p:tavLst>
-                                        <p:tav tm="0">
-                                          <p:val>
-                                            <p:strVal val="#ppt_x"/>
-                                          </p:val>
-                                        </p:tav>
-                                        <p:tav tm="100000">
-                                          <p:val>
-                                            <p:strVal val="#ppt_x"/>
-                                          </p:val>
-                                        </p:tav>
-                                      </p:tavLst>
-                                    </p:anim>
-                                    <p:anim calcmode="lin" valueType="num">
-                                      <p:cBhvr additive="base">
-                                        <p:cTn id="20" dur="500" fill="hold"/>
-                                        <p:tgtEl>
-                                          <p:spTgt spid="9">
-                                            <p:txEl>
-                                              <p:pRg st="0" end="0"/>
-                                            </p:txEl>
-                                          </p:spTgt>
-                                        </p:tgtEl>
-                                        <p:attrNameLst>
-                                          <p:attrName>ppt_y</p:attrName>
-                                        </p:attrNameLst>
-                                      </p:cBhvr>
-                                      <p:tavLst>
-                                        <p:tav tm="0">
-                                          <p:val>
-                                            <p:strVal val="1+#ppt_h/2"/>
-                                          </p:val>
-                                        </p:tav>
-                                        <p:tav tm="100000">
-                                          <p:val>
-                                            <p:strVal val="#ppt_y"/>
-                                          </p:val>
-                                        </p:tav>
-                                      </p:tavLst>
-                                    </p:anim>
-                                  </p:childTnLst>
-                                </p:cTn>
-                              </p:par>
-                            </p:childTnLst>
-                          </p:cTn>
-                        </p:par>
-                      </p:childTnLst>
-                    </p:cTn>
-                  </p:par>
-                  <p:par>
-                    <p:cTn id="21" fill="hold">
-                      <p:stCondLst>
-                        <p:cond delay="indefinite"/>
-                      </p:stCondLst>
-                      <p:childTnLst>
-                        <p:par>
-                          <p:cTn id="22" fill="hold">
-                            <p:stCondLst>
-                              <p:cond delay="0"/>
-                            </p:stCondLst>
-                            <p:childTnLst>
-                              <p:par>
-                                <p:cTn id="23" presetID="2" presetClass="entr" presetSubtype="4" fill="hold" nodeType="clickEffect">
-                                  <p:stCondLst>
-                                    <p:cond delay="0"/>
-                                  </p:stCondLst>
-                                  <p:childTnLst>
-                                    <p:set>
-                                      <p:cBhvr>
-                                        <p:cTn id="24" dur="1" fill="hold">
-                                          <p:stCondLst>
-                                            <p:cond delay="0"/>
-                                          </p:stCondLst>
-                                        </p:cTn>
-                                        <p:tgtEl>
-                                          <p:spTgt spid="9">
-                                            <p:txEl>
-                                              <p:pRg st="1" end="1"/>
-                                            </p:txEl>
-                                          </p:spTgt>
-                                        </p:tgtEl>
-                                        <p:attrNameLst>
-                                          <p:attrName>style.visibility</p:attrName>
-                                        </p:attrNameLst>
-                                      </p:cBhvr>
-                                      <p:to>
-                                        <p:strVal val="visible"/>
-                                      </p:to>
-                                    </p:set>
-                                    <p:anim calcmode="lin" valueType="num">
-                                      <p:cBhvr additive="base">
-                                        <p:cTn id="25" dur="500" fill="hold"/>
-                                        <p:tgtEl>
-                                          <p:spTgt spid="9">
-                                            <p:txEl>
-                                              <p:pRg st="1" end="1"/>
-                                            </p:txEl>
-                                          </p:spTgt>
-                                        </p:tgtEl>
-                                        <p:attrNameLst>
-                                          <p:attrName>ppt_x</p:attrName>
-                                        </p:attrNameLst>
-                                      </p:cBhvr>
-                                      <p:tavLst>
-                                        <p:tav tm="0">
-                                          <p:val>
-                                            <p:strVal val="#ppt_x"/>
-                                          </p:val>
-                                        </p:tav>
-                                        <p:tav tm="100000">
-                                          <p:val>
-                                            <p:strVal val="#ppt_x"/>
-                                          </p:val>
-                                        </p:tav>
-                                      </p:tavLst>
-                                    </p:anim>
-                                    <p:anim calcmode="lin" valueType="num">
-                                      <p:cBhvr additive="base">
-                                        <p:cTn id="26" dur="500" fill="hold"/>
-                                        <p:tgtEl>
-                                          <p:spTgt spid="9">
-                                            <p:txEl>
-                                              <p:pRg st="1" end="1"/>
-                                            </p:txEl>
-                                          </p:spTgt>
-                                        </p:tgtEl>
-                                        <p:attrNameLst>
-                                          <p:attrName>ppt_y</p:attrName>
-                                        </p:attrNameLst>
-                                      </p:cBhvr>
-                                      <p:tavLst>
-                                        <p:tav tm="0">
-                                          <p:val>
-                                            <p:strVal val="1+#ppt_h/2"/>
-                                          </p:val>
-                                        </p:tav>
-                                        <p:tav tm="100000">
-                                          <p:val>
-                                            <p:strVal val="#ppt_y"/>
-                                          </p:val>
-                                        </p:tav>
-                                      </p:tavLst>
-                                    </p:anim>
-                                  </p:childTnLst>
-                                </p:cTn>
-                              </p:par>
-                            </p:childTnLst>
-                          </p:cTn>
-                        </p:par>
-                      </p:childTnLst>
-                    </p:cTn>
-                  </p:par>
-                  <p:par>
-                    <p:cTn id="27" fill="hold">
-                      <p:stCondLst>
-                        <p:cond delay="indefinite"/>
-                      </p:stCondLst>
-                      <p:childTnLst>
-                        <p:par>
-                          <p:cTn id="28" fill="hold">
-                            <p:stCondLst>
-                              <p:cond delay="0"/>
-                            </p:stCondLst>
-                            <p:childTnLst>
-                              <p:par>
-                                <p:cTn id="29" presetID="2" presetClass="entr" presetSubtype="4" fill="hold" nodeType="clickEffect">
-                                  <p:stCondLst>
-                                    <p:cond delay="0"/>
-                                  </p:stCondLst>
-                                  <p:childTnLst>
-                                    <p:set>
-                                      <p:cBhvr>
-                                        <p:cTn id="30" dur="1" fill="hold">
-                                          <p:stCondLst>
-                                            <p:cond delay="0"/>
-                                          </p:stCondLst>
-                                        </p:cTn>
-                                        <p:tgtEl>
-                                          <p:spTgt spid="9">
-                                            <p:txEl>
-                                              <p:pRg st="2" end="2"/>
-                                            </p:txEl>
-                                          </p:spTgt>
-                                        </p:tgtEl>
-                                        <p:attrNameLst>
-                                          <p:attrName>style.visibility</p:attrName>
-                                        </p:attrNameLst>
-                                      </p:cBhvr>
-                                      <p:to>
-                                        <p:strVal val="visible"/>
-                                      </p:to>
-                                    </p:set>
-                                    <p:anim calcmode="lin" valueType="num">
-                                      <p:cBhvr additive="base">
-                                        <p:cTn id="31" dur="500" fill="hold"/>
-                                        <p:tgtEl>
-                                          <p:spTgt spid="9">
-                                            <p:txEl>
-                                              <p:pRg st="2" end="2"/>
-                                            </p:txEl>
-                                          </p:spTgt>
-                                        </p:tgtEl>
-                                        <p:attrNameLst>
-                                          <p:attrName>ppt_x</p:attrName>
-                                        </p:attrNameLst>
-                                      </p:cBhvr>
-                                      <p:tavLst>
-                                        <p:tav tm="0">
-                                          <p:val>
-                                            <p:strVal val="#ppt_x"/>
-                                          </p:val>
-                                        </p:tav>
-                                        <p:tav tm="100000">
-                                          <p:val>
-                                            <p:strVal val="#ppt_x"/>
-                                          </p:val>
-                                        </p:tav>
-                                      </p:tavLst>
-                                    </p:anim>
-                                    <p:anim calcmode="lin" valueType="num">
-                                      <p:cBhvr additive="base">
-                                        <p:cTn id="32" dur="500" fill="hold"/>
-                                        <p:tgtEl>
-                                          <p:spTgt spid="9">
-                                            <p:txEl>
-                                              <p:pRg st="2" end="2"/>
-                                            </p:txEl>
-                                          </p:spTgt>
-                                        </p:tgtEl>
-                                        <p:attrNameLst>
-                                          <p:attrName>ppt_y</p:attrName>
-                                        </p:attrNameLst>
-                                      </p:cBhvr>
-                                      <p:tavLst>
-                                        <p:tav tm="0">
-                                          <p:val>
-                                            <p:strVal val="1+#ppt_h/2"/>
-                                          </p:val>
-                                        </p:tav>
-                                        <p:tav tm="100000">
-                                          <p:val>
-                                            <p:strVal val="#ppt_y"/>
-                                          </p:val>
-                                        </p:tav>
-                                      </p:tavLst>
-                                    </p:anim>
-                                  </p:childTnLst>
-                                </p:cTn>
-                              </p:par>
-                            </p:childTnLst>
-                          </p:cTn>
-                        </p:par>
-                      </p:childTnLst>
-                    </p:cTn>
-                  </p:par>
-                  <p:par>
-                    <p:cTn id="33" fill="hold">
-                      <p:stCondLst>
-                        <p:cond delay="indefinite"/>
-                      </p:stCondLst>
-                      <p:childTnLst>
-                        <p:par>
-                          <p:cTn id="34" fill="hold">
-                            <p:stCondLst>
-                              <p:cond delay="0"/>
-                            </p:stCondLst>
-                            <p:childTnLst>
-                              <p:par>
-                                <p:cTn id="35" presetID="2" presetClass="entr" presetSubtype="4" fill="hold" nodeType="clickEffect">
-                                  <p:stCondLst>
-                                    <p:cond delay="0"/>
-                                  </p:stCondLst>
-                                  <p:childTnLst>
-                                    <p:set>
-                                      <p:cBhvr>
-                                        <p:cTn id="36" dur="1" fill="hold">
-                                          <p:stCondLst>
-                                            <p:cond delay="0"/>
-                                          </p:stCondLst>
-                                        </p:cTn>
-                                        <p:tgtEl>
-                                          <p:spTgt spid="9">
-                                            <p:txEl>
-                                              <p:pRg st="3" end="3"/>
-                                            </p:txEl>
-                                          </p:spTgt>
-                                        </p:tgtEl>
-                                        <p:attrNameLst>
-                                          <p:attrName>style.visibility</p:attrName>
-                                        </p:attrNameLst>
-                                      </p:cBhvr>
-                                      <p:to>
-                                        <p:strVal val="visible"/>
-                                      </p:to>
-                                    </p:set>
-                                    <p:anim calcmode="lin" valueType="num">
-                                      <p:cBhvr additive="base">
-                                        <p:cTn id="37" dur="500" fill="hold"/>
-                                        <p:tgtEl>
-                                          <p:spTgt spid="9">
-                                            <p:txEl>
-                                              <p:pRg st="3" end="3"/>
-                                            </p:txEl>
-                                          </p:spTgt>
-                                        </p:tgtEl>
-                                        <p:attrNameLst>
-                                          <p:attrName>ppt_x</p:attrName>
-                                        </p:attrNameLst>
-                                      </p:cBhvr>
-                                      <p:tavLst>
-                                        <p:tav tm="0">
-                                          <p:val>
-                                            <p:strVal val="#ppt_x"/>
-                                          </p:val>
-                                        </p:tav>
-                                        <p:tav tm="100000">
-                                          <p:val>
-                                            <p:strVal val="#ppt_x"/>
-                                          </p:val>
-                                        </p:tav>
-                                      </p:tavLst>
-                                    </p:anim>
-                                    <p:anim calcmode="lin" valueType="num">
-                                      <p:cBhvr additive="base">
-                                        <p:cTn id="38" dur="500" fill="hold"/>
-                                        <p:tgtEl>
-                                          <p:spTgt spid="9">
-                                            <p:txEl>
-                                              <p:pRg st="3" end="3"/>
-                                            </p:txEl>
-                                          </p:spTgt>
-                                        </p:tgtEl>
-                                        <p:attrNameLst>
-                                          <p:attrName>ppt_y</p:attrName>
-                                        </p:attrNameLst>
-                                      </p:cBhvr>
-                                      <p:tavLst>
-                                        <p:tav tm="0">
-                                          <p:val>
-                                            <p:strVal val="1+#ppt_h/2"/>
-                                          </p:val>
-                                        </p:tav>
-                                        <p:tav tm="100000">
-                                          <p:val>
-                                            <p:strVal val="#ppt_y"/>
-                                          </p:val>
-                                        </p:tav>
-                                      </p:tavLst>
-                                    </p:anim>
-                                  </p:childTnLst>
-                                </p:cTn>
-                              </p:par>
-                            </p:childTnLst>
-                          </p:cTn>
-                        </p:par>
-                      </p:childTnLst>
-                    </p:cTn>
-                  </p:par>
-                  <p:par>
-                    <p:cTn id="39" fill="hold">
-                      <p:stCondLst>
-                        <p:cond delay="indefinite"/>
-                      </p:stCondLst>
-                      <p:childTnLst>
-                        <p:par>
-                          <p:cTn id="40" fill="hold">
-                            <p:stCondLst>
-                              <p:cond delay="0"/>
-                            </p:stCondLst>
-                            <p:childTnLst>
-                              <p:par>
-                                <p:cTn id="41" presetID="2" presetClass="entr" presetSubtype="4" fill="hold" nodeType="clickEffect">
-                                  <p:stCondLst>
-                                    <p:cond delay="0"/>
-                                  </p:stCondLst>
-                                  <p:childTnLst>
-                                    <p:set>
-                                      <p:cBhvr>
-                                        <p:cTn id="42" dur="1" fill="hold">
-                                          <p:stCondLst>
-                                            <p:cond delay="0"/>
-                                          </p:stCondLst>
-                                        </p:cTn>
-                                        <p:tgtEl>
-                                          <p:spTgt spid="9">
-                                            <p:txEl>
-                                              <p:pRg st="4" end="4"/>
-                                            </p:txEl>
-                                          </p:spTgt>
-                                        </p:tgtEl>
-                                        <p:attrNameLst>
-                                          <p:attrName>style.visibility</p:attrName>
-                                        </p:attrNameLst>
-                                      </p:cBhvr>
-                                      <p:to>
-                                        <p:strVal val="visible"/>
-                                      </p:to>
-                                    </p:set>
-                                    <p:anim calcmode="lin" valueType="num">
-                                      <p:cBhvr additive="base">
-                                        <p:cTn id="43" dur="500" fill="hold"/>
-                                        <p:tgtEl>
-                                          <p:spTgt spid="9">
-                                            <p:txEl>
-                                              <p:pRg st="4" end="4"/>
-                                            </p:txEl>
-                                          </p:spTgt>
-                                        </p:tgtEl>
-                                        <p:attrNameLst>
-                                          <p:attrName>ppt_x</p:attrName>
-                                        </p:attrNameLst>
-                                      </p:cBhvr>
-                                      <p:tavLst>
-                                        <p:tav tm="0">
-                                          <p:val>
-                                            <p:strVal val="#ppt_x"/>
-                                          </p:val>
-                                        </p:tav>
-                                        <p:tav tm="100000">
-                                          <p:val>
-                                            <p:strVal val="#ppt_x"/>
-                                          </p:val>
-                                        </p:tav>
-                                      </p:tavLst>
-                                    </p:anim>
-                                    <p:anim calcmode="lin" valueType="num">
-                                      <p:cBhvr additive="base">
-                                        <p:cTn id="44" dur="500" fill="hold"/>
-                                        <p:tgtEl>
-                                          <p:spTgt spid="9">
-                                            <p:txEl>
-                                              <p:pRg st="4" end="4"/>
-                                            </p:txEl>
-                                          </p:spTgt>
-                                        </p:tgtEl>
-                                        <p:attrNameLst>
-                                          <p:attrName>ppt_y</p:attrName>
-                                        </p:attrNameLst>
-                                      </p:cBhvr>
-                                      <p:tavLst>
-                                        <p:tav tm="0">
-                                          <p:val>
-                                            <p:strVal val="1+#ppt_h/2"/>
-                                          </p:val>
-                                        </p:tav>
-                                        <p:tav tm="100000">
-                                          <p:val>
-                                            <p:strVal val="#ppt_y"/>
-                                          </p:val>
-                                        </p:tav>
-                                      </p:tavLst>
-                                    </p:anim>
-                                  </p:childTnLst>
-                                </p:cTn>
-                              </p:par>
-                            </p:childTnLst>
-                          </p:cTn>
-                        </p:par>
-                      </p:childTnLst>
-                    </p:cTn>
-                  </p:par>
-                </p:childTnLst>
-              </p:cTn>
-              <p:prevCondLst>
-                <p:cond evt="onPrev" delay="0">
-                  <p:tgtEl>
-                    <p:sldTgt/>
-                  </p:tgtEl>
-                </p:cond>
-              </p:prevCondLst>
-              <p:nextCondLst>
-                <p:cond evt="onNext" delay="0">
-                  <p:tgtEl>
-                    <p:sldTgt/>
-                  </p:tgtEl>
-                </p:cond>
-              </p:nextCondLst>
-            </p:seq>
-          </p:childTnLst>
-        </p:cTn>
-      </p:par>
-    </p:tnLst>
-    <p:bldLst>
-      <p:bldP spid="2" grpId="0"/>
-    </p:bldLst>
-  </p:timing>
-</p:sld>
-</file>
-
-<file path=ppt/slides/slide3.xml><?xml version="1.0" encoding="utf-8"?>
-<p:sld xmlns:a="http://schemas.openxmlformats.org/drawingml/2006/main" xmlns:r="http://schemas.openxmlformats.org/officeDocument/2006/relationships" xmlns:p="http://schemas.openxmlformats.org/presentationml/2006/main">
-  <p:cSld>
     <p:spTree>
       <p:nvGrpSpPr>
         <p:cNvPr id="1" name=""/>
@@ -12349,13 +9417,13 @@
   <p:clrMapOvr>
     <a:masterClrMapping/>
   </p:clrMapOvr>
-  <mc:AlternateContent xmlns:mc="http://schemas.openxmlformats.org/markup-compatibility/2006">
-    <mc:Choice xmlns:p14="http://schemas.microsoft.com/office/powerpoint/2010/main" Requires="p14">
+  <mc:AlternateContent xmlns:mc="http://schemas.openxmlformats.org/markup-compatibility/2006" xmlns:p14="http://schemas.microsoft.com/office/powerpoint/2010/main">
+    <mc:Choice Requires="p14">
       <p:transition spd="slow" p14:dur="1500">
         <p:split orient="vert"/>
       </p:transition>
     </mc:Choice>
-    <mc:Fallback>
+    <mc:Fallback xmlns="">
       <p:transition spd="slow">
         <p:split orient="vert"/>
       </p:transition>
@@ -12544,7 +9612,7 @@
 </p:sld>
 </file>
 
-<file path=ppt/slides/slide4.xml><?xml version="1.0" encoding="utf-8"?>
+<file path=ppt/slides/slide3.xml><?xml version="1.0" encoding="utf-8"?>
 <p:sld xmlns:a="http://schemas.openxmlformats.org/drawingml/2006/main" xmlns:r="http://schemas.openxmlformats.org/officeDocument/2006/relationships" xmlns:p="http://schemas.openxmlformats.org/presentationml/2006/main">
   <p:cSld>
     <p:bg>
@@ -12926,13 +9994,13 @@
   <p:clrMapOvr>
     <a:masterClrMapping/>
   </p:clrMapOvr>
-  <mc:AlternateContent xmlns:mc="http://schemas.openxmlformats.org/markup-compatibility/2006">
-    <mc:Choice xmlns:p15="http://schemas.microsoft.com/office/powerpoint/2012/main" Requires="p15">
+  <mc:AlternateContent xmlns:mc="http://schemas.openxmlformats.org/markup-compatibility/2006" xmlns:p15="http://schemas.microsoft.com/office/powerpoint/2012/main">
+    <mc:Choice Requires="p15">
       <p:transition xmlns:p14="http://schemas.microsoft.com/office/powerpoint/2010/main" spd="slow" p14:dur="3250">
         <p15:prstTrans prst="origami"/>
       </p:transition>
     </mc:Choice>
-    <mc:Fallback>
+    <mc:Fallback xmlns="">
       <p:transition spd="slow">
         <p:fade/>
       </p:transition>
@@ -13759,7 +10827,7 @@
 </p:sld>
 </file>
 
-<file path=ppt/slides/slide5.xml><?xml version="1.0" encoding="utf-8"?>
+<file path=ppt/slides/slide4.xml><?xml version="1.0" encoding="utf-8"?>
 <p:sld xmlns:a="http://schemas.openxmlformats.org/drawingml/2006/main" xmlns:r="http://schemas.openxmlformats.org/officeDocument/2006/relationships" xmlns:p="http://schemas.openxmlformats.org/presentationml/2006/main">
   <p:cSld>
     <p:bg>
@@ -14486,7 +11554,7 @@
 </p:sld>
 </file>
 
-<file path=ppt/slides/slide6.xml><?xml version="1.0" encoding="utf-8"?>
+<file path=ppt/slides/slide5.xml><?xml version="1.0" encoding="utf-8"?>
 <p:sld xmlns:a="http://schemas.openxmlformats.org/drawingml/2006/main" xmlns:r="http://schemas.openxmlformats.org/officeDocument/2006/relationships" xmlns:p="http://schemas.openxmlformats.org/presentationml/2006/main">
   <p:cSld>
     <p:spTree>
@@ -17764,7 +14832,7 @@
 </p:sld>
 </file>
 
-<file path=ppt/slides/slide7.xml><?xml version="1.0" encoding="utf-8"?>
+<file path=ppt/slides/slide6.xml><?xml version="1.0" encoding="utf-8"?>
 <p:sld xmlns:a="http://schemas.openxmlformats.org/drawingml/2006/main" xmlns:r="http://schemas.openxmlformats.org/officeDocument/2006/relationships" xmlns:p="http://schemas.openxmlformats.org/presentationml/2006/main">
   <p:cSld>
     <p:spTree>
@@ -18607,13 +15675,13 @@
   <p:clrMapOvr>
     <a:masterClrMapping/>
   </p:clrMapOvr>
-  <mc:AlternateContent xmlns:mc="http://schemas.openxmlformats.org/markup-compatibility/2006">
-    <mc:Choice xmlns:p159="http://schemas.microsoft.com/office/powerpoint/2015/09/main" Requires="p159">
+  <mc:AlternateContent xmlns:mc="http://schemas.openxmlformats.org/markup-compatibility/2006" xmlns:p159="http://schemas.microsoft.com/office/powerpoint/2015/09/main">
+    <mc:Choice Requires="p159">
       <p:transition xmlns:p14="http://schemas.microsoft.com/office/powerpoint/2010/main" spd="slow" p14:dur="2000">
         <p159:morph option="byObject"/>
       </p:transition>
     </mc:Choice>
-    <mc:Fallback>
+    <mc:Fallback xmlns="">
       <p:transition spd="slow">
         <p:fade/>
       </p:transition>
@@ -19327,7 +16395,7 @@
 </p:sld>
 </file>
 
-<file path=ppt/slides/slide8.xml><?xml version="1.0" encoding="utf-8"?>
+<file path=ppt/slides/slide7.xml><?xml version="1.0" encoding="utf-8"?>
 <p:sld xmlns:a="http://schemas.openxmlformats.org/drawingml/2006/main" xmlns:r="http://schemas.openxmlformats.org/officeDocument/2006/relationships" xmlns:p="http://schemas.openxmlformats.org/presentationml/2006/main">
   <p:cSld>
     <p:bg>
@@ -19675,13 +16743,13 @@
   <p:clrMapOvr>
     <a:masterClrMapping/>
   </p:clrMapOvr>
-  <mc:AlternateContent xmlns:mc="http://schemas.openxmlformats.org/markup-compatibility/2006">
-    <mc:Choice xmlns:p14="http://schemas.microsoft.com/office/powerpoint/2010/main" Requires="p14">
+  <mc:AlternateContent xmlns:mc="http://schemas.openxmlformats.org/markup-compatibility/2006" xmlns:p14="http://schemas.microsoft.com/office/powerpoint/2010/main">
+    <mc:Choice Requires="p14">
       <p:transition spd="med" p14:dur="700">
         <p:fade/>
       </p:transition>
     </mc:Choice>
-    <mc:Fallback>
+    <mc:Fallback xmlns="">
       <p:transition spd="med">
         <p:fade/>
       </p:transition>
@@ -19875,7 +16943,7 @@
 </p:sld>
 </file>
 
-<file path=ppt/slides/slide9.xml><?xml version="1.0" encoding="utf-8"?>
+<file path=ppt/slides/slide8.xml><?xml version="1.0" encoding="utf-8"?>
 <p:sld xmlns:a="http://schemas.openxmlformats.org/drawingml/2006/main" xmlns:r="http://schemas.openxmlformats.org/officeDocument/2006/relationships" xmlns:p="http://schemas.openxmlformats.org/presentationml/2006/main">
   <p:cSld>
     <p:bg>
@@ -20071,6 +17139,1362 @@
         </p:cTn>
       </p:par>
     </p:tnLst>
+  </p:timing>
+</p:sld>
+</file>
+
+<file path=ppt/slides/slide9.xml><?xml version="1.0" encoding="utf-8"?>
+<p:sld xmlns:a="http://schemas.openxmlformats.org/drawingml/2006/main" xmlns:r="http://schemas.openxmlformats.org/officeDocument/2006/relationships" xmlns:p="http://schemas.openxmlformats.org/presentationml/2006/main">
+  <p:cSld>
+    <p:spTree>
+      <p:nvGrpSpPr>
+        <p:cNvPr id="1" name=""/>
+        <p:cNvGrpSpPr/>
+        <p:nvPr/>
+      </p:nvGrpSpPr>
+      <p:grpSpPr>
+        <a:xfrm>
+          <a:off x="0" y="0"/>
+          <a:ext cx="0" cy="0"/>
+          <a:chOff x="0" y="0"/>
+          <a:chExt cx="0" cy="0"/>
+        </a:xfrm>
+      </p:grpSpPr>
+      <p:sp>
+        <p:nvSpPr>
+          <p:cNvPr id="2" name="Title 1">
+            <a:extLst>
+              <a:ext uri="{FF2B5EF4-FFF2-40B4-BE49-F238E27FC236}">
+                <a16:creationId xmlns:a16="http://schemas.microsoft.com/office/drawing/2014/main" id="{504D41D9-46A2-87BE-286D-5D6D4B882BCB}"/>
+              </a:ext>
+            </a:extLst>
+          </p:cNvPr>
+          <p:cNvSpPr>
+            <a:spLocks noGrp="1"/>
+          </p:cNvSpPr>
+          <p:nvPr>
+            <p:ph type="title"/>
+          </p:nvPr>
+        </p:nvSpPr>
+        <p:spPr/>
+        <p:txBody>
+          <a:bodyPr/>
+          <a:lstStyle/>
+          <a:p>
+            <a:r>
+              <a:rPr lang="en-US" dirty="0"/>
+              <a:t>Class diagram </a:t>
+            </a:r>
+          </a:p>
+        </p:txBody>
+      </p:sp>
+      <p:sp>
+        <p:nvSpPr>
+          <p:cNvPr id="4" name="TextBox 3">
+            <a:extLst>
+              <a:ext uri="{FF2B5EF4-FFF2-40B4-BE49-F238E27FC236}">
+                <a16:creationId xmlns:a16="http://schemas.microsoft.com/office/drawing/2014/main" id="{AB7E55C8-F2F3-2B5D-E197-192C551A56A0}"/>
+              </a:ext>
+            </a:extLst>
+          </p:cNvPr>
+          <p:cNvSpPr txBox="1"/>
+          <p:nvPr/>
+        </p:nvSpPr>
+        <p:spPr>
+          <a:xfrm>
+            <a:off x="947057" y="1690688"/>
+            <a:ext cx="2590800" cy="1200329"/>
+          </a:xfrm>
+          <a:prstGeom prst="rect">
+            <a:avLst/>
+          </a:prstGeom>
+        </p:spPr>
+        <p:style>
+          <a:lnRef idx="2">
+            <a:schemeClr val="dk1"/>
+          </a:lnRef>
+          <a:fillRef idx="1">
+            <a:schemeClr val="lt1"/>
+          </a:fillRef>
+          <a:effectRef idx="0">
+            <a:schemeClr val="dk1"/>
+          </a:effectRef>
+          <a:fontRef idx="minor">
+            <a:schemeClr val="dk1"/>
+          </a:fontRef>
+        </p:style>
+        <p:txBody>
+          <a:bodyPr wrap="square" rtlCol="0">
+            <a:spAutoFit/>
+          </a:bodyPr>
+          <a:lstStyle/>
+          <a:p>
+            <a:r>
+              <a:rPr lang="en-US" dirty="0"/>
+              <a:t>User </a:t>
+            </a:r>
+          </a:p>
+          <a:p>
+            <a:r>
+              <a:rPr lang="en-US" dirty="0"/>
+              <a:t>Name : type = string</a:t>
+            </a:r>
+          </a:p>
+          <a:p>
+            <a:r>
+              <a:rPr lang="en-US" dirty="0"/>
+              <a:t>Email : type = string</a:t>
+            </a:r>
+          </a:p>
+          <a:p>
+            <a:r>
+              <a:rPr lang="en-US" dirty="0"/>
+              <a:t>Password : type = string</a:t>
+            </a:r>
+          </a:p>
+        </p:txBody>
+      </p:sp>
+      <p:sp>
+        <p:nvSpPr>
+          <p:cNvPr id="5" name="TextBox 4">
+            <a:extLst>
+              <a:ext uri="{FF2B5EF4-FFF2-40B4-BE49-F238E27FC236}">
+                <a16:creationId xmlns:a16="http://schemas.microsoft.com/office/drawing/2014/main" id="{F398DD88-0D80-5CA8-F37B-AC0FE6CFB1DA}"/>
+              </a:ext>
+            </a:extLst>
+          </p:cNvPr>
+          <p:cNvSpPr txBox="1"/>
+          <p:nvPr/>
+        </p:nvSpPr>
+        <p:spPr>
+          <a:xfrm>
+            <a:off x="903512" y="3886200"/>
+            <a:ext cx="2950029" cy="1754326"/>
+          </a:xfrm>
+          <a:prstGeom prst="rect">
+            <a:avLst/>
+          </a:prstGeom>
+        </p:spPr>
+        <p:style>
+          <a:lnRef idx="2">
+            <a:schemeClr val="dk1"/>
+          </a:lnRef>
+          <a:fillRef idx="1">
+            <a:schemeClr val="lt1"/>
+          </a:fillRef>
+          <a:effectRef idx="0">
+            <a:schemeClr val="dk1"/>
+          </a:effectRef>
+          <a:fontRef idx="minor">
+            <a:schemeClr val="dk1"/>
+          </a:fontRef>
+        </p:style>
+        <p:txBody>
+          <a:bodyPr wrap="square" rtlCol="0">
+            <a:spAutoFit/>
+          </a:bodyPr>
+          <a:lstStyle/>
+          <a:p>
+            <a:r>
+              <a:rPr lang="en-US" dirty="0"/>
+              <a:t>Pitches</a:t>
+            </a:r>
+          </a:p>
+          <a:p>
+            <a:r>
+              <a:rPr lang="en-US" dirty="0"/>
+              <a:t>Pitches name :type = string</a:t>
+            </a:r>
+          </a:p>
+          <a:p>
+            <a:r>
+              <a:rPr lang="en-US" dirty="0"/>
+              <a:t>Date : type = integer</a:t>
+            </a:r>
+          </a:p>
+          <a:p>
+            <a:r>
+              <a:rPr lang="en-US" dirty="0"/>
+              <a:t>Time : type = float </a:t>
+            </a:r>
+          </a:p>
+          <a:p>
+            <a:r>
+              <a:rPr lang="en-US" dirty="0"/>
+              <a:t>ID : type = int </a:t>
+            </a:r>
+          </a:p>
+          <a:p>
+            <a:r>
+              <a:rPr lang="en-US" dirty="0"/>
+              <a:t>Phone : type = int </a:t>
+            </a:r>
+          </a:p>
+        </p:txBody>
+      </p:sp>
+      <p:cxnSp>
+        <p:nvCxnSpPr>
+          <p:cNvPr id="7" name="Straight Arrow Connector 6">
+            <a:extLst>
+              <a:ext uri="{FF2B5EF4-FFF2-40B4-BE49-F238E27FC236}">
+                <a16:creationId xmlns:a16="http://schemas.microsoft.com/office/drawing/2014/main" id="{3EBC31A5-AEC5-A4B6-880E-107AA7AC6694}"/>
+              </a:ext>
+            </a:extLst>
+          </p:cNvPr>
+          <p:cNvCxnSpPr>
+            <a:stCxn id="4" idx="2"/>
+            <a:endCxn id="5" idx="0"/>
+          </p:cNvCxnSpPr>
+          <p:nvPr/>
+        </p:nvCxnSpPr>
+        <p:spPr>
+          <a:xfrm>
+            <a:off x="2242457" y="2891017"/>
+            <a:ext cx="136070" cy="995183"/>
+          </a:xfrm>
+          <a:prstGeom prst="straightConnector1">
+            <a:avLst/>
+          </a:prstGeom>
+          <a:ln>
+            <a:tailEnd type="triangle"/>
+          </a:ln>
+        </p:spPr>
+        <p:style>
+          <a:lnRef idx="2">
+            <a:schemeClr val="accent1"/>
+          </a:lnRef>
+          <a:fillRef idx="0">
+            <a:schemeClr val="accent1"/>
+          </a:fillRef>
+          <a:effectRef idx="1">
+            <a:schemeClr val="accent1"/>
+          </a:effectRef>
+          <a:fontRef idx="minor">
+            <a:schemeClr val="tx1"/>
+          </a:fontRef>
+        </p:style>
+      </p:cxnSp>
+      <p:sp>
+        <p:nvSpPr>
+          <p:cNvPr id="8" name="TextBox 7">
+            <a:extLst>
+              <a:ext uri="{FF2B5EF4-FFF2-40B4-BE49-F238E27FC236}">
+                <a16:creationId xmlns:a16="http://schemas.microsoft.com/office/drawing/2014/main" id="{5E51CFF2-49D2-D7CA-DB52-E194A803EF2E}"/>
+              </a:ext>
+            </a:extLst>
+          </p:cNvPr>
+          <p:cNvSpPr txBox="1"/>
+          <p:nvPr/>
+        </p:nvSpPr>
+        <p:spPr>
+          <a:xfrm>
+            <a:off x="1616526" y="3286036"/>
+            <a:ext cx="1077688" cy="369332"/>
+          </a:xfrm>
+          <a:prstGeom prst="rect">
+            <a:avLst/>
+          </a:prstGeom>
+          <a:noFill/>
+        </p:spPr>
+        <p:txBody>
+          <a:bodyPr wrap="square" rtlCol="0">
+            <a:spAutoFit/>
+          </a:bodyPr>
+          <a:lstStyle/>
+          <a:p>
+            <a:r>
+              <a:rPr lang="en-US" dirty="0"/>
+              <a:t>Make </a:t>
+            </a:r>
+          </a:p>
+        </p:txBody>
+      </p:sp>
+      <p:cxnSp>
+        <p:nvCxnSpPr>
+          <p:cNvPr id="10" name="Straight Arrow Connector 9">
+            <a:extLst>
+              <a:ext uri="{FF2B5EF4-FFF2-40B4-BE49-F238E27FC236}">
+                <a16:creationId xmlns:a16="http://schemas.microsoft.com/office/drawing/2014/main" id="{F1A258A1-3A70-E190-1D75-78B5DB6869D2}"/>
+              </a:ext>
+            </a:extLst>
+          </p:cNvPr>
+          <p:cNvCxnSpPr/>
+          <p:nvPr/>
+        </p:nvCxnSpPr>
+        <p:spPr>
+          <a:xfrm flipV="1">
+            <a:off x="3668486" y="2111829"/>
+            <a:ext cx="1240971" cy="179023"/>
+          </a:xfrm>
+          <a:prstGeom prst="straightConnector1">
+            <a:avLst/>
+          </a:prstGeom>
+          <a:ln>
+            <a:tailEnd type="triangle"/>
+          </a:ln>
+        </p:spPr>
+        <p:style>
+          <a:lnRef idx="2">
+            <a:schemeClr val="accent1"/>
+          </a:lnRef>
+          <a:fillRef idx="0">
+            <a:schemeClr val="accent1"/>
+          </a:fillRef>
+          <a:effectRef idx="1">
+            <a:schemeClr val="accent1"/>
+          </a:effectRef>
+          <a:fontRef idx="minor">
+            <a:schemeClr val="tx1"/>
+          </a:fontRef>
+        </p:style>
+      </p:cxnSp>
+      <p:sp>
+        <p:nvSpPr>
+          <p:cNvPr id="11" name="TextBox 10">
+            <a:extLst>
+              <a:ext uri="{FF2B5EF4-FFF2-40B4-BE49-F238E27FC236}">
+                <a16:creationId xmlns:a16="http://schemas.microsoft.com/office/drawing/2014/main" id="{6636DB67-17DE-B8EA-52CA-BE9761229752}"/>
+              </a:ext>
+            </a:extLst>
+          </p:cNvPr>
+          <p:cNvSpPr txBox="1"/>
+          <p:nvPr/>
+        </p:nvSpPr>
+        <p:spPr>
+          <a:xfrm>
+            <a:off x="3869869" y="1832203"/>
+            <a:ext cx="696688" cy="369332"/>
+          </a:xfrm>
+          <a:prstGeom prst="rect">
+            <a:avLst/>
+          </a:prstGeom>
+          <a:noFill/>
+        </p:spPr>
+        <p:txBody>
+          <a:bodyPr wrap="square" rtlCol="0">
+            <a:spAutoFit/>
+          </a:bodyPr>
+          <a:lstStyle/>
+          <a:p>
+            <a:r>
+              <a:rPr lang="en-US" dirty="0"/>
+              <a:t>write</a:t>
+            </a:r>
+          </a:p>
+        </p:txBody>
+      </p:sp>
+      <p:sp>
+        <p:nvSpPr>
+          <p:cNvPr id="15" name="TextBox 14">
+            <a:extLst>
+              <a:ext uri="{FF2B5EF4-FFF2-40B4-BE49-F238E27FC236}">
+                <a16:creationId xmlns:a16="http://schemas.microsoft.com/office/drawing/2014/main" id="{4C9AC32D-6CCC-245A-70B2-408AAA84EB1B}"/>
+              </a:ext>
+            </a:extLst>
+          </p:cNvPr>
+          <p:cNvSpPr txBox="1"/>
+          <p:nvPr/>
+        </p:nvSpPr>
+        <p:spPr>
+          <a:xfrm>
+            <a:off x="4876802" y="1538558"/>
+            <a:ext cx="2590800" cy="646331"/>
+          </a:xfrm>
+          <a:prstGeom prst="rect">
+            <a:avLst/>
+          </a:prstGeom>
+        </p:spPr>
+        <p:style>
+          <a:lnRef idx="2">
+            <a:schemeClr val="dk1"/>
+          </a:lnRef>
+          <a:fillRef idx="1">
+            <a:schemeClr val="lt1"/>
+          </a:fillRef>
+          <a:effectRef idx="0">
+            <a:schemeClr val="dk1"/>
+          </a:effectRef>
+          <a:fontRef idx="minor">
+            <a:schemeClr val="dk1"/>
+          </a:fontRef>
+        </p:style>
+        <p:txBody>
+          <a:bodyPr wrap="square" rtlCol="0">
+            <a:spAutoFit/>
+          </a:bodyPr>
+          <a:lstStyle/>
+          <a:p>
+            <a:r>
+              <a:rPr lang="en-US" dirty="0"/>
+              <a:t>Feedback </a:t>
+            </a:r>
+          </a:p>
+          <a:p>
+            <a:r>
+              <a:rPr lang="en-US" dirty="0"/>
+              <a:t>Comment : type : string </a:t>
+            </a:r>
+          </a:p>
+        </p:txBody>
+      </p:sp>
+      <p:sp>
+        <p:nvSpPr>
+          <p:cNvPr id="16" name="TextBox 15">
+            <a:extLst>
+              <a:ext uri="{FF2B5EF4-FFF2-40B4-BE49-F238E27FC236}">
+                <a16:creationId xmlns:a16="http://schemas.microsoft.com/office/drawing/2014/main" id="{94952345-BBA0-BAD9-A522-4EA927138E55}"/>
+              </a:ext>
+            </a:extLst>
+          </p:cNvPr>
+          <p:cNvSpPr txBox="1"/>
+          <p:nvPr/>
+        </p:nvSpPr>
+        <p:spPr>
+          <a:xfrm>
+            <a:off x="8828315" y="4060371"/>
+            <a:ext cx="2830285" cy="2308324"/>
+          </a:xfrm>
+          <a:prstGeom prst="rect">
+            <a:avLst/>
+          </a:prstGeom>
+        </p:spPr>
+        <p:style>
+          <a:lnRef idx="2">
+            <a:schemeClr val="dk1"/>
+          </a:lnRef>
+          <a:fillRef idx="1">
+            <a:schemeClr val="lt1"/>
+          </a:fillRef>
+          <a:effectRef idx="0">
+            <a:schemeClr val="dk1"/>
+          </a:effectRef>
+          <a:fontRef idx="minor">
+            <a:schemeClr val="dk1"/>
+          </a:fontRef>
+        </p:style>
+        <p:txBody>
+          <a:bodyPr wrap="square" rtlCol="0">
+            <a:spAutoFit/>
+          </a:bodyPr>
+          <a:lstStyle/>
+          <a:p>
+            <a:r>
+              <a:rPr lang="en-US" dirty="0"/>
+              <a:t>Service </a:t>
+            </a:r>
+          </a:p>
+          <a:p>
+            <a:r>
+              <a:rPr lang="en-US" dirty="0"/>
+              <a:t>Email : type = string </a:t>
+            </a:r>
+          </a:p>
+          <a:p>
+            <a:r>
+              <a:rPr lang="en-US" dirty="0"/>
+              <a:t>Address :type = string </a:t>
+            </a:r>
+          </a:p>
+          <a:p>
+            <a:r>
+              <a:rPr lang="en-US" dirty="0"/>
+              <a:t>Phone :type = int</a:t>
+            </a:r>
+          </a:p>
+          <a:p>
+            <a:r>
+              <a:rPr lang="en-US" dirty="0"/>
+              <a:t>Pitches : type = string </a:t>
+            </a:r>
+          </a:p>
+          <a:p>
+            <a:endParaRPr lang="en-US" dirty="0"/>
+          </a:p>
+          <a:p>
+            <a:endParaRPr lang="en-US" dirty="0"/>
+          </a:p>
+          <a:p>
+            <a:r>
+              <a:rPr lang="en-US" dirty="0"/>
+              <a:t> </a:t>
+            </a:r>
+          </a:p>
+        </p:txBody>
+      </p:sp>
+      <p:cxnSp>
+        <p:nvCxnSpPr>
+          <p:cNvPr id="18" name="Straight Arrow Connector 17">
+            <a:extLst>
+              <a:ext uri="{FF2B5EF4-FFF2-40B4-BE49-F238E27FC236}">
+                <a16:creationId xmlns:a16="http://schemas.microsoft.com/office/drawing/2014/main" id="{59FE25E7-731F-E7DE-5F9B-DAD0BB45606F}"/>
+              </a:ext>
+            </a:extLst>
+          </p:cNvPr>
+          <p:cNvCxnSpPr/>
+          <p:nvPr/>
+        </p:nvCxnSpPr>
+        <p:spPr>
+          <a:xfrm flipV="1">
+            <a:off x="10036629" y="2775857"/>
+            <a:ext cx="0" cy="1186543"/>
+          </a:xfrm>
+          <a:prstGeom prst="straightConnector1">
+            <a:avLst/>
+          </a:prstGeom>
+          <a:ln>
+            <a:tailEnd type="triangle"/>
+          </a:ln>
+        </p:spPr>
+        <p:style>
+          <a:lnRef idx="2">
+            <a:schemeClr val="accent1"/>
+          </a:lnRef>
+          <a:fillRef idx="0">
+            <a:schemeClr val="accent1"/>
+          </a:fillRef>
+          <a:effectRef idx="1">
+            <a:schemeClr val="accent1"/>
+          </a:effectRef>
+          <a:fontRef idx="minor">
+            <a:schemeClr val="tx1"/>
+          </a:fontRef>
+        </p:style>
+      </p:cxnSp>
+      <p:sp>
+        <p:nvSpPr>
+          <p:cNvPr id="19" name="TextBox 18">
+            <a:extLst>
+              <a:ext uri="{FF2B5EF4-FFF2-40B4-BE49-F238E27FC236}">
+                <a16:creationId xmlns:a16="http://schemas.microsoft.com/office/drawing/2014/main" id="{0706E1C3-B605-1F87-527F-34C27B879538}"/>
+              </a:ext>
+            </a:extLst>
+          </p:cNvPr>
+          <p:cNvSpPr txBox="1"/>
+          <p:nvPr/>
+        </p:nvSpPr>
+        <p:spPr>
+          <a:xfrm>
+            <a:off x="8828315" y="1027906"/>
+            <a:ext cx="2656114" cy="1477328"/>
+          </a:xfrm>
+          <a:prstGeom prst="rect">
+            <a:avLst/>
+          </a:prstGeom>
+        </p:spPr>
+        <p:style>
+          <a:lnRef idx="2">
+            <a:schemeClr val="dk1"/>
+          </a:lnRef>
+          <a:fillRef idx="1">
+            <a:schemeClr val="lt1"/>
+          </a:fillRef>
+          <a:effectRef idx="0">
+            <a:schemeClr val="dk1"/>
+          </a:effectRef>
+          <a:fontRef idx="minor">
+            <a:schemeClr val="dk1"/>
+          </a:fontRef>
+        </p:style>
+        <p:txBody>
+          <a:bodyPr wrap="square" rtlCol="0">
+            <a:spAutoFit/>
+          </a:bodyPr>
+          <a:lstStyle/>
+          <a:p>
+            <a:r>
+              <a:rPr lang="en-US" dirty="0"/>
+              <a:t>Types</a:t>
+            </a:r>
+          </a:p>
+          <a:p>
+            <a:r>
+              <a:rPr lang="en-US" dirty="0"/>
+              <a:t>ID : type = int </a:t>
+            </a:r>
+          </a:p>
+          <a:p>
+            <a:r>
+              <a:rPr lang="en-US" dirty="0"/>
+              <a:t>Name : type = string</a:t>
+            </a:r>
+          </a:p>
+          <a:p>
+            <a:r>
+              <a:rPr lang="en-US" dirty="0"/>
+              <a:t>Pitches : type : string </a:t>
+            </a:r>
+          </a:p>
+          <a:p>
+            <a:endParaRPr lang="en-US" dirty="0"/>
+          </a:p>
+        </p:txBody>
+      </p:sp>
+      <p:sp>
+        <p:nvSpPr>
+          <p:cNvPr id="21" name="TextBox 20">
+            <a:extLst>
+              <a:ext uri="{FF2B5EF4-FFF2-40B4-BE49-F238E27FC236}">
+                <a16:creationId xmlns:a16="http://schemas.microsoft.com/office/drawing/2014/main" id="{094597DA-EA28-4FCA-D2EA-89F5600C5213}"/>
+              </a:ext>
+            </a:extLst>
+          </p:cNvPr>
+          <p:cNvSpPr txBox="1"/>
+          <p:nvPr/>
+        </p:nvSpPr>
+        <p:spPr>
+          <a:xfrm>
+            <a:off x="9394371" y="3203942"/>
+            <a:ext cx="1273629" cy="369332"/>
+          </a:xfrm>
+          <a:prstGeom prst="rect">
+            <a:avLst/>
+          </a:prstGeom>
+          <a:noFill/>
+        </p:spPr>
+        <p:txBody>
+          <a:bodyPr wrap="square" rtlCol="0">
+            <a:spAutoFit/>
+          </a:bodyPr>
+          <a:lstStyle/>
+          <a:p>
+            <a:r>
+              <a:rPr lang="en-US" dirty="0"/>
+              <a:t>has</a:t>
+            </a:r>
+          </a:p>
+        </p:txBody>
+      </p:sp>
+    </p:spTree>
+    <p:extLst>
+      <p:ext uri="{BB962C8B-B14F-4D97-AF65-F5344CB8AC3E}">
+        <p14:creationId xmlns:p14="http://schemas.microsoft.com/office/powerpoint/2010/main" val="3587744656"/>
+      </p:ext>
+    </p:extLst>
+  </p:cSld>
+  <p:clrMapOvr>
+    <a:masterClrMapping/>
+  </p:clrMapOvr>
+  <p:transition spd="slow">
+    <p:wipe/>
+  </p:transition>
+  <p:timing>
+    <p:tnLst>
+      <p:par>
+        <p:cTn id="1" dur="indefinite" restart="never" nodeType="tmRoot">
+          <p:childTnLst>
+            <p:seq concurrent="1" nextAc="seek">
+              <p:cTn id="2" dur="indefinite" nodeType="mainSeq">
+                <p:childTnLst>
+                  <p:par>
+                    <p:cTn id="3" fill="hold">
+                      <p:stCondLst>
+                        <p:cond delay="indefinite"/>
+                      </p:stCondLst>
+                      <p:childTnLst>
+                        <p:par>
+                          <p:cTn id="4" fill="hold">
+                            <p:stCondLst>
+                              <p:cond delay="0"/>
+                            </p:stCondLst>
+                            <p:childTnLst>
+                              <p:par>
+                                <p:cTn id="5" presetID="2" presetClass="entr" presetSubtype="4" fill="hold" grpId="0" nodeType="clickEffect">
+                                  <p:stCondLst>
+                                    <p:cond delay="0"/>
+                                  </p:stCondLst>
+                                  <p:childTnLst>
+                                    <p:set>
+                                      <p:cBhvr>
+                                        <p:cTn id="6" dur="1" fill="hold">
+                                          <p:stCondLst>
+                                            <p:cond delay="0"/>
+                                          </p:stCondLst>
+                                        </p:cTn>
+                                        <p:tgtEl>
+                                          <p:spTgt spid="2"/>
+                                        </p:tgtEl>
+                                        <p:attrNameLst>
+                                          <p:attrName>style.visibility</p:attrName>
+                                        </p:attrNameLst>
+                                      </p:cBhvr>
+                                      <p:to>
+                                        <p:strVal val="visible"/>
+                                      </p:to>
+                                    </p:set>
+                                    <p:anim calcmode="lin" valueType="num">
+                                      <p:cBhvr additive="base">
+                                        <p:cTn id="7" dur="500" fill="hold"/>
+                                        <p:tgtEl>
+                                          <p:spTgt spid="2"/>
+                                        </p:tgtEl>
+                                        <p:attrNameLst>
+                                          <p:attrName>ppt_x</p:attrName>
+                                        </p:attrNameLst>
+                                      </p:cBhvr>
+                                      <p:tavLst>
+                                        <p:tav tm="0">
+                                          <p:val>
+                                            <p:strVal val="#ppt_x"/>
+                                          </p:val>
+                                        </p:tav>
+                                        <p:tav tm="100000">
+                                          <p:val>
+                                            <p:strVal val="#ppt_x"/>
+                                          </p:val>
+                                        </p:tav>
+                                      </p:tavLst>
+                                    </p:anim>
+                                    <p:anim calcmode="lin" valueType="num">
+                                      <p:cBhvr additive="base">
+                                        <p:cTn id="8" dur="500" fill="hold"/>
+                                        <p:tgtEl>
+                                          <p:spTgt spid="2"/>
+                                        </p:tgtEl>
+                                        <p:attrNameLst>
+                                          <p:attrName>ppt_y</p:attrName>
+                                        </p:attrNameLst>
+                                      </p:cBhvr>
+                                      <p:tavLst>
+                                        <p:tav tm="0">
+                                          <p:val>
+                                            <p:strVal val="1+#ppt_h/2"/>
+                                          </p:val>
+                                        </p:tav>
+                                        <p:tav tm="100000">
+                                          <p:val>
+                                            <p:strVal val="#ppt_y"/>
+                                          </p:val>
+                                        </p:tav>
+                                      </p:tavLst>
+                                    </p:anim>
+                                  </p:childTnLst>
+                                </p:cTn>
+                              </p:par>
+                            </p:childTnLst>
+                          </p:cTn>
+                        </p:par>
+                      </p:childTnLst>
+                    </p:cTn>
+                  </p:par>
+                  <p:par>
+                    <p:cTn id="9" fill="hold">
+                      <p:stCondLst>
+                        <p:cond delay="indefinite"/>
+                      </p:stCondLst>
+                      <p:childTnLst>
+                        <p:par>
+                          <p:cTn id="10" fill="hold">
+                            <p:stCondLst>
+                              <p:cond delay="0"/>
+                            </p:stCondLst>
+                            <p:childTnLst>
+                              <p:par>
+                                <p:cTn id="11" presetID="2" presetClass="entr" presetSubtype="4" fill="hold" grpId="0" nodeType="clickEffect">
+                                  <p:stCondLst>
+                                    <p:cond delay="0"/>
+                                  </p:stCondLst>
+                                  <p:childTnLst>
+                                    <p:set>
+                                      <p:cBhvr>
+                                        <p:cTn id="12" dur="1" fill="hold">
+                                          <p:stCondLst>
+                                            <p:cond delay="0"/>
+                                          </p:stCondLst>
+                                        </p:cTn>
+                                        <p:tgtEl>
+                                          <p:spTgt spid="4"/>
+                                        </p:tgtEl>
+                                        <p:attrNameLst>
+                                          <p:attrName>style.visibility</p:attrName>
+                                        </p:attrNameLst>
+                                      </p:cBhvr>
+                                      <p:to>
+                                        <p:strVal val="visible"/>
+                                      </p:to>
+                                    </p:set>
+                                    <p:anim calcmode="lin" valueType="num">
+                                      <p:cBhvr additive="base">
+                                        <p:cTn id="13" dur="500" fill="hold"/>
+                                        <p:tgtEl>
+                                          <p:spTgt spid="4"/>
+                                        </p:tgtEl>
+                                        <p:attrNameLst>
+                                          <p:attrName>ppt_x</p:attrName>
+                                        </p:attrNameLst>
+                                      </p:cBhvr>
+                                      <p:tavLst>
+                                        <p:tav tm="0">
+                                          <p:val>
+                                            <p:strVal val="#ppt_x"/>
+                                          </p:val>
+                                        </p:tav>
+                                        <p:tav tm="100000">
+                                          <p:val>
+                                            <p:strVal val="#ppt_x"/>
+                                          </p:val>
+                                        </p:tav>
+                                      </p:tavLst>
+                                    </p:anim>
+                                    <p:anim calcmode="lin" valueType="num">
+                                      <p:cBhvr additive="base">
+                                        <p:cTn id="14" dur="500" fill="hold"/>
+                                        <p:tgtEl>
+                                          <p:spTgt spid="4"/>
+                                        </p:tgtEl>
+                                        <p:attrNameLst>
+                                          <p:attrName>ppt_y</p:attrName>
+                                        </p:attrNameLst>
+                                      </p:cBhvr>
+                                      <p:tavLst>
+                                        <p:tav tm="0">
+                                          <p:val>
+                                            <p:strVal val="1+#ppt_h/2"/>
+                                          </p:val>
+                                        </p:tav>
+                                        <p:tav tm="100000">
+                                          <p:val>
+                                            <p:strVal val="#ppt_y"/>
+                                          </p:val>
+                                        </p:tav>
+                                      </p:tavLst>
+                                    </p:anim>
+                                  </p:childTnLst>
+                                </p:cTn>
+                              </p:par>
+                            </p:childTnLst>
+                          </p:cTn>
+                        </p:par>
+                      </p:childTnLst>
+                    </p:cTn>
+                  </p:par>
+                  <p:par>
+                    <p:cTn id="15" fill="hold">
+                      <p:stCondLst>
+                        <p:cond delay="indefinite"/>
+                      </p:stCondLst>
+                      <p:childTnLst>
+                        <p:par>
+                          <p:cTn id="16" fill="hold">
+                            <p:stCondLst>
+                              <p:cond delay="0"/>
+                            </p:stCondLst>
+                            <p:childTnLst>
+                              <p:par>
+                                <p:cTn id="17" presetID="10" presetClass="entr" presetSubtype="0" fill="hold" nodeType="clickEffect">
+                                  <p:stCondLst>
+                                    <p:cond delay="0"/>
+                                  </p:stCondLst>
+                                  <p:childTnLst>
+                                    <p:set>
+                                      <p:cBhvr>
+                                        <p:cTn id="18" dur="1" fill="hold">
+                                          <p:stCondLst>
+                                            <p:cond delay="0"/>
+                                          </p:stCondLst>
+                                        </p:cTn>
+                                        <p:tgtEl>
+                                          <p:spTgt spid="10"/>
+                                        </p:tgtEl>
+                                        <p:attrNameLst>
+                                          <p:attrName>style.visibility</p:attrName>
+                                        </p:attrNameLst>
+                                      </p:cBhvr>
+                                      <p:to>
+                                        <p:strVal val="visible"/>
+                                      </p:to>
+                                    </p:set>
+                                    <p:animEffect transition="in" filter="fade">
+                                      <p:cBhvr>
+                                        <p:cTn id="19" dur="500"/>
+                                        <p:tgtEl>
+                                          <p:spTgt spid="10"/>
+                                        </p:tgtEl>
+                                      </p:cBhvr>
+                                    </p:animEffect>
+                                  </p:childTnLst>
+                                </p:cTn>
+                              </p:par>
+                              <p:par>
+                                <p:cTn id="20" presetID="10" presetClass="entr" presetSubtype="0" fill="hold" nodeType="withEffect">
+                                  <p:stCondLst>
+                                    <p:cond delay="0"/>
+                                  </p:stCondLst>
+                                  <p:childTnLst>
+                                    <p:set>
+                                      <p:cBhvr>
+                                        <p:cTn id="21" dur="1" fill="hold">
+                                          <p:stCondLst>
+                                            <p:cond delay="0"/>
+                                          </p:stCondLst>
+                                        </p:cTn>
+                                        <p:tgtEl>
+                                          <p:spTgt spid="7"/>
+                                        </p:tgtEl>
+                                        <p:attrNameLst>
+                                          <p:attrName>style.visibility</p:attrName>
+                                        </p:attrNameLst>
+                                      </p:cBhvr>
+                                      <p:to>
+                                        <p:strVal val="visible"/>
+                                      </p:to>
+                                    </p:set>
+                                    <p:animEffect transition="in" filter="fade">
+                                      <p:cBhvr>
+                                        <p:cTn id="22" dur="500"/>
+                                        <p:tgtEl>
+                                          <p:spTgt spid="7"/>
+                                        </p:tgtEl>
+                                      </p:cBhvr>
+                                    </p:animEffect>
+                                  </p:childTnLst>
+                                </p:cTn>
+                              </p:par>
+                              <p:par>
+                                <p:cTn id="23" presetID="10" presetClass="entr" presetSubtype="0" fill="hold" grpId="0" nodeType="withEffect">
+                                  <p:stCondLst>
+                                    <p:cond delay="0"/>
+                                  </p:stCondLst>
+                                  <p:childTnLst>
+                                    <p:set>
+                                      <p:cBhvr>
+                                        <p:cTn id="24" dur="1" fill="hold">
+                                          <p:stCondLst>
+                                            <p:cond delay="0"/>
+                                          </p:stCondLst>
+                                        </p:cTn>
+                                        <p:tgtEl>
+                                          <p:spTgt spid="11"/>
+                                        </p:tgtEl>
+                                        <p:attrNameLst>
+                                          <p:attrName>style.visibility</p:attrName>
+                                        </p:attrNameLst>
+                                      </p:cBhvr>
+                                      <p:to>
+                                        <p:strVal val="visible"/>
+                                      </p:to>
+                                    </p:set>
+                                    <p:animEffect transition="in" filter="fade">
+                                      <p:cBhvr>
+                                        <p:cTn id="25" dur="500"/>
+                                        <p:tgtEl>
+                                          <p:spTgt spid="11"/>
+                                        </p:tgtEl>
+                                      </p:cBhvr>
+                                    </p:animEffect>
+                                  </p:childTnLst>
+                                </p:cTn>
+                              </p:par>
+                              <p:par>
+                                <p:cTn id="26" presetID="10" presetClass="entr" presetSubtype="0" fill="hold" grpId="0" nodeType="withEffect">
+                                  <p:stCondLst>
+                                    <p:cond delay="0"/>
+                                  </p:stCondLst>
+                                  <p:childTnLst>
+                                    <p:set>
+                                      <p:cBhvr>
+                                        <p:cTn id="27" dur="1" fill="hold">
+                                          <p:stCondLst>
+                                            <p:cond delay="0"/>
+                                          </p:stCondLst>
+                                        </p:cTn>
+                                        <p:tgtEl>
+                                          <p:spTgt spid="8"/>
+                                        </p:tgtEl>
+                                        <p:attrNameLst>
+                                          <p:attrName>style.visibility</p:attrName>
+                                        </p:attrNameLst>
+                                      </p:cBhvr>
+                                      <p:to>
+                                        <p:strVal val="visible"/>
+                                      </p:to>
+                                    </p:set>
+                                    <p:animEffect transition="in" filter="fade">
+                                      <p:cBhvr>
+                                        <p:cTn id="28" dur="500"/>
+                                        <p:tgtEl>
+                                          <p:spTgt spid="8"/>
+                                        </p:tgtEl>
+                                      </p:cBhvr>
+                                    </p:animEffect>
+                                  </p:childTnLst>
+                                </p:cTn>
+                              </p:par>
+                            </p:childTnLst>
+                          </p:cTn>
+                        </p:par>
+                      </p:childTnLst>
+                    </p:cTn>
+                  </p:par>
+                  <p:par>
+                    <p:cTn id="29" fill="hold">
+                      <p:stCondLst>
+                        <p:cond delay="indefinite"/>
+                      </p:stCondLst>
+                      <p:childTnLst>
+                        <p:par>
+                          <p:cTn id="30" fill="hold">
+                            <p:stCondLst>
+                              <p:cond delay="0"/>
+                            </p:stCondLst>
+                            <p:childTnLst>
+                              <p:par>
+                                <p:cTn id="31" presetID="22" presetClass="entr" presetSubtype="4" fill="hold" grpId="0" nodeType="clickEffect">
+                                  <p:stCondLst>
+                                    <p:cond delay="0"/>
+                                  </p:stCondLst>
+                                  <p:childTnLst>
+                                    <p:set>
+                                      <p:cBhvr>
+                                        <p:cTn id="32" dur="1" fill="hold">
+                                          <p:stCondLst>
+                                            <p:cond delay="0"/>
+                                          </p:stCondLst>
+                                        </p:cTn>
+                                        <p:tgtEl>
+                                          <p:spTgt spid="15"/>
+                                        </p:tgtEl>
+                                        <p:attrNameLst>
+                                          <p:attrName>style.visibility</p:attrName>
+                                        </p:attrNameLst>
+                                      </p:cBhvr>
+                                      <p:to>
+                                        <p:strVal val="visible"/>
+                                      </p:to>
+                                    </p:set>
+                                    <p:animEffect transition="in" filter="wipe(down)">
+                                      <p:cBhvr>
+                                        <p:cTn id="33" dur="500"/>
+                                        <p:tgtEl>
+                                          <p:spTgt spid="15"/>
+                                        </p:tgtEl>
+                                      </p:cBhvr>
+                                    </p:animEffect>
+                                  </p:childTnLst>
+                                </p:cTn>
+                              </p:par>
+                            </p:childTnLst>
+                          </p:cTn>
+                        </p:par>
+                      </p:childTnLst>
+                    </p:cTn>
+                  </p:par>
+                  <p:par>
+                    <p:cTn id="34" fill="hold">
+                      <p:stCondLst>
+                        <p:cond delay="indefinite"/>
+                      </p:stCondLst>
+                      <p:childTnLst>
+                        <p:par>
+                          <p:cTn id="35" fill="hold">
+                            <p:stCondLst>
+                              <p:cond delay="0"/>
+                            </p:stCondLst>
+                            <p:childTnLst>
+                              <p:par>
+                                <p:cTn id="36" presetID="2" presetClass="entr" presetSubtype="4" fill="hold" grpId="0" nodeType="clickEffect">
+                                  <p:stCondLst>
+                                    <p:cond delay="0"/>
+                                  </p:stCondLst>
+                                  <p:childTnLst>
+                                    <p:set>
+                                      <p:cBhvr>
+                                        <p:cTn id="37" dur="1" fill="hold">
+                                          <p:stCondLst>
+                                            <p:cond delay="0"/>
+                                          </p:stCondLst>
+                                        </p:cTn>
+                                        <p:tgtEl>
+                                          <p:spTgt spid="5"/>
+                                        </p:tgtEl>
+                                        <p:attrNameLst>
+                                          <p:attrName>style.visibility</p:attrName>
+                                        </p:attrNameLst>
+                                      </p:cBhvr>
+                                      <p:to>
+                                        <p:strVal val="visible"/>
+                                      </p:to>
+                                    </p:set>
+                                    <p:anim calcmode="lin" valueType="num">
+                                      <p:cBhvr additive="base">
+                                        <p:cTn id="38" dur="500" fill="hold"/>
+                                        <p:tgtEl>
+                                          <p:spTgt spid="5"/>
+                                        </p:tgtEl>
+                                        <p:attrNameLst>
+                                          <p:attrName>ppt_x</p:attrName>
+                                        </p:attrNameLst>
+                                      </p:cBhvr>
+                                      <p:tavLst>
+                                        <p:tav tm="0">
+                                          <p:val>
+                                            <p:strVal val="#ppt_x"/>
+                                          </p:val>
+                                        </p:tav>
+                                        <p:tav tm="100000">
+                                          <p:val>
+                                            <p:strVal val="#ppt_x"/>
+                                          </p:val>
+                                        </p:tav>
+                                      </p:tavLst>
+                                    </p:anim>
+                                    <p:anim calcmode="lin" valueType="num">
+                                      <p:cBhvr additive="base">
+                                        <p:cTn id="39" dur="500" fill="hold"/>
+                                        <p:tgtEl>
+                                          <p:spTgt spid="5"/>
+                                        </p:tgtEl>
+                                        <p:attrNameLst>
+                                          <p:attrName>ppt_y</p:attrName>
+                                        </p:attrNameLst>
+                                      </p:cBhvr>
+                                      <p:tavLst>
+                                        <p:tav tm="0">
+                                          <p:val>
+                                            <p:strVal val="1+#ppt_h/2"/>
+                                          </p:val>
+                                        </p:tav>
+                                        <p:tav tm="100000">
+                                          <p:val>
+                                            <p:strVal val="#ppt_y"/>
+                                          </p:val>
+                                        </p:tav>
+                                      </p:tavLst>
+                                    </p:anim>
+                                  </p:childTnLst>
+                                </p:cTn>
+                              </p:par>
+                            </p:childTnLst>
+                          </p:cTn>
+                        </p:par>
+                      </p:childTnLst>
+                    </p:cTn>
+                  </p:par>
+                  <p:par>
+                    <p:cTn id="40" fill="hold">
+                      <p:stCondLst>
+                        <p:cond delay="indefinite"/>
+                      </p:stCondLst>
+                      <p:childTnLst>
+                        <p:par>
+                          <p:cTn id="41" fill="hold">
+                            <p:stCondLst>
+                              <p:cond delay="0"/>
+                            </p:stCondLst>
+                            <p:childTnLst>
+                              <p:par>
+                                <p:cTn id="42" presetID="22" presetClass="entr" presetSubtype="4" fill="hold" grpId="0" nodeType="clickEffect">
+                                  <p:stCondLst>
+                                    <p:cond delay="0"/>
+                                  </p:stCondLst>
+                                  <p:childTnLst>
+                                    <p:set>
+                                      <p:cBhvr>
+                                        <p:cTn id="43" dur="1" fill="hold">
+                                          <p:stCondLst>
+                                            <p:cond delay="0"/>
+                                          </p:stCondLst>
+                                        </p:cTn>
+                                        <p:tgtEl>
+                                          <p:spTgt spid="16"/>
+                                        </p:tgtEl>
+                                        <p:attrNameLst>
+                                          <p:attrName>style.visibility</p:attrName>
+                                        </p:attrNameLst>
+                                      </p:cBhvr>
+                                      <p:to>
+                                        <p:strVal val="visible"/>
+                                      </p:to>
+                                    </p:set>
+                                    <p:animEffect transition="in" filter="wipe(down)">
+                                      <p:cBhvr>
+                                        <p:cTn id="44" dur="500"/>
+                                        <p:tgtEl>
+                                          <p:spTgt spid="16"/>
+                                        </p:tgtEl>
+                                      </p:cBhvr>
+                                    </p:animEffect>
+                                  </p:childTnLst>
+                                </p:cTn>
+                              </p:par>
+                            </p:childTnLst>
+                          </p:cTn>
+                        </p:par>
+                      </p:childTnLst>
+                    </p:cTn>
+                  </p:par>
+                  <p:par>
+                    <p:cTn id="45" fill="hold">
+                      <p:stCondLst>
+                        <p:cond delay="indefinite"/>
+                      </p:stCondLst>
+                      <p:childTnLst>
+                        <p:par>
+                          <p:cTn id="46" fill="hold">
+                            <p:stCondLst>
+                              <p:cond delay="0"/>
+                            </p:stCondLst>
+                            <p:childTnLst>
+                              <p:par>
+                                <p:cTn id="47" presetID="6" presetClass="entr" presetSubtype="16" fill="hold" nodeType="clickEffect">
+                                  <p:stCondLst>
+                                    <p:cond delay="0"/>
+                                  </p:stCondLst>
+                                  <p:childTnLst>
+                                    <p:set>
+                                      <p:cBhvr>
+                                        <p:cTn id="48" dur="1" fill="hold">
+                                          <p:stCondLst>
+                                            <p:cond delay="0"/>
+                                          </p:stCondLst>
+                                        </p:cTn>
+                                        <p:tgtEl>
+                                          <p:spTgt spid="18"/>
+                                        </p:tgtEl>
+                                        <p:attrNameLst>
+                                          <p:attrName>style.visibility</p:attrName>
+                                        </p:attrNameLst>
+                                      </p:cBhvr>
+                                      <p:to>
+                                        <p:strVal val="visible"/>
+                                      </p:to>
+                                    </p:set>
+                                    <p:animEffect transition="in" filter="circle(in)">
+                                      <p:cBhvr>
+                                        <p:cTn id="49" dur="2000"/>
+                                        <p:tgtEl>
+                                          <p:spTgt spid="18"/>
+                                        </p:tgtEl>
+                                      </p:cBhvr>
+                                    </p:animEffect>
+                                  </p:childTnLst>
+                                </p:cTn>
+                              </p:par>
+                              <p:par>
+                                <p:cTn id="50" presetID="6" presetClass="entr" presetSubtype="16" fill="hold" grpId="0" nodeType="withEffect">
+                                  <p:stCondLst>
+                                    <p:cond delay="0"/>
+                                  </p:stCondLst>
+                                  <p:childTnLst>
+                                    <p:set>
+                                      <p:cBhvr>
+                                        <p:cTn id="51" dur="1" fill="hold">
+                                          <p:stCondLst>
+                                            <p:cond delay="0"/>
+                                          </p:stCondLst>
+                                        </p:cTn>
+                                        <p:tgtEl>
+                                          <p:spTgt spid="21"/>
+                                        </p:tgtEl>
+                                        <p:attrNameLst>
+                                          <p:attrName>style.visibility</p:attrName>
+                                        </p:attrNameLst>
+                                      </p:cBhvr>
+                                      <p:to>
+                                        <p:strVal val="visible"/>
+                                      </p:to>
+                                    </p:set>
+                                    <p:animEffect transition="in" filter="circle(in)">
+                                      <p:cBhvr>
+                                        <p:cTn id="52" dur="2000"/>
+                                        <p:tgtEl>
+                                          <p:spTgt spid="21"/>
+                                        </p:tgtEl>
+                                      </p:cBhvr>
+                                    </p:animEffect>
+                                  </p:childTnLst>
+                                </p:cTn>
+                              </p:par>
+                            </p:childTnLst>
+                          </p:cTn>
+                        </p:par>
+                      </p:childTnLst>
+                    </p:cTn>
+                  </p:par>
+                  <p:par>
+                    <p:cTn id="53" fill="hold">
+                      <p:stCondLst>
+                        <p:cond delay="indefinite"/>
+                      </p:stCondLst>
+                      <p:childTnLst>
+                        <p:par>
+                          <p:cTn id="54" fill="hold">
+                            <p:stCondLst>
+                              <p:cond delay="0"/>
+                            </p:stCondLst>
+                            <p:childTnLst>
+                              <p:par>
+                                <p:cTn id="55" presetID="21" presetClass="entr" presetSubtype="1" fill="hold" grpId="0" nodeType="clickEffect">
+                                  <p:stCondLst>
+                                    <p:cond delay="0"/>
+                                  </p:stCondLst>
+                                  <p:childTnLst>
+                                    <p:set>
+                                      <p:cBhvr>
+                                        <p:cTn id="56" dur="1" fill="hold">
+                                          <p:stCondLst>
+                                            <p:cond delay="0"/>
+                                          </p:stCondLst>
+                                        </p:cTn>
+                                        <p:tgtEl>
+                                          <p:spTgt spid="19"/>
+                                        </p:tgtEl>
+                                        <p:attrNameLst>
+                                          <p:attrName>style.visibility</p:attrName>
+                                        </p:attrNameLst>
+                                      </p:cBhvr>
+                                      <p:to>
+                                        <p:strVal val="visible"/>
+                                      </p:to>
+                                    </p:set>
+                                    <p:animEffect transition="in" filter="wheel(1)">
+                                      <p:cBhvr>
+                                        <p:cTn id="57" dur="2000"/>
+                                        <p:tgtEl>
+                                          <p:spTgt spid="19"/>
+                                        </p:tgtEl>
+                                      </p:cBhvr>
+                                    </p:animEffect>
+                                  </p:childTnLst>
+                                </p:cTn>
+                              </p:par>
+                            </p:childTnLst>
+                          </p:cTn>
+                        </p:par>
+                      </p:childTnLst>
+                    </p:cTn>
+                  </p:par>
+                </p:childTnLst>
+              </p:cTn>
+              <p:prevCondLst>
+                <p:cond evt="onPrev" delay="0">
+                  <p:tgtEl>
+                    <p:sldTgt/>
+                  </p:tgtEl>
+                </p:cond>
+              </p:prevCondLst>
+              <p:nextCondLst>
+                <p:cond evt="onNext" delay="0">
+                  <p:tgtEl>
+                    <p:sldTgt/>
+                  </p:tgtEl>
+                </p:cond>
+              </p:nextCondLst>
+            </p:seq>
+          </p:childTnLst>
+        </p:cTn>
+      </p:par>
+    </p:tnLst>
+    <p:bldLst>
+      <p:bldP spid="2" grpId="0"/>
+      <p:bldP spid="4" grpId="0" animBg="1"/>
+      <p:bldP spid="5" grpId="0" animBg="1"/>
+      <p:bldP spid="8" grpId="0"/>
+      <p:bldP spid="11" grpId="0"/>
+      <p:bldP spid="15" grpId="0" animBg="1"/>
+      <p:bldP spid="16" grpId="0" animBg="1"/>
+      <p:bldP spid="19" grpId="0" animBg="1"/>
+      <p:bldP spid="21" grpId="0"/>
+    </p:bldLst>
   </p:timing>
 </p:sld>
 </file>
